--- a/Poster.pptx
+++ b/Poster.pptx
@@ -2,14 +2,15 @@
 <file path=ppt/presentation.xml><?xml version="1.0" encoding="utf-8"?>
 <p:presentation xmlns:a="http://schemas.openxmlformats.org/drawingml/2006/main" xmlns:r="http://schemas.openxmlformats.org/officeDocument/2006/relationships" xmlns:p="http://schemas.openxmlformats.org/presentationml/2006/main" saveSubsetFonts="1">
   <p:sldMasterIdLst>
-    <p:sldMasterId id="2147483720" r:id="rId1"/>
+    <p:sldMasterId id="2147483889" r:id="rId1"/>
   </p:sldMasterIdLst>
+  <p:notesMasterIdLst>
+    <p:notesMasterId r:id="rId3"/>
+  </p:notesMasterIdLst>
   <p:sldIdLst>
-    <p:sldId id="256" r:id="rId2"/>
-    <p:sldId id="259" r:id="rId3"/>
-    <p:sldId id="258" r:id="rId4"/>
+    <p:sldId id="260" r:id="rId2"/>
   </p:sldIdLst>
-  <p:sldSz cx="9144000" cy="5715000" type="screen16x10"/>
+  <p:sldSz cx="21945600" cy="11430000"/>
   <p:notesSz cx="6858000" cy="9144000"/>
   <p:defaultTextStyle>
     <a:defPPr>
@@ -106,7 +107,473 @@
       </a:defRPr>
     </a:lvl9pPr>
   </p:defaultTextStyle>
+  <p:extLst>
+    <p:ext uri="{EFAFB233-063F-42B5-8137-9DF3F51BA10A}">
+      <p15:sldGuideLst xmlns:p15="http://schemas.microsoft.com/office/powerpoint/2012/main">
+        <p15:guide id="1" orient="horz" pos="3600" userDrawn="1">
+          <p15:clr>
+            <a:srgbClr val="A4A3A4"/>
+          </p15:clr>
+        </p15:guide>
+        <p15:guide id="2" pos="6912" userDrawn="1">
+          <p15:clr>
+            <a:srgbClr val="A4A3A4"/>
+          </p15:clr>
+        </p15:guide>
+      </p15:sldGuideLst>
+    </p:ext>
+  </p:extLst>
 </p:presentation>
+</file>
+
+<file path=ppt/commentAuthors.xml><?xml version="1.0" encoding="utf-8"?>
+<p:cmAuthorLst xmlns:a="http://schemas.openxmlformats.org/drawingml/2006/main" xmlns:r="http://schemas.openxmlformats.org/officeDocument/2006/relationships" xmlns:p="http://schemas.openxmlformats.org/presentationml/2006/main">
+  <p:cmAuthor id="1" name="Delaynie M" initials="DM" lastIdx="1" clrIdx="0">
+    <p:extLst>
+      <p:ext uri="{19B8F6BF-5375-455C-9EA6-DF929625EA0E}">
+        <p15:presenceInfo xmlns:p15="http://schemas.microsoft.com/office/powerpoint/2012/main" userId="fa3dd14d6379c6a5" providerId="Windows Live"/>
+      </p:ext>
+    </p:extLst>
+  </p:cmAuthor>
+</p:cmAuthorLst>
+</file>
+
+<file path=ppt/notesMasters/notesMaster1.xml><?xml version="1.0" encoding="utf-8"?>
+<p:notesMaster xmlns:a="http://schemas.openxmlformats.org/drawingml/2006/main" xmlns:r="http://schemas.openxmlformats.org/officeDocument/2006/relationships" xmlns:p="http://schemas.openxmlformats.org/presentationml/2006/main">
+  <p:cSld>
+    <p:bg>
+      <p:bgRef idx="1001">
+        <a:schemeClr val="bg1"/>
+      </p:bgRef>
+    </p:bg>
+    <p:spTree>
+      <p:nvGrpSpPr>
+        <p:cNvPr id="1" name=""/>
+        <p:cNvGrpSpPr/>
+        <p:nvPr/>
+      </p:nvGrpSpPr>
+      <p:grpSpPr>
+        <a:xfrm>
+          <a:off x="0" y="0"/>
+          <a:ext cx="0" cy="0"/>
+          <a:chOff x="0" y="0"/>
+          <a:chExt cx="0" cy="0"/>
+        </a:xfrm>
+      </p:grpSpPr>
+      <p:sp>
+        <p:nvSpPr>
+          <p:cNvPr id="2" name="Header Placeholder 1"/>
+          <p:cNvSpPr>
+            <a:spLocks noGrp="1"/>
+          </p:cNvSpPr>
+          <p:nvPr>
+            <p:ph type="hdr" sz="quarter"/>
+          </p:nvPr>
+        </p:nvSpPr>
+        <p:spPr>
+          <a:xfrm>
+            <a:off x="0" y="0"/>
+            <a:ext cx="2971800" cy="458788"/>
+          </a:xfrm>
+          <a:prstGeom prst="rect">
+            <a:avLst/>
+          </a:prstGeom>
+        </p:spPr>
+        <p:txBody>
+          <a:bodyPr vert="horz" lIns="91440" tIns="45720" rIns="91440" bIns="45720" rtlCol="0"/>
+          <a:lstStyle>
+            <a:lvl1pPr algn="l">
+              <a:defRPr sz="1200"/>
+            </a:lvl1pPr>
+          </a:lstStyle>
+          <a:p>
+            <a:endParaRPr lang="en-US"/>
+          </a:p>
+        </p:txBody>
+      </p:sp>
+      <p:sp>
+        <p:nvSpPr>
+          <p:cNvPr id="3" name="Date Placeholder 2"/>
+          <p:cNvSpPr>
+            <a:spLocks noGrp="1"/>
+          </p:cNvSpPr>
+          <p:nvPr>
+            <p:ph type="dt" idx="1"/>
+          </p:nvPr>
+        </p:nvSpPr>
+        <p:spPr>
+          <a:xfrm>
+            <a:off x="3884613" y="0"/>
+            <a:ext cx="2971800" cy="458788"/>
+          </a:xfrm>
+          <a:prstGeom prst="rect">
+            <a:avLst/>
+          </a:prstGeom>
+        </p:spPr>
+        <p:txBody>
+          <a:bodyPr vert="horz" lIns="91440" tIns="45720" rIns="91440" bIns="45720" rtlCol="0"/>
+          <a:lstStyle>
+            <a:lvl1pPr algn="r">
+              <a:defRPr sz="1200"/>
+            </a:lvl1pPr>
+          </a:lstStyle>
+          <a:p>
+            <a:fld id="{7A4C888E-529B-4285-8AEE-73AD0302CA51}" type="datetimeFigureOut">
+              <a:rPr lang="en-US" smtClean="0"/>
+              <a:t>25-Aug-20</a:t>
+            </a:fld>
+            <a:endParaRPr lang="en-US"/>
+          </a:p>
+        </p:txBody>
+      </p:sp>
+      <p:sp>
+        <p:nvSpPr>
+          <p:cNvPr id="4" name="Slide Image Placeholder 3"/>
+          <p:cNvSpPr>
+            <a:spLocks noGrp="1" noRot="1" noChangeAspect="1"/>
+          </p:cNvSpPr>
+          <p:nvPr>
+            <p:ph type="sldImg" idx="2"/>
+          </p:nvPr>
+        </p:nvSpPr>
+        <p:spPr>
+          <a:xfrm>
+            <a:off x="466725" y="1143000"/>
+            <a:ext cx="5924550" cy="3086100"/>
+          </a:xfrm>
+          <a:prstGeom prst="rect">
+            <a:avLst/>
+          </a:prstGeom>
+          <a:noFill/>
+          <a:ln w="12700">
+            <a:solidFill>
+              <a:prstClr val="black"/>
+            </a:solidFill>
+          </a:ln>
+        </p:spPr>
+        <p:txBody>
+          <a:bodyPr vert="horz" lIns="91440" tIns="45720" rIns="91440" bIns="45720" rtlCol="0" anchor="ctr"/>
+          <a:lstStyle/>
+          <a:p>
+            <a:endParaRPr lang="en-US"/>
+          </a:p>
+        </p:txBody>
+      </p:sp>
+      <p:sp>
+        <p:nvSpPr>
+          <p:cNvPr id="5" name="Notes Placeholder 4"/>
+          <p:cNvSpPr>
+            <a:spLocks noGrp="1"/>
+          </p:cNvSpPr>
+          <p:nvPr>
+            <p:ph type="body" sz="quarter" idx="3"/>
+          </p:nvPr>
+        </p:nvSpPr>
+        <p:spPr>
+          <a:xfrm>
+            <a:off x="685800" y="4400550"/>
+            <a:ext cx="5486400" cy="3600450"/>
+          </a:xfrm>
+          <a:prstGeom prst="rect">
+            <a:avLst/>
+          </a:prstGeom>
+        </p:spPr>
+        <p:txBody>
+          <a:bodyPr vert="horz" lIns="91440" tIns="45720" rIns="91440" bIns="45720" rtlCol="0"/>
+          <a:lstStyle/>
+          <a:p>
+            <a:pPr lvl="0"/>
+            <a:r>
+              <a:rPr lang="en-US"/>
+              <a:t>Click to edit Master text styles</a:t>
+            </a:r>
+          </a:p>
+          <a:p>
+            <a:pPr lvl="1"/>
+            <a:r>
+              <a:rPr lang="en-US"/>
+              <a:t>Second level</a:t>
+            </a:r>
+          </a:p>
+          <a:p>
+            <a:pPr lvl="2"/>
+            <a:r>
+              <a:rPr lang="en-US"/>
+              <a:t>Third level</a:t>
+            </a:r>
+          </a:p>
+          <a:p>
+            <a:pPr lvl="3"/>
+            <a:r>
+              <a:rPr lang="en-US"/>
+              <a:t>Fourth level</a:t>
+            </a:r>
+          </a:p>
+          <a:p>
+            <a:pPr lvl="4"/>
+            <a:r>
+              <a:rPr lang="en-US"/>
+              <a:t>Fifth level</a:t>
+            </a:r>
+          </a:p>
+        </p:txBody>
+      </p:sp>
+      <p:sp>
+        <p:nvSpPr>
+          <p:cNvPr id="6" name="Footer Placeholder 5"/>
+          <p:cNvSpPr>
+            <a:spLocks noGrp="1"/>
+          </p:cNvSpPr>
+          <p:nvPr>
+            <p:ph type="ftr" sz="quarter" idx="4"/>
+          </p:nvPr>
+        </p:nvSpPr>
+        <p:spPr>
+          <a:xfrm>
+            <a:off x="0" y="8685213"/>
+            <a:ext cx="2971800" cy="458787"/>
+          </a:xfrm>
+          <a:prstGeom prst="rect">
+            <a:avLst/>
+          </a:prstGeom>
+        </p:spPr>
+        <p:txBody>
+          <a:bodyPr vert="horz" lIns="91440" tIns="45720" rIns="91440" bIns="45720" rtlCol="0" anchor="b"/>
+          <a:lstStyle>
+            <a:lvl1pPr algn="l">
+              <a:defRPr sz="1200"/>
+            </a:lvl1pPr>
+          </a:lstStyle>
+          <a:p>
+            <a:endParaRPr lang="en-US"/>
+          </a:p>
+        </p:txBody>
+      </p:sp>
+      <p:sp>
+        <p:nvSpPr>
+          <p:cNvPr id="7" name="Slide Number Placeholder 6"/>
+          <p:cNvSpPr>
+            <a:spLocks noGrp="1"/>
+          </p:cNvSpPr>
+          <p:nvPr>
+            <p:ph type="sldNum" sz="quarter" idx="5"/>
+          </p:nvPr>
+        </p:nvSpPr>
+        <p:spPr>
+          <a:xfrm>
+            <a:off x="3884613" y="8685213"/>
+            <a:ext cx="2971800" cy="458787"/>
+          </a:xfrm>
+          <a:prstGeom prst="rect">
+            <a:avLst/>
+          </a:prstGeom>
+        </p:spPr>
+        <p:txBody>
+          <a:bodyPr vert="horz" lIns="91440" tIns="45720" rIns="91440" bIns="45720" rtlCol="0" anchor="b"/>
+          <a:lstStyle>
+            <a:lvl1pPr algn="r">
+              <a:defRPr sz="1200"/>
+            </a:lvl1pPr>
+          </a:lstStyle>
+          <a:p>
+            <a:fld id="{FEE03149-FF8A-48E7-B8BE-2F12639FAA57}" type="slidenum">
+              <a:rPr lang="en-US" smtClean="0"/>
+              <a:t>‹#›</a:t>
+            </a:fld>
+            <a:endParaRPr lang="en-US"/>
+          </a:p>
+        </p:txBody>
+      </p:sp>
+    </p:spTree>
+    <p:extLst>
+      <p:ext uri="{BB962C8B-B14F-4D97-AF65-F5344CB8AC3E}">
+        <p14:creationId xmlns:p14="http://schemas.microsoft.com/office/powerpoint/2010/main" val="1657066385"/>
+      </p:ext>
+    </p:extLst>
+  </p:cSld>
+  <p:clrMap bg1="lt1" tx1="dk1" bg2="lt2" tx2="dk2" accent1="accent1" accent2="accent2" accent3="accent3" accent4="accent4" accent5="accent5" accent6="accent6" hlink="hlink" folHlink="folHlink"/>
+  <p:notesStyle>
+    <a:lvl1pPr marL="0" algn="l" defTabSz="1828800" rtl="0" eaLnBrk="1" latinLnBrk="0" hangingPunct="1">
+      <a:defRPr sz="2400" kern="1200">
+        <a:solidFill>
+          <a:schemeClr val="tx1"/>
+        </a:solidFill>
+        <a:latin typeface="+mn-lt"/>
+        <a:ea typeface="+mn-ea"/>
+        <a:cs typeface="+mn-cs"/>
+      </a:defRPr>
+    </a:lvl1pPr>
+    <a:lvl2pPr marL="914400" algn="l" defTabSz="1828800" rtl="0" eaLnBrk="1" latinLnBrk="0" hangingPunct="1">
+      <a:defRPr sz="2400" kern="1200">
+        <a:solidFill>
+          <a:schemeClr val="tx1"/>
+        </a:solidFill>
+        <a:latin typeface="+mn-lt"/>
+        <a:ea typeface="+mn-ea"/>
+        <a:cs typeface="+mn-cs"/>
+      </a:defRPr>
+    </a:lvl2pPr>
+    <a:lvl3pPr marL="1828800" algn="l" defTabSz="1828800" rtl="0" eaLnBrk="1" latinLnBrk="0" hangingPunct="1">
+      <a:defRPr sz="2400" kern="1200">
+        <a:solidFill>
+          <a:schemeClr val="tx1"/>
+        </a:solidFill>
+        <a:latin typeface="+mn-lt"/>
+        <a:ea typeface="+mn-ea"/>
+        <a:cs typeface="+mn-cs"/>
+      </a:defRPr>
+    </a:lvl3pPr>
+    <a:lvl4pPr marL="2743200" algn="l" defTabSz="1828800" rtl="0" eaLnBrk="1" latinLnBrk="0" hangingPunct="1">
+      <a:defRPr sz="2400" kern="1200">
+        <a:solidFill>
+          <a:schemeClr val="tx1"/>
+        </a:solidFill>
+        <a:latin typeface="+mn-lt"/>
+        <a:ea typeface="+mn-ea"/>
+        <a:cs typeface="+mn-cs"/>
+      </a:defRPr>
+    </a:lvl4pPr>
+    <a:lvl5pPr marL="3657600" algn="l" defTabSz="1828800" rtl="0" eaLnBrk="1" latinLnBrk="0" hangingPunct="1">
+      <a:defRPr sz="2400" kern="1200">
+        <a:solidFill>
+          <a:schemeClr val="tx1"/>
+        </a:solidFill>
+        <a:latin typeface="+mn-lt"/>
+        <a:ea typeface="+mn-ea"/>
+        <a:cs typeface="+mn-cs"/>
+      </a:defRPr>
+    </a:lvl5pPr>
+    <a:lvl6pPr marL="4572000" algn="l" defTabSz="1828800" rtl="0" eaLnBrk="1" latinLnBrk="0" hangingPunct="1">
+      <a:defRPr sz="2400" kern="1200">
+        <a:solidFill>
+          <a:schemeClr val="tx1"/>
+        </a:solidFill>
+        <a:latin typeface="+mn-lt"/>
+        <a:ea typeface="+mn-ea"/>
+        <a:cs typeface="+mn-cs"/>
+      </a:defRPr>
+    </a:lvl6pPr>
+    <a:lvl7pPr marL="5486400" algn="l" defTabSz="1828800" rtl="0" eaLnBrk="1" latinLnBrk="0" hangingPunct="1">
+      <a:defRPr sz="2400" kern="1200">
+        <a:solidFill>
+          <a:schemeClr val="tx1"/>
+        </a:solidFill>
+        <a:latin typeface="+mn-lt"/>
+        <a:ea typeface="+mn-ea"/>
+        <a:cs typeface="+mn-cs"/>
+      </a:defRPr>
+    </a:lvl7pPr>
+    <a:lvl8pPr marL="6400800" algn="l" defTabSz="1828800" rtl="0" eaLnBrk="1" latinLnBrk="0" hangingPunct="1">
+      <a:defRPr sz="2400" kern="1200">
+        <a:solidFill>
+          <a:schemeClr val="tx1"/>
+        </a:solidFill>
+        <a:latin typeface="+mn-lt"/>
+        <a:ea typeface="+mn-ea"/>
+        <a:cs typeface="+mn-cs"/>
+      </a:defRPr>
+    </a:lvl8pPr>
+    <a:lvl9pPr marL="7315200" algn="l" defTabSz="1828800" rtl="0" eaLnBrk="1" latinLnBrk="0" hangingPunct="1">
+      <a:defRPr sz="2400" kern="1200">
+        <a:solidFill>
+          <a:schemeClr val="tx1"/>
+        </a:solidFill>
+        <a:latin typeface="+mn-lt"/>
+        <a:ea typeface="+mn-ea"/>
+        <a:cs typeface="+mn-cs"/>
+      </a:defRPr>
+    </a:lvl9pPr>
+  </p:notesStyle>
+</p:notesMaster>
+</file>
+
+<file path=ppt/notesSlides/notesSlide1.xml><?xml version="1.0" encoding="utf-8"?>
+<p:notes xmlns:a="http://schemas.openxmlformats.org/drawingml/2006/main" xmlns:r="http://schemas.openxmlformats.org/officeDocument/2006/relationships" xmlns:p="http://schemas.openxmlformats.org/presentationml/2006/main">
+  <p:cSld>
+    <p:spTree>
+      <p:nvGrpSpPr>
+        <p:cNvPr id="1" name=""/>
+        <p:cNvGrpSpPr/>
+        <p:nvPr/>
+      </p:nvGrpSpPr>
+      <p:grpSpPr>
+        <a:xfrm>
+          <a:off x="0" y="0"/>
+          <a:ext cx="0" cy="0"/>
+          <a:chOff x="0" y="0"/>
+          <a:chExt cx="0" cy="0"/>
+        </a:xfrm>
+      </p:grpSpPr>
+      <p:sp>
+        <p:nvSpPr>
+          <p:cNvPr id="2" name="Slide Image Placeholder 1"/>
+          <p:cNvSpPr>
+            <a:spLocks noGrp="1" noRot="1" noChangeAspect="1"/>
+          </p:cNvSpPr>
+          <p:nvPr>
+            <p:ph type="sldImg"/>
+          </p:nvPr>
+        </p:nvSpPr>
+        <p:spPr>
+          <a:xfrm>
+            <a:off x="466725" y="1143000"/>
+            <a:ext cx="5924550" cy="3086100"/>
+          </a:xfrm>
+        </p:spPr>
+      </p:sp>
+      <p:sp>
+        <p:nvSpPr>
+          <p:cNvPr id="3" name="Notes Placeholder 2"/>
+          <p:cNvSpPr>
+            <a:spLocks noGrp="1"/>
+          </p:cNvSpPr>
+          <p:nvPr>
+            <p:ph type="body" idx="1"/>
+          </p:nvPr>
+        </p:nvSpPr>
+        <p:spPr/>
+        <p:txBody>
+          <a:bodyPr/>
+          <a:lstStyle/>
+          <a:p>
+            <a:endParaRPr lang="en-US" dirty="0"/>
+          </a:p>
+        </p:txBody>
+      </p:sp>
+      <p:sp>
+        <p:nvSpPr>
+          <p:cNvPr id="4" name="Slide Number Placeholder 3"/>
+          <p:cNvSpPr>
+            <a:spLocks noGrp="1"/>
+          </p:cNvSpPr>
+          <p:nvPr>
+            <p:ph type="sldNum" sz="quarter" idx="5"/>
+          </p:nvPr>
+        </p:nvSpPr>
+        <p:spPr/>
+        <p:txBody>
+          <a:bodyPr/>
+          <a:lstStyle/>
+          <a:p>
+            <a:fld id="{FEE03149-FF8A-48E7-B8BE-2F12639FAA57}" type="slidenum">
+              <a:rPr lang="en-US" smtClean="0"/>
+              <a:t>1</a:t>
+            </a:fld>
+            <a:endParaRPr lang="en-US"/>
+          </a:p>
+        </p:txBody>
+      </p:sp>
+    </p:spTree>
+    <p:extLst>
+      <p:ext uri="{BB962C8B-B14F-4D97-AF65-F5344CB8AC3E}">
+        <p14:creationId xmlns:p14="http://schemas.microsoft.com/office/powerpoint/2010/main" val="2771055238"/>
+      </p:ext>
+    </p:extLst>
+  </p:cSld>
+  <p:clrMapOvr>
+    <a:masterClrMapping/>
+  </p:clrMapOvr>
+</p:notes>
 </file>
 
 <file path=ppt/slideLayouts/slideLayout1.xml><?xml version="1.0" encoding="utf-8"?>
@@ -138,15 +605,17 @@
         </p:nvSpPr>
         <p:spPr>
           <a:xfrm>
-            <a:off x="1143000" y="935302"/>
-            <a:ext cx="6858000" cy="1989667"/>
+            <a:off x="4660584" y="4191001"/>
+            <a:ext cx="16047718" cy="3771302"/>
           </a:xfrm>
         </p:spPr>
         <p:txBody>
-          <a:bodyPr anchor="b"/>
+          <a:bodyPr anchor="b">
+            <a:normAutofit/>
+          </a:bodyPr>
           <a:lstStyle>
-            <a:lvl1pPr algn="ctr">
-              <a:defRPr sz="4500"/>
+            <a:lvl1pPr>
+              <a:defRPr sz="9000"/>
             </a:lvl1pPr>
           </a:lstStyle>
           <a:p>
@@ -170,48 +639,103 @@
         </p:nvSpPr>
         <p:spPr>
           <a:xfrm>
-            <a:off x="1143000" y="3001698"/>
-            <a:ext cx="6858000" cy="1379802"/>
+            <a:off x="4660584" y="7962299"/>
+            <a:ext cx="16047718" cy="1877138"/>
           </a:xfrm>
         </p:spPr>
         <p:txBody>
-          <a:bodyPr/>
+          <a:bodyPr anchor="t"/>
           <a:lstStyle>
-            <a:lvl1pPr marL="0" indent="0" algn="ctr">
-              <a:buNone/>
-              <a:defRPr sz="1800"/>
+            <a:lvl1pPr marL="0" indent="0" algn="l">
+              <a:buNone/>
+              <a:defRPr>
+                <a:solidFill>
+                  <a:schemeClr val="tx1">
+                    <a:lumMod val="65000"/>
+                    <a:lumOff val="35000"/>
+                  </a:schemeClr>
+                </a:solidFill>
+              </a:defRPr>
             </a:lvl1pPr>
-            <a:lvl2pPr marL="342900" indent="0" algn="ctr">
-              <a:buNone/>
-              <a:defRPr sz="1500"/>
+            <a:lvl2pPr marL="762015" indent="0" algn="ctr">
+              <a:buNone/>
+              <a:defRPr>
+                <a:solidFill>
+                  <a:schemeClr val="tx1">
+                    <a:tint val="75000"/>
+                  </a:schemeClr>
+                </a:solidFill>
+              </a:defRPr>
             </a:lvl2pPr>
-            <a:lvl3pPr marL="685800" indent="0" algn="ctr">
-              <a:buNone/>
-              <a:defRPr sz="1350"/>
+            <a:lvl3pPr marL="1524030" indent="0" algn="ctr">
+              <a:buNone/>
+              <a:defRPr>
+                <a:solidFill>
+                  <a:schemeClr val="tx1">
+                    <a:tint val="75000"/>
+                  </a:schemeClr>
+                </a:solidFill>
+              </a:defRPr>
             </a:lvl3pPr>
-            <a:lvl4pPr marL="1028700" indent="0" algn="ctr">
-              <a:buNone/>
-              <a:defRPr sz="1200"/>
+            <a:lvl4pPr marL="2286046" indent="0" algn="ctr">
+              <a:buNone/>
+              <a:defRPr>
+                <a:solidFill>
+                  <a:schemeClr val="tx1">
+                    <a:tint val="75000"/>
+                  </a:schemeClr>
+                </a:solidFill>
+              </a:defRPr>
             </a:lvl4pPr>
-            <a:lvl5pPr marL="1371600" indent="0" algn="ctr">
-              <a:buNone/>
-              <a:defRPr sz="1200"/>
+            <a:lvl5pPr marL="3048061" indent="0" algn="ctr">
+              <a:buNone/>
+              <a:defRPr>
+                <a:solidFill>
+                  <a:schemeClr val="tx1">
+                    <a:tint val="75000"/>
+                  </a:schemeClr>
+                </a:solidFill>
+              </a:defRPr>
             </a:lvl5pPr>
-            <a:lvl6pPr marL="1714500" indent="0" algn="ctr">
-              <a:buNone/>
-              <a:defRPr sz="1200"/>
+            <a:lvl6pPr marL="3810076" indent="0" algn="ctr">
+              <a:buNone/>
+              <a:defRPr>
+                <a:solidFill>
+                  <a:schemeClr val="tx1">
+                    <a:tint val="75000"/>
+                  </a:schemeClr>
+                </a:solidFill>
+              </a:defRPr>
             </a:lvl6pPr>
-            <a:lvl7pPr marL="2057400" indent="0" algn="ctr">
-              <a:buNone/>
-              <a:defRPr sz="1200"/>
+            <a:lvl7pPr marL="4572091" indent="0" algn="ctr">
+              <a:buNone/>
+              <a:defRPr>
+                <a:solidFill>
+                  <a:schemeClr val="tx1">
+                    <a:tint val="75000"/>
+                  </a:schemeClr>
+                </a:solidFill>
+              </a:defRPr>
             </a:lvl7pPr>
-            <a:lvl8pPr marL="2400300" indent="0" algn="ctr">
-              <a:buNone/>
-              <a:defRPr sz="1200"/>
+            <a:lvl8pPr marL="5334107" indent="0" algn="ctr">
+              <a:buNone/>
+              <a:defRPr>
+                <a:solidFill>
+                  <a:schemeClr val="tx1">
+                    <a:tint val="75000"/>
+                  </a:schemeClr>
+                </a:solidFill>
+              </a:defRPr>
             </a:lvl8pPr>
-            <a:lvl9pPr marL="2743200" indent="0" algn="ctr">
-              <a:buNone/>
-              <a:defRPr sz="1200"/>
+            <a:lvl9pPr marL="6096122" indent="0" algn="ctr">
+              <a:buNone/>
+              <a:defRPr>
+                <a:solidFill>
+                  <a:schemeClr val="tx1">
+                    <a:tint val="75000"/>
+                  </a:schemeClr>
+                </a:solidFill>
+              </a:defRPr>
             </a:lvl9pPr>
           </a:lstStyle>
           <a:p>
@@ -240,7 +764,7 @@
           <a:p>
             <a:fld id="{00B1DE44-7493-4665-A02F-847C79AD84D3}" type="datetimeFigureOut">
               <a:rPr lang="en-US" smtClean="0"/>
-              <a:t>18-Aug-20</a:t>
+              <a:t>25-Aug-20</a:t>
             </a:fld>
             <a:endParaRPr lang="en-US"/>
           </a:p>
@@ -267,6 +791,88 @@
       </p:sp>
       <p:sp>
         <p:nvSpPr>
+          <p:cNvPr id="7" name="Freeform 6"/>
+          <p:cNvSpPr/>
+          <p:nvPr/>
+        </p:nvSpPr>
+        <p:spPr bwMode="auto">
+          <a:xfrm>
+            <a:off x="0" y="7206351"/>
+            <a:ext cx="3140374" cy="1297648"/>
+          </a:xfrm>
+          <a:custGeom>
+            <a:avLst/>
+            <a:gdLst/>
+            <a:ahLst/>
+            <a:cxnLst/>
+            <a:rect l="0" t="0" r="r" b="b"/>
+            <a:pathLst>
+              <a:path w="372" h="166">
+                <a:moveTo>
+                  <a:pt x="287" y="166"/>
+                </a:moveTo>
+                <a:cubicBezTo>
+                  <a:pt x="290" y="166"/>
+                  <a:pt x="292" y="165"/>
+                  <a:pt x="293" y="164"/>
+                </a:cubicBezTo>
+                <a:cubicBezTo>
+                  <a:pt x="293" y="163"/>
+                  <a:pt x="294" y="163"/>
+                  <a:pt x="294" y="163"/>
+                </a:cubicBezTo>
+                <a:cubicBezTo>
+                  <a:pt x="370" y="87"/>
+                  <a:pt x="370" y="87"/>
+                  <a:pt x="370" y="87"/>
+                </a:cubicBezTo>
+                <a:cubicBezTo>
+                  <a:pt x="372" y="85"/>
+                  <a:pt x="372" y="81"/>
+                  <a:pt x="370" y="78"/>
+                </a:cubicBezTo>
+                <a:cubicBezTo>
+                  <a:pt x="294" y="3"/>
+                  <a:pt x="294" y="3"/>
+                  <a:pt x="294" y="3"/>
+                </a:cubicBezTo>
+                <a:cubicBezTo>
+                  <a:pt x="294" y="2"/>
+                  <a:pt x="293" y="2"/>
+                  <a:pt x="293" y="2"/>
+                </a:cubicBezTo>
+                <a:cubicBezTo>
+                  <a:pt x="292" y="1"/>
+                  <a:pt x="290" y="0"/>
+                  <a:pt x="287" y="0"/>
+                </a:cubicBezTo>
+                <a:cubicBezTo>
+                  <a:pt x="0" y="0"/>
+                  <a:pt x="0" y="0"/>
+                  <a:pt x="0" y="0"/>
+                </a:cubicBezTo>
+                <a:cubicBezTo>
+                  <a:pt x="0" y="166"/>
+                  <a:pt x="0" y="166"/>
+                  <a:pt x="0" y="166"/>
+                </a:cubicBezTo>
+                <a:lnTo>
+                  <a:pt x="287" y="166"/>
+                </a:lnTo>
+                <a:close/>
+              </a:path>
+            </a:pathLst>
+          </a:custGeom>
+          <a:solidFill>
+            <a:schemeClr val="accent1"/>
+          </a:solidFill>
+          <a:ln>
+            <a:noFill/>
+          </a:ln>
+        </p:spPr>
+      </p:sp>
+      <p:sp>
+        <p:nvSpPr>
           <p:cNvPr id="6" name="Slide Number Placeholder 5"/>
           <p:cNvSpPr>
             <a:spLocks noGrp="1"/>
@@ -275,7 +881,12 @@
             <p:ph type="sldNum" sz="quarter" idx="12"/>
           </p:nvPr>
         </p:nvSpPr>
-        <p:spPr/>
+        <p:spPr>
+          <a:xfrm>
+            <a:off x="957262" y="7549234"/>
+            <a:ext cx="1403581" cy="608542"/>
+          </a:xfrm>
+        </p:spPr>
         <p:txBody>
           <a:bodyPr/>
           <a:lstStyle/>
@@ -291,7 +902,350 @@
     </p:spTree>
     <p:extLst>
       <p:ext uri="{BB962C8B-B14F-4D97-AF65-F5344CB8AC3E}">
-        <p14:creationId xmlns:p14="http://schemas.microsoft.com/office/powerpoint/2010/main" val="3465838116"/>
+        <p14:creationId xmlns:p14="http://schemas.microsoft.com/office/powerpoint/2010/main" val="3284949799"/>
+      </p:ext>
+    </p:extLst>
+  </p:cSld>
+  <p:clrMapOvr>
+    <a:masterClrMapping/>
+  </p:clrMapOvr>
+  <p:extLst>
+    <p:ext uri="{DCECCB84-F9BA-43D5-87BE-67443E8EF086}">
+      <p15:sldGuideLst xmlns:p15="http://schemas.microsoft.com/office/powerpoint/2012/main"/>
+    </p:ext>
+  </p:extLst>
+</p:sldLayout>
+</file>
+
+<file path=ppt/slideLayouts/slideLayout10.xml><?xml version="1.0" encoding="utf-8"?>
+<p:sldLayout xmlns:a="http://schemas.openxmlformats.org/drawingml/2006/main" xmlns:r="http://schemas.openxmlformats.org/officeDocument/2006/relationships" xmlns:p="http://schemas.openxmlformats.org/presentationml/2006/main" preserve="1">
+  <p:cSld name="Title and Caption">
+    <p:spTree>
+      <p:nvGrpSpPr>
+        <p:cNvPr id="1" name=""/>
+        <p:cNvGrpSpPr/>
+        <p:nvPr/>
+      </p:nvGrpSpPr>
+      <p:grpSpPr>
+        <a:xfrm>
+          <a:off x="0" y="0"/>
+          <a:ext cx="0" cy="0"/>
+          <a:chOff x="0" y="0"/>
+          <a:chExt cx="0" cy="0"/>
+        </a:xfrm>
+      </p:grpSpPr>
+      <p:sp>
+        <p:nvSpPr>
+          <p:cNvPr id="2" name="Title 1"/>
+          <p:cNvSpPr>
+            <a:spLocks noGrp="1"/>
+          </p:cNvSpPr>
+          <p:nvPr>
+            <p:ph type="title"/>
+          </p:nvPr>
+        </p:nvSpPr>
+        <p:spPr>
+          <a:xfrm>
+            <a:off x="4660583" y="1016000"/>
+            <a:ext cx="16047718" cy="5195067"/>
+          </a:xfrm>
+        </p:spPr>
+        <p:txBody>
+          <a:bodyPr anchor="ctr">
+            <a:normAutofit/>
+          </a:bodyPr>
+          <a:lstStyle>
+            <a:lvl1pPr algn="l">
+              <a:defRPr sz="8000" b="0" cap="none"/>
+            </a:lvl1pPr>
+          </a:lstStyle>
+          <a:p>
+            <a:r>
+              <a:rPr lang="en-US"/>
+              <a:t>Click to edit Master title style</a:t>
+            </a:r>
+            <a:endParaRPr lang="en-US" dirty="0"/>
+          </a:p>
+        </p:txBody>
+      </p:sp>
+      <p:sp>
+        <p:nvSpPr>
+          <p:cNvPr id="3" name="Text Placeholder 2"/>
+          <p:cNvSpPr>
+            <a:spLocks noGrp="1"/>
+          </p:cNvSpPr>
+          <p:nvPr>
+            <p:ph type="body" idx="1"/>
+          </p:nvPr>
+        </p:nvSpPr>
+        <p:spPr>
+          <a:xfrm>
+            <a:off x="4660583" y="7256743"/>
+            <a:ext cx="16047718" cy="2593107"/>
+          </a:xfrm>
+        </p:spPr>
+        <p:txBody>
+          <a:bodyPr anchor="ctr">
+            <a:normAutofit/>
+          </a:bodyPr>
+          <a:lstStyle>
+            <a:lvl1pPr marL="0" indent="0" algn="l">
+              <a:buNone/>
+              <a:defRPr sz="3000">
+                <a:solidFill>
+                  <a:schemeClr val="tx1">
+                    <a:lumMod val="65000"/>
+                    <a:lumOff val="35000"/>
+                  </a:schemeClr>
+                </a:solidFill>
+              </a:defRPr>
+            </a:lvl1pPr>
+            <a:lvl2pPr marL="762015" indent="0">
+              <a:buNone/>
+              <a:defRPr sz="3000">
+                <a:solidFill>
+                  <a:schemeClr val="tx1">
+                    <a:tint val="75000"/>
+                  </a:schemeClr>
+                </a:solidFill>
+              </a:defRPr>
+            </a:lvl2pPr>
+            <a:lvl3pPr marL="1524030" indent="0">
+              <a:buNone/>
+              <a:defRPr sz="2667">
+                <a:solidFill>
+                  <a:schemeClr val="tx1">
+                    <a:tint val="75000"/>
+                  </a:schemeClr>
+                </a:solidFill>
+              </a:defRPr>
+            </a:lvl3pPr>
+            <a:lvl4pPr marL="2286046" indent="0">
+              <a:buNone/>
+              <a:defRPr sz="2333">
+                <a:solidFill>
+                  <a:schemeClr val="tx1">
+                    <a:tint val="75000"/>
+                  </a:schemeClr>
+                </a:solidFill>
+              </a:defRPr>
+            </a:lvl4pPr>
+            <a:lvl5pPr marL="3048061" indent="0">
+              <a:buNone/>
+              <a:defRPr sz="2333">
+                <a:solidFill>
+                  <a:schemeClr val="tx1">
+                    <a:tint val="75000"/>
+                  </a:schemeClr>
+                </a:solidFill>
+              </a:defRPr>
+            </a:lvl5pPr>
+            <a:lvl6pPr marL="3810076" indent="0">
+              <a:buNone/>
+              <a:defRPr sz="2333">
+                <a:solidFill>
+                  <a:schemeClr val="tx1">
+                    <a:tint val="75000"/>
+                  </a:schemeClr>
+                </a:solidFill>
+              </a:defRPr>
+            </a:lvl6pPr>
+            <a:lvl7pPr marL="4572091" indent="0">
+              <a:buNone/>
+              <a:defRPr sz="2333">
+                <a:solidFill>
+                  <a:schemeClr val="tx1">
+                    <a:tint val="75000"/>
+                  </a:schemeClr>
+                </a:solidFill>
+              </a:defRPr>
+            </a:lvl7pPr>
+            <a:lvl8pPr marL="5334107" indent="0">
+              <a:buNone/>
+              <a:defRPr sz="2333">
+                <a:solidFill>
+                  <a:schemeClr val="tx1">
+                    <a:tint val="75000"/>
+                  </a:schemeClr>
+                </a:solidFill>
+              </a:defRPr>
+            </a:lvl8pPr>
+            <a:lvl9pPr marL="6096122" indent="0">
+              <a:buNone/>
+              <a:defRPr sz="2333">
+                <a:solidFill>
+                  <a:schemeClr val="tx1">
+                    <a:tint val="75000"/>
+                  </a:schemeClr>
+                </a:solidFill>
+              </a:defRPr>
+            </a:lvl9pPr>
+          </a:lstStyle>
+          <a:p>
+            <a:pPr lvl="0"/>
+            <a:r>
+              <a:rPr lang="en-US"/>
+              <a:t>Click to edit Master text styles</a:t>
+            </a:r>
+          </a:p>
+        </p:txBody>
+      </p:sp>
+      <p:sp>
+        <p:nvSpPr>
+          <p:cNvPr id="4" name="Date Placeholder 3"/>
+          <p:cNvSpPr>
+            <a:spLocks noGrp="1"/>
+          </p:cNvSpPr>
+          <p:nvPr>
+            <p:ph type="dt" sz="half" idx="10"/>
+          </p:nvPr>
+        </p:nvSpPr>
+        <p:spPr/>
+        <p:txBody>
+          <a:bodyPr/>
+          <a:lstStyle/>
+          <a:p>
+            <a:fld id="{00B1DE44-7493-4665-A02F-847C79AD84D3}" type="datetimeFigureOut">
+              <a:rPr lang="en-US" smtClean="0"/>
+              <a:t>25-Aug-20</a:t>
+            </a:fld>
+            <a:endParaRPr lang="en-US"/>
+          </a:p>
+        </p:txBody>
+      </p:sp>
+      <p:sp>
+        <p:nvSpPr>
+          <p:cNvPr id="5" name="Footer Placeholder 4"/>
+          <p:cNvSpPr>
+            <a:spLocks noGrp="1"/>
+          </p:cNvSpPr>
+          <p:nvPr>
+            <p:ph type="ftr" sz="quarter" idx="11"/>
+          </p:nvPr>
+        </p:nvSpPr>
+        <p:spPr/>
+        <p:txBody>
+          <a:bodyPr/>
+          <a:lstStyle/>
+          <a:p>
+            <a:endParaRPr lang="en-US"/>
+          </a:p>
+        </p:txBody>
+      </p:sp>
+      <p:sp>
+        <p:nvSpPr>
+          <p:cNvPr id="9" name="Freeform 11"/>
+          <p:cNvSpPr/>
+          <p:nvPr/>
+        </p:nvSpPr>
+        <p:spPr bwMode="auto">
+          <a:xfrm flipV="1">
+            <a:off x="-7540" y="5296959"/>
+            <a:ext cx="2859349" cy="845495"/>
+          </a:xfrm>
+          <a:custGeom>
+            <a:avLst/>
+            <a:gdLst/>
+            <a:ahLst/>
+            <a:cxnLst/>
+            <a:rect l="l" t="t" r="r" b="b"/>
+            <a:pathLst>
+              <a:path w="9248" h="10000">
+                <a:moveTo>
+                  <a:pt x="9248" y="4701"/>
+                </a:moveTo>
+                <a:lnTo>
+                  <a:pt x="7915" y="188"/>
+                </a:lnTo>
+                <a:cubicBezTo>
+                  <a:pt x="7906" y="156"/>
+                  <a:pt x="7895" y="126"/>
+                  <a:pt x="7886" y="94"/>
+                </a:cubicBezTo>
+                <a:cubicBezTo>
+                  <a:pt x="7859" y="0"/>
+                  <a:pt x="7831" y="0"/>
+                  <a:pt x="7803" y="0"/>
+                </a:cubicBezTo>
+                <a:lnTo>
+                  <a:pt x="7275" y="0"/>
+                </a:lnTo>
+                <a:lnTo>
+                  <a:pt x="0" y="70"/>
+                </a:lnTo>
+                <a:cubicBezTo>
+                  <a:pt x="8" y="3380"/>
+                  <a:pt x="17" y="6690"/>
+                  <a:pt x="25" y="10000"/>
+                </a:cubicBezTo>
+                <a:lnTo>
+                  <a:pt x="7275" y="9966"/>
+                </a:lnTo>
+                <a:lnTo>
+                  <a:pt x="7803" y="9966"/>
+                </a:lnTo>
+                <a:cubicBezTo>
+                  <a:pt x="7831" y="9966"/>
+                  <a:pt x="7859" y="9872"/>
+                  <a:pt x="7886" y="9872"/>
+                </a:cubicBezTo>
+                <a:cubicBezTo>
+                  <a:pt x="7886" y="9778"/>
+                  <a:pt x="7915" y="9778"/>
+                  <a:pt x="7915" y="9778"/>
+                </a:cubicBezTo>
+                <a:lnTo>
+                  <a:pt x="9248" y="5265"/>
+                </a:lnTo>
+                <a:cubicBezTo>
+                  <a:pt x="9303" y="5077"/>
+                  <a:pt x="9303" y="4889"/>
+                  <a:pt x="9248" y="4701"/>
+                </a:cubicBezTo>
+                <a:close/>
+              </a:path>
+            </a:pathLst>
+          </a:custGeom>
+          <a:solidFill>
+            <a:schemeClr val="accent1"/>
+          </a:solidFill>
+          <a:ln>
+            <a:noFill/>
+          </a:ln>
+        </p:spPr>
+      </p:sp>
+      <p:sp>
+        <p:nvSpPr>
+          <p:cNvPr id="6" name="Slide Number Placeholder 5"/>
+          <p:cNvSpPr>
+            <a:spLocks noGrp="1"/>
+          </p:cNvSpPr>
+          <p:nvPr>
+            <p:ph type="sldNum" sz="quarter" idx="12"/>
+          </p:nvPr>
+        </p:nvSpPr>
+        <p:spPr>
+          <a:xfrm>
+            <a:off x="957262" y="5406899"/>
+            <a:ext cx="1403581" cy="608542"/>
+          </a:xfrm>
+        </p:spPr>
+        <p:txBody>
+          <a:bodyPr/>
+          <a:lstStyle/>
+          <a:p>
+            <a:fld id="{E8C287AF-989A-4CD5-B0B1-BEA38AD097E5}" type="slidenum">
+              <a:rPr lang="en-US" smtClean="0"/>
+              <a:t>‹#›</a:t>
+            </a:fld>
+            <a:endParaRPr lang="en-US"/>
+          </a:p>
+        </p:txBody>
+      </p:sp>
+    </p:spTree>
+    <p:extLst>
+      <p:ext uri="{BB962C8B-B14F-4D97-AF65-F5344CB8AC3E}">
+        <p14:creationId xmlns:p14="http://schemas.microsoft.com/office/powerpoint/2010/main" val="4261868527"/>
       </p:ext>
     </p:extLst>
   </p:cSld>
@@ -301,7 +1255,1460 @@
 </p:sldLayout>
 </file>
 
-<file path=ppt/slideLayouts/slideLayout10.xml><?xml version="1.0" encoding="utf-8"?>
+<file path=ppt/slideLayouts/slideLayout11.xml><?xml version="1.0" encoding="utf-8"?>
+<p:sldLayout xmlns:a="http://schemas.openxmlformats.org/drawingml/2006/main" xmlns:r="http://schemas.openxmlformats.org/officeDocument/2006/relationships" xmlns:p="http://schemas.openxmlformats.org/presentationml/2006/main" preserve="1">
+  <p:cSld name="Quote with Caption">
+    <p:spTree>
+      <p:nvGrpSpPr>
+        <p:cNvPr id="1" name=""/>
+        <p:cNvGrpSpPr/>
+        <p:nvPr/>
+      </p:nvGrpSpPr>
+      <p:grpSpPr>
+        <a:xfrm>
+          <a:off x="0" y="0"/>
+          <a:ext cx="0" cy="0"/>
+          <a:chOff x="0" y="0"/>
+          <a:chExt cx="0" cy="0"/>
+        </a:xfrm>
+      </p:grpSpPr>
+      <p:sp>
+        <p:nvSpPr>
+          <p:cNvPr id="2" name="Title 1"/>
+          <p:cNvSpPr>
+            <a:spLocks noGrp="1"/>
+          </p:cNvSpPr>
+          <p:nvPr>
+            <p:ph type="title"/>
+          </p:nvPr>
+        </p:nvSpPr>
+        <p:spPr>
+          <a:xfrm>
+            <a:off x="5129908" y="1016000"/>
+            <a:ext cx="15109067" cy="4826000"/>
+          </a:xfrm>
+        </p:spPr>
+        <p:txBody>
+          <a:bodyPr anchor="ctr">
+            <a:normAutofit/>
+          </a:bodyPr>
+          <a:lstStyle>
+            <a:lvl1pPr algn="l">
+              <a:defRPr sz="8000" b="0" cap="none"/>
+            </a:lvl1pPr>
+          </a:lstStyle>
+          <a:p>
+            <a:r>
+              <a:rPr lang="en-US"/>
+              <a:t>Click to edit Master title style</a:t>
+            </a:r>
+            <a:endParaRPr lang="en-US" dirty="0"/>
+          </a:p>
+        </p:txBody>
+      </p:sp>
+      <p:sp>
+        <p:nvSpPr>
+          <p:cNvPr id="13" name="Text Placeholder 9"/>
+          <p:cNvSpPr>
+            <a:spLocks noGrp="1"/>
+          </p:cNvSpPr>
+          <p:nvPr>
+            <p:ph type="body" sz="quarter" idx="13"/>
+          </p:nvPr>
+        </p:nvSpPr>
+        <p:spPr>
+          <a:xfrm>
+            <a:off x="5895022" y="5842000"/>
+            <a:ext cx="13565797" cy="635000"/>
+          </a:xfrm>
+        </p:spPr>
+        <p:txBody>
+          <a:bodyPr anchor="ctr">
+            <a:noAutofit/>
+          </a:bodyPr>
+          <a:lstStyle>
+            <a:lvl1pPr marL="0" indent="0">
+              <a:buFontTx/>
+              <a:buNone/>
+              <a:defRPr sz="2667">
+                <a:solidFill>
+                  <a:schemeClr val="tx1">
+                    <a:lumMod val="50000"/>
+                    <a:lumOff val="50000"/>
+                  </a:schemeClr>
+                </a:solidFill>
+              </a:defRPr>
+            </a:lvl1pPr>
+            <a:lvl2pPr marL="762015" indent="0">
+              <a:buFontTx/>
+              <a:buNone/>
+              <a:defRPr/>
+            </a:lvl2pPr>
+            <a:lvl3pPr marL="1524030" indent="0">
+              <a:buFontTx/>
+              <a:buNone/>
+              <a:defRPr/>
+            </a:lvl3pPr>
+            <a:lvl4pPr marL="2286046" indent="0">
+              <a:buFontTx/>
+              <a:buNone/>
+              <a:defRPr/>
+            </a:lvl4pPr>
+            <a:lvl5pPr marL="3048061" indent="0">
+              <a:buFontTx/>
+              <a:buNone/>
+              <a:defRPr/>
+            </a:lvl5pPr>
+          </a:lstStyle>
+          <a:p>
+            <a:pPr lvl="0"/>
+            <a:r>
+              <a:rPr lang="en-US"/>
+              <a:t>Click to edit Master text styles</a:t>
+            </a:r>
+          </a:p>
+        </p:txBody>
+      </p:sp>
+      <p:sp>
+        <p:nvSpPr>
+          <p:cNvPr id="3" name="Text Placeholder 2"/>
+          <p:cNvSpPr>
+            <a:spLocks noGrp="1"/>
+          </p:cNvSpPr>
+          <p:nvPr>
+            <p:ph type="body" idx="1"/>
+          </p:nvPr>
+        </p:nvSpPr>
+        <p:spPr>
+          <a:xfrm>
+            <a:off x="4660583" y="7256743"/>
+            <a:ext cx="16047718" cy="2593107"/>
+          </a:xfrm>
+        </p:spPr>
+        <p:txBody>
+          <a:bodyPr anchor="ctr">
+            <a:normAutofit/>
+          </a:bodyPr>
+          <a:lstStyle>
+            <a:lvl1pPr marL="0" indent="0" algn="l">
+              <a:buNone/>
+              <a:defRPr sz="3000">
+                <a:solidFill>
+                  <a:schemeClr val="tx1">
+                    <a:lumMod val="65000"/>
+                    <a:lumOff val="35000"/>
+                  </a:schemeClr>
+                </a:solidFill>
+              </a:defRPr>
+            </a:lvl1pPr>
+            <a:lvl2pPr marL="762015" indent="0">
+              <a:buNone/>
+              <a:defRPr sz="3000">
+                <a:solidFill>
+                  <a:schemeClr val="tx1">
+                    <a:tint val="75000"/>
+                  </a:schemeClr>
+                </a:solidFill>
+              </a:defRPr>
+            </a:lvl2pPr>
+            <a:lvl3pPr marL="1524030" indent="0">
+              <a:buNone/>
+              <a:defRPr sz="2667">
+                <a:solidFill>
+                  <a:schemeClr val="tx1">
+                    <a:tint val="75000"/>
+                  </a:schemeClr>
+                </a:solidFill>
+              </a:defRPr>
+            </a:lvl3pPr>
+            <a:lvl4pPr marL="2286046" indent="0">
+              <a:buNone/>
+              <a:defRPr sz="2333">
+                <a:solidFill>
+                  <a:schemeClr val="tx1">
+                    <a:tint val="75000"/>
+                  </a:schemeClr>
+                </a:solidFill>
+              </a:defRPr>
+            </a:lvl4pPr>
+            <a:lvl5pPr marL="3048061" indent="0">
+              <a:buNone/>
+              <a:defRPr sz="2333">
+                <a:solidFill>
+                  <a:schemeClr val="tx1">
+                    <a:tint val="75000"/>
+                  </a:schemeClr>
+                </a:solidFill>
+              </a:defRPr>
+            </a:lvl5pPr>
+            <a:lvl6pPr marL="3810076" indent="0">
+              <a:buNone/>
+              <a:defRPr sz="2333">
+                <a:solidFill>
+                  <a:schemeClr val="tx1">
+                    <a:tint val="75000"/>
+                  </a:schemeClr>
+                </a:solidFill>
+              </a:defRPr>
+            </a:lvl6pPr>
+            <a:lvl7pPr marL="4572091" indent="0">
+              <a:buNone/>
+              <a:defRPr sz="2333">
+                <a:solidFill>
+                  <a:schemeClr val="tx1">
+                    <a:tint val="75000"/>
+                  </a:schemeClr>
+                </a:solidFill>
+              </a:defRPr>
+            </a:lvl7pPr>
+            <a:lvl8pPr marL="5334107" indent="0">
+              <a:buNone/>
+              <a:defRPr sz="2333">
+                <a:solidFill>
+                  <a:schemeClr val="tx1">
+                    <a:tint val="75000"/>
+                  </a:schemeClr>
+                </a:solidFill>
+              </a:defRPr>
+            </a:lvl8pPr>
+            <a:lvl9pPr marL="6096122" indent="0">
+              <a:buNone/>
+              <a:defRPr sz="2333">
+                <a:solidFill>
+                  <a:schemeClr val="tx1">
+                    <a:tint val="75000"/>
+                  </a:schemeClr>
+                </a:solidFill>
+              </a:defRPr>
+            </a:lvl9pPr>
+          </a:lstStyle>
+          <a:p>
+            <a:pPr lvl="0"/>
+            <a:r>
+              <a:rPr lang="en-US"/>
+              <a:t>Click to edit Master text styles</a:t>
+            </a:r>
+          </a:p>
+        </p:txBody>
+      </p:sp>
+      <p:sp>
+        <p:nvSpPr>
+          <p:cNvPr id="4" name="Date Placeholder 3"/>
+          <p:cNvSpPr>
+            <a:spLocks noGrp="1"/>
+          </p:cNvSpPr>
+          <p:nvPr>
+            <p:ph type="dt" sz="half" idx="10"/>
+          </p:nvPr>
+        </p:nvSpPr>
+        <p:spPr/>
+        <p:txBody>
+          <a:bodyPr/>
+          <a:lstStyle/>
+          <a:p>
+            <a:fld id="{00B1DE44-7493-4665-A02F-847C79AD84D3}" type="datetimeFigureOut">
+              <a:rPr lang="en-US" smtClean="0"/>
+              <a:t>25-Aug-20</a:t>
+            </a:fld>
+            <a:endParaRPr lang="en-US"/>
+          </a:p>
+        </p:txBody>
+      </p:sp>
+      <p:sp>
+        <p:nvSpPr>
+          <p:cNvPr id="5" name="Footer Placeholder 4"/>
+          <p:cNvSpPr>
+            <a:spLocks noGrp="1"/>
+          </p:cNvSpPr>
+          <p:nvPr>
+            <p:ph type="ftr" sz="quarter" idx="11"/>
+          </p:nvPr>
+        </p:nvSpPr>
+        <p:spPr/>
+        <p:txBody>
+          <a:bodyPr/>
+          <a:lstStyle/>
+          <a:p>
+            <a:endParaRPr lang="en-US"/>
+          </a:p>
+        </p:txBody>
+      </p:sp>
+      <p:sp>
+        <p:nvSpPr>
+          <p:cNvPr id="11" name="Freeform 11"/>
+          <p:cNvSpPr/>
+          <p:nvPr/>
+        </p:nvSpPr>
+        <p:spPr bwMode="auto">
+          <a:xfrm flipV="1">
+            <a:off x="-7540" y="5296959"/>
+            <a:ext cx="2859349" cy="845495"/>
+          </a:xfrm>
+          <a:custGeom>
+            <a:avLst/>
+            <a:gdLst/>
+            <a:ahLst/>
+            <a:cxnLst/>
+            <a:rect l="l" t="t" r="r" b="b"/>
+            <a:pathLst>
+              <a:path w="9248" h="10000">
+                <a:moveTo>
+                  <a:pt x="9248" y="4701"/>
+                </a:moveTo>
+                <a:lnTo>
+                  <a:pt x="7915" y="188"/>
+                </a:lnTo>
+                <a:cubicBezTo>
+                  <a:pt x="7906" y="156"/>
+                  <a:pt x="7895" y="126"/>
+                  <a:pt x="7886" y="94"/>
+                </a:cubicBezTo>
+                <a:cubicBezTo>
+                  <a:pt x="7859" y="0"/>
+                  <a:pt x="7831" y="0"/>
+                  <a:pt x="7803" y="0"/>
+                </a:cubicBezTo>
+                <a:lnTo>
+                  <a:pt x="7275" y="0"/>
+                </a:lnTo>
+                <a:lnTo>
+                  <a:pt x="0" y="70"/>
+                </a:lnTo>
+                <a:cubicBezTo>
+                  <a:pt x="8" y="3380"/>
+                  <a:pt x="17" y="6690"/>
+                  <a:pt x="25" y="10000"/>
+                </a:cubicBezTo>
+                <a:lnTo>
+                  <a:pt x="7275" y="9966"/>
+                </a:lnTo>
+                <a:lnTo>
+                  <a:pt x="7803" y="9966"/>
+                </a:lnTo>
+                <a:cubicBezTo>
+                  <a:pt x="7831" y="9966"/>
+                  <a:pt x="7859" y="9872"/>
+                  <a:pt x="7886" y="9872"/>
+                </a:cubicBezTo>
+                <a:cubicBezTo>
+                  <a:pt x="7886" y="9778"/>
+                  <a:pt x="7915" y="9778"/>
+                  <a:pt x="7915" y="9778"/>
+                </a:cubicBezTo>
+                <a:lnTo>
+                  <a:pt x="9248" y="5265"/>
+                </a:lnTo>
+                <a:cubicBezTo>
+                  <a:pt x="9303" y="5077"/>
+                  <a:pt x="9303" y="4889"/>
+                  <a:pt x="9248" y="4701"/>
+                </a:cubicBezTo>
+                <a:close/>
+              </a:path>
+            </a:pathLst>
+          </a:custGeom>
+          <a:solidFill>
+            <a:schemeClr val="accent1"/>
+          </a:solidFill>
+          <a:ln>
+            <a:noFill/>
+          </a:ln>
+        </p:spPr>
+      </p:sp>
+      <p:sp>
+        <p:nvSpPr>
+          <p:cNvPr id="6" name="Slide Number Placeholder 5"/>
+          <p:cNvSpPr>
+            <a:spLocks noGrp="1"/>
+          </p:cNvSpPr>
+          <p:nvPr>
+            <p:ph type="sldNum" sz="quarter" idx="12"/>
+          </p:nvPr>
+        </p:nvSpPr>
+        <p:spPr>
+          <a:xfrm>
+            <a:off x="957262" y="5406899"/>
+            <a:ext cx="1403581" cy="608542"/>
+          </a:xfrm>
+        </p:spPr>
+        <p:txBody>
+          <a:bodyPr/>
+          <a:lstStyle/>
+          <a:p>
+            <a:fld id="{E8C287AF-989A-4CD5-B0B1-BEA38AD097E5}" type="slidenum">
+              <a:rPr lang="en-US" smtClean="0"/>
+              <a:t>‹#›</a:t>
+            </a:fld>
+            <a:endParaRPr lang="en-US"/>
+          </a:p>
+        </p:txBody>
+      </p:sp>
+      <p:sp>
+        <p:nvSpPr>
+          <p:cNvPr id="14" name="TextBox 13"/>
+          <p:cNvSpPr txBox="1"/>
+          <p:nvPr/>
+        </p:nvSpPr>
+        <p:spPr>
+          <a:xfrm>
+            <a:off x="4441774" y="1080008"/>
+            <a:ext cx="1097280" cy="974627"/>
+          </a:xfrm>
+          <a:prstGeom prst="rect">
+            <a:avLst/>
+          </a:prstGeom>
+        </p:spPr>
+        <p:txBody>
+          <a:bodyPr vert="horz" lIns="152400" tIns="76200" rIns="152400" bIns="76200" rtlCol="0" anchor="ctr">
+            <a:noAutofit/>
+          </a:bodyPr>
+          <a:lstStyle/>
+          <a:p>
+            <a:pPr lvl="0"/>
+            <a:r>
+              <a:rPr lang="en-US" sz="13334" baseline="0" dirty="0">
+                <a:ln w="3175" cmpd="sng">
+                  <a:noFill/>
+                </a:ln>
+                <a:solidFill>
+                  <a:schemeClr val="accent1"/>
+                </a:solidFill>
+                <a:effectLst/>
+                <a:latin typeface="Arial"/>
+              </a:rPr>
+              <a:t>“</a:t>
+            </a:r>
+          </a:p>
+        </p:txBody>
+      </p:sp>
+      <p:sp>
+        <p:nvSpPr>
+          <p:cNvPr id="15" name="TextBox 14"/>
+          <p:cNvSpPr txBox="1"/>
+          <p:nvPr/>
+        </p:nvSpPr>
+        <p:spPr>
+          <a:xfrm>
+            <a:off x="20006734" y="4842177"/>
+            <a:ext cx="1097280" cy="974627"/>
+          </a:xfrm>
+          <a:prstGeom prst="rect">
+            <a:avLst/>
+          </a:prstGeom>
+        </p:spPr>
+        <p:txBody>
+          <a:bodyPr vert="horz" lIns="152400" tIns="76200" rIns="152400" bIns="76200" rtlCol="0" anchor="ctr">
+            <a:noAutofit/>
+          </a:bodyPr>
+          <a:lstStyle/>
+          <a:p>
+            <a:pPr lvl="0"/>
+            <a:r>
+              <a:rPr lang="en-US" sz="13334" baseline="0" dirty="0">
+                <a:ln w="3175" cmpd="sng">
+                  <a:noFill/>
+                </a:ln>
+                <a:solidFill>
+                  <a:schemeClr val="accent1"/>
+                </a:solidFill>
+                <a:effectLst/>
+                <a:latin typeface="Arial"/>
+              </a:rPr>
+              <a:t>”</a:t>
+            </a:r>
+          </a:p>
+        </p:txBody>
+      </p:sp>
+    </p:spTree>
+    <p:extLst>
+      <p:ext uri="{BB962C8B-B14F-4D97-AF65-F5344CB8AC3E}">
+        <p14:creationId xmlns:p14="http://schemas.microsoft.com/office/powerpoint/2010/main" val="1521747914"/>
+      </p:ext>
+    </p:extLst>
+  </p:cSld>
+  <p:clrMapOvr>
+    <a:masterClrMapping/>
+  </p:clrMapOvr>
+</p:sldLayout>
+</file>
+
+<file path=ppt/slideLayouts/slideLayout12.xml><?xml version="1.0" encoding="utf-8"?>
+<p:sldLayout xmlns:a="http://schemas.openxmlformats.org/drawingml/2006/main" xmlns:r="http://schemas.openxmlformats.org/officeDocument/2006/relationships" xmlns:p="http://schemas.openxmlformats.org/presentationml/2006/main" preserve="1">
+  <p:cSld name="Name Card">
+    <p:spTree>
+      <p:nvGrpSpPr>
+        <p:cNvPr id="1" name=""/>
+        <p:cNvGrpSpPr/>
+        <p:nvPr/>
+      </p:nvGrpSpPr>
+      <p:grpSpPr>
+        <a:xfrm>
+          <a:off x="0" y="0"/>
+          <a:ext cx="0" cy="0"/>
+          <a:chOff x="0" y="0"/>
+          <a:chExt cx="0" cy="0"/>
+        </a:xfrm>
+      </p:grpSpPr>
+      <p:sp>
+        <p:nvSpPr>
+          <p:cNvPr id="2" name="Title 1"/>
+          <p:cNvSpPr>
+            <a:spLocks noGrp="1"/>
+          </p:cNvSpPr>
+          <p:nvPr>
+            <p:ph type="title"/>
+          </p:nvPr>
+        </p:nvSpPr>
+        <p:spPr>
+          <a:xfrm>
+            <a:off x="4660583" y="4064001"/>
+            <a:ext cx="16047720" cy="4541408"/>
+          </a:xfrm>
+        </p:spPr>
+        <p:txBody>
+          <a:bodyPr anchor="b">
+            <a:normAutofit/>
+          </a:bodyPr>
+          <a:lstStyle>
+            <a:lvl1pPr algn="l">
+              <a:defRPr sz="8000" b="0"/>
+            </a:lvl1pPr>
+          </a:lstStyle>
+          <a:p>
+            <a:r>
+              <a:rPr lang="en-US"/>
+              <a:t>Click to edit Master title style</a:t>
+            </a:r>
+            <a:endParaRPr lang="en-US" dirty="0"/>
+          </a:p>
+        </p:txBody>
+      </p:sp>
+      <p:sp>
+        <p:nvSpPr>
+          <p:cNvPr id="4" name="Text Placeholder 3"/>
+          <p:cNvSpPr>
+            <a:spLocks noGrp="1"/>
+          </p:cNvSpPr>
+          <p:nvPr>
+            <p:ph type="body" sz="half" idx="2"/>
+          </p:nvPr>
+        </p:nvSpPr>
+        <p:spPr>
+          <a:xfrm>
+            <a:off x="4660583" y="8636000"/>
+            <a:ext cx="16047720" cy="1216037"/>
+          </a:xfrm>
+        </p:spPr>
+        <p:txBody>
+          <a:bodyPr vert="horz" lIns="91440" tIns="45720" rIns="91440" bIns="45720" rtlCol="0" anchor="t">
+            <a:normAutofit/>
+          </a:bodyPr>
+          <a:lstStyle>
+            <a:lvl1pPr>
+              <a:buNone/>
+              <a:defRPr lang="en-US">
+                <a:solidFill>
+                  <a:schemeClr val="tx1">
+                    <a:lumMod val="65000"/>
+                    <a:lumOff val="35000"/>
+                  </a:schemeClr>
+                </a:solidFill>
+              </a:defRPr>
+            </a:lvl1pPr>
+          </a:lstStyle>
+          <a:p>
+            <a:pPr marL="0" lvl="0" indent="0">
+              <a:buNone/>
+            </a:pPr>
+            <a:r>
+              <a:rPr lang="en-US"/>
+              <a:t>Click to edit Master text styles</a:t>
+            </a:r>
+          </a:p>
+        </p:txBody>
+      </p:sp>
+      <p:sp>
+        <p:nvSpPr>
+          <p:cNvPr id="5" name="Date Placeholder 4"/>
+          <p:cNvSpPr>
+            <a:spLocks noGrp="1"/>
+          </p:cNvSpPr>
+          <p:nvPr>
+            <p:ph type="dt" sz="half" idx="10"/>
+          </p:nvPr>
+        </p:nvSpPr>
+        <p:spPr/>
+        <p:txBody>
+          <a:bodyPr/>
+          <a:lstStyle/>
+          <a:p>
+            <a:fld id="{00B1DE44-7493-4665-A02F-847C79AD84D3}" type="datetimeFigureOut">
+              <a:rPr lang="en-US" smtClean="0"/>
+              <a:t>25-Aug-20</a:t>
+            </a:fld>
+            <a:endParaRPr lang="en-US"/>
+          </a:p>
+        </p:txBody>
+      </p:sp>
+      <p:sp>
+        <p:nvSpPr>
+          <p:cNvPr id="6" name="Footer Placeholder 5"/>
+          <p:cNvSpPr>
+            <a:spLocks noGrp="1"/>
+          </p:cNvSpPr>
+          <p:nvPr>
+            <p:ph type="ftr" sz="quarter" idx="11"/>
+          </p:nvPr>
+        </p:nvSpPr>
+        <p:spPr/>
+        <p:txBody>
+          <a:bodyPr/>
+          <a:lstStyle/>
+          <a:p>
+            <a:endParaRPr lang="en-US"/>
+          </a:p>
+        </p:txBody>
+      </p:sp>
+      <p:sp>
+        <p:nvSpPr>
+          <p:cNvPr id="9" name="Freeform 11"/>
+          <p:cNvSpPr/>
+          <p:nvPr/>
+        </p:nvSpPr>
+        <p:spPr bwMode="auto">
+          <a:xfrm flipV="1">
+            <a:off x="-7540" y="8186209"/>
+            <a:ext cx="2859349" cy="845495"/>
+          </a:xfrm>
+          <a:custGeom>
+            <a:avLst/>
+            <a:gdLst/>
+            <a:ahLst/>
+            <a:cxnLst/>
+            <a:rect l="l" t="t" r="r" b="b"/>
+            <a:pathLst>
+              <a:path w="9248" h="10000">
+                <a:moveTo>
+                  <a:pt x="9248" y="4701"/>
+                </a:moveTo>
+                <a:lnTo>
+                  <a:pt x="7915" y="188"/>
+                </a:lnTo>
+                <a:cubicBezTo>
+                  <a:pt x="7906" y="156"/>
+                  <a:pt x="7895" y="126"/>
+                  <a:pt x="7886" y="94"/>
+                </a:cubicBezTo>
+                <a:cubicBezTo>
+                  <a:pt x="7859" y="0"/>
+                  <a:pt x="7831" y="0"/>
+                  <a:pt x="7803" y="0"/>
+                </a:cubicBezTo>
+                <a:lnTo>
+                  <a:pt x="7275" y="0"/>
+                </a:lnTo>
+                <a:lnTo>
+                  <a:pt x="0" y="70"/>
+                </a:lnTo>
+                <a:cubicBezTo>
+                  <a:pt x="8" y="3380"/>
+                  <a:pt x="17" y="6690"/>
+                  <a:pt x="25" y="10000"/>
+                </a:cubicBezTo>
+                <a:lnTo>
+                  <a:pt x="7275" y="9966"/>
+                </a:lnTo>
+                <a:lnTo>
+                  <a:pt x="7803" y="9966"/>
+                </a:lnTo>
+                <a:cubicBezTo>
+                  <a:pt x="7831" y="9966"/>
+                  <a:pt x="7859" y="9872"/>
+                  <a:pt x="7886" y="9872"/>
+                </a:cubicBezTo>
+                <a:cubicBezTo>
+                  <a:pt x="7886" y="9778"/>
+                  <a:pt x="7915" y="9778"/>
+                  <a:pt x="7915" y="9778"/>
+                </a:cubicBezTo>
+                <a:lnTo>
+                  <a:pt x="9248" y="5265"/>
+                </a:lnTo>
+                <a:cubicBezTo>
+                  <a:pt x="9303" y="5077"/>
+                  <a:pt x="9303" y="4889"/>
+                  <a:pt x="9248" y="4701"/>
+                </a:cubicBezTo>
+                <a:close/>
+              </a:path>
+            </a:pathLst>
+          </a:custGeom>
+          <a:solidFill>
+            <a:schemeClr val="accent1"/>
+          </a:solidFill>
+          <a:ln>
+            <a:noFill/>
+          </a:ln>
+        </p:spPr>
+      </p:sp>
+      <p:sp>
+        <p:nvSpPr>
+          <p:cNvPr id="7" name="Slide Number Placeholder 6"/>
+          <p:cNvSpPr>
+            <a:spLocks noGrp="1"/>
+          </p:cNvSpPr>
+          <p:nvPr>
+            <p:ph type="sldNum" sz="quarter" idx="12"/>
+          </p:nvPr>
+        </p:nvSpPr>
+        <p:spPr>
+          <a:xfrm>
+            <a:off x="957262" y="8305146"/>
+            <a:ext cx="1403581" cy="608542"/>
+          </a:xfrm>
+        </p:spPr>
+        <p:txBody>
+          <a:bodyPr/>
+          <a:lstStyle/>
+          <a:p>
+            <a:fld id="{E8C287AF-989A-4CD5-B0B1-BEA38AD097E5}" type="slidenum">
+              <a:rPr lang="en-US" smtClean="0"/>
+              <a:t>‹#›</a:t>
+            </a:fld>
+            <a:endParaRPr lang="en-US"/>
+          </a:p>
+        </p:txBody>
+      </p:sp>
+    </p:spTree>
+    <p:extLst>
+      <p:ext uri="{BB962C8B-B14F-4D97-AF65-F5344CB8AC3E}">
+        <p14:creationId xmlns:p14="http://schemas.microsoft.com/office/powerpoint/2010/main" val="2121993781"/>
+      </p:ext>
+    </p:extLst>
+  </p:cSld>
+  <p:clrMapOvr>
+    <a:masterClrMapping/>
+  </p:clrMapOvr>
+</p:sldLayout>
+</file>
+
+<file path=ppt/slideLayouts/slideLayout13.xml><?xml version="1.0" encoding="utf-8"?>
+<p:sldLayout xmlns:a="http://schemas.openxmlformats.org/drawingml/2006/main" xmlns:r="http://schemas.openxmlformats.org/officeDocument/2006/relationships" xmlns:p="http://schemas.openxmlformats.org/presentationml/2006/main" preserve="1">
+  <p:cSld name="Quote Name Card">
+    <p:spTree>
+      <p:nvGrpSpPr>
+        <p:cNvPr id="1" name=""/>
+        <p:cNvGrpSpPr/>
+        <p:nvPr/>
+      </p:nvGrpSpPr>
+      <p:grpSpPr>
+        <a:xfrm>
+          <a:off x="0" y="0"/>
+          <a:ext cx="0" cy="0"/>
+          <a:chOff x="0" y="0"/>
+          <a:chExt cx="0" cy="0"/>
+        </a:xfrm>
+      </p:grpSpPr>
+      <p:sp>
+        <p:nvSpPr>
+          <p:cNvPr id="12" name="Title 1"/>
+          <p:cNvSpPr>
+            <a:spLocks noGrp="1"/>
+          </p:cNvSpPr>
+          <p:nvPr>
+            <p:ph type="title"/>
+          </p:nvPr>
+        </p:nvSpPr>
+        <p:spPr>
+          <a:xfrm>
+            <a:off x="5129908" y="1016000"/>
+            <a:ext cx="15109067" cy="4826000"/>
+          </a:xfrm>
+        </p:spPr>
+        <p:txBody>
+          <a:bodyPr anchor="ctr">
+            <a:normAutofit/>
+          </a:bodyPr>
+          <a:lstStyle>
+            <a:lvl1pPr algn="l">
+              <a:defRPr sz="8000" b="0" cap="none"/>
+            </a:lvl1pPr>
+          </a:lstStyle>
+          <a:p>
+            <a:r>
+              <a:rPr lang="en-US"/>
+              <a:t>Click to edit Master title style</a:t>
+            </a:r>
+            <a:endParaRPr lang="en-US" dirty="0"/>
+          </a:p>
+        </p:txBody>
+      </p:sp>
+      <p:sp>
+        <p:nvSpPr>
+          <p:cNvPr id="21" name="Text Placeholder 9"/>
+          <p:cNvSpPr>
+            <a:spLocks noGrp="1"/>
+          </p:cNvSpPr>
+          <p:nvPr>
+            <p:ph type="body" sz="quarter" idx="13"/>
+          </p:nvPr>
+        </p:nvSpPr>
+        <p:spPr>
+          <a:xfrm>
+            <a:off x="4660582" y="7239000"/>
+            <a:ext cx="16047720" cy="1397000"/>
+          </a:xfrm>
+        </p:spPr>
+        <p:txBody>
+          <a:bodyPr anchor="b">
+            <a:noAutofit/>
+          </a:bodyPr>
+          <a:lstStyle>
+            <a:lvl1pPr marL="0" indent="0">
+              <a:buFontTx/>
+              <a:buNone/>
+              <a:defRPr sz="4000">
+                <a:solidFill>
+                  <a:schemeClr val="accent1"/>
+                </a:solidFill>
+              </a:defRPr>
+            </a:lvl1pPr>
+            <a:lvl2pPr marL="762015" indent="0">
+              <a:buFontTx/>
+              <a:buNone/>
+              <a:defRPr/>
+            </a:lvl2pPr>
+            <a:lvl3pPr marL="1524030" indent="0">
+              <a:buFontTx/>
+              <a:buNone/>
+              <a:defRPr/>
+            </a:lvl3pPr>
+            <a:lvl4pPr marL="2286046" indent="0">
+              <a:buFontTx/>
+              <a:buNone/>
+              <a:defRPr/>
+            </a:lvl4pPr>
+            <a:lvl5pPr marL="3048061" indent="0">
+              <a:buFontTx/>
+              <a:buNone/>
+              <a:defRPr/>
+            </a:lvl5pPr>
+          </a:lstStyle>
+          <a:p>
+            <a:pPr lvl="0"/>
+            <a:r>
+              <a:rPr lang="en-US"/>
+              <a:t>Click to edit Master text styles</a:t>
+            </a:r>
+          </a:p>
+        </p:txBody>
+      </p:sp>
+      <p:sp>
+        <p:nvSpPr>
+          <p:cNvPr id="4" name="Text Placeholder 3"/>
+          <p:cNvSpPr>
+            <a:spLocks noGrp="1"/>
+          </p:cNvSpPr>
+          <p:nvPr>
+            <p:ph type="body" sz="half" idx="2"/>
+          </p:nvPr>
+        </p:nvSpPr>
+        <p:spPr>
+          <a:xfrm>
+            <a:off x="4660583" y="8636000"/>
+            <a:ext cx="16047720" cy="1216037"/>
+          </a:xfrm>
+        </p:spPr>
+        <p:txBody>
+          <a:bodyPr vert="horz" lIns="91440" tIns="45720" rIns="91440" bIns="45720" rtlCol="0" anchor="t">
+            <a:normAutofit/>
+          </a:bodyPr>
+          <a:lstStyle>
+            <a:lvl1pPr>
+              <a:buNone/>
+              <a:defRPr lang="en-US">
+                <a:solidFill>
+                  <a:schemeClr val="tx1">
+                    <a:lumMod val="65000"/>
+                    <a:lumOff val="35000"/>
+                  </a:schemeClr>
+                </a:solidFill>
+              </a:defRPr>
+            </a:lvl1pPr>
+          </a:lstStyle>
+          <a:p>
+            <a:pPr marL="0" lvl="0" indent="0">
+              <a:buNone/>
+            </a:pPr>
+            <a:r>
+              <a:rPr lang="en-US"/>
+              <a:t>Click to edit Master text styles</a:t>
+            </a:r>
+          </a:p>
+        </p:txBody>
+      </p:sp>
+      <p:sp>
+        <p:nvSpPr>
+          <p:cNvPr id="5" name="Date Placeholder 4"/>
+          <p:cNvSpPr>
+            <a:spLocks noGrp="1"/>
+          </p:cNvSpPr>
+          <p:nvPr>
+            <p:ph type="dt" sz="half" idx="10"/>
+          </p:nvPr>
+        </p:nvSpPr>
+        <p:spPr/>
+        <p:txBody>
+          <a:bodyPr/>
+          <a:lstStyle/>
+          <a:p>
+            <a:fld id="{00B1DE44-7493-4665-A02F-847C79AD84D3}" type="datetimeFigureOut">
+              <a:rPr lang="en-US" smtClean="0"/>
+              <a:t>25-Aug-20</a:t>
+            </a:fld>
+            <a:endParaRPr lang="en-US"/>
+          </a:p>
+        </p:txBody>
+      </p:sp>
+      <p:sp>
+        <p:nvSpPr>
+          <p:cNvPr id="6" name="Footer Placeholder 5"/>
+          <p:cNvSpPr>
+            <a:spLocks noGrp="1"/>
+          </p:cNvSpPr>
+          <p:nvPr>
+            <p:ph type="ftr" sz="quarter" idx="11"/>
+          </p:nvPr>
+        </p:nvSpPr>
+        <p:spPr/>
+        <p:txBody>
+          <a:bodyPr/>
+          <a:lstStyle/>
+          <a:p>
+            <a:endParaRPr lang="en-US"/>
+          </a:p>
+        </p:txBody>
+      </p:sp>
+      <p:sp>
+        <p:nvSpPr>
+          <p:cNvPr id="11" name="Freeform 11"/>
+          <p:cNvSpPr/>
+          <p:nvPr/>
+        </p:nvSpPr>
+        <p:spPr bwMode="auto">
+          <a:xfrm flipV="1">
+            <a:off x="-7540" y="8186209"/>
+            <a:ext cx="2859349" cy="845495"/>
+          </a:xfrm>
+          <a:custGeom>
+            <a:avLst/>
+            <a:gdLst/>
+            <a:ahLst/>
+            <a:cxnLst/>
+            <a:rect l="l" t="t" r="r" b="b"/>
+            <a:pathLst>
+              <a:path w="9248" h="10000">
+                <a:moveTo>
+                  <a:pt x="9248" y="4701"/>
+                </a:moveTo>
+                <a:lnTo>
+                  <a:pt x="7915" y="188"/>
+                </a:lnTo>
+                <a:cubicBezTo>
+                  <a:pt x="7906" y="156"/>
+                  <a:pt x="7895" y="126"/>
+                  <a:pt x="7886" y="94"/>
+                </a:cubicBezTo>
+                <a:cubicBezTo>
+                  <a:pt x="7859" y="0"/>
+                  <a:pt x="7831" y="0"/>
+                  <a:pt x="7803" y="0"/>
+                </a:cubicBezTo>
+                <a:lnTo>
+                  <a:pt x="7275" y="0"/>
+                </a:lnTo>
+                <a:lnTo>
+                  <a:pt x="0" y="70"/>
+                </a:lnTo>
+                <a:cubicBezTo>
+                  <a:pt x="8" y="3380"/>
+                  <a:pt x="17" y="6690"/>
+                  <a:pt x="25" y="10000"/>
+                </a:cubicBezTo>
+                <a:lnTo>
+                  <a:pt x="7275" y="9966"/>
+                </a:lnTo>
+                <a:lnTo>
+                  <a:pt x="7803" y="9966"/>
+                </a:lnTo>
+                <a:cubicBezTo>
+                  <a:pt x="7831" y="9966"/>
+                  <a:pt x="7859" y="9872"/>
+                  <a:pt x="7886" y="9872"/>
+                </a:cubicBezTo>
+                <a:cubicBezTo>
+                  <a:pt x="7886" y="9778"/>
+                  <a:pt x="7915" y="9778"/>
+                  <a:pt x="7915" y="9778"/>
+                </a:cubicBezTo>
+                <a:lnTo>
+                  <a:pt x="9248" y="5265"/>
+                </a:lnTo>
+                <a:cubicBezTo>
+                  <a:pt x="9303" y="5077"/>
+                  <a:pt x="9303" y="4889"/>
+                  <a:pt x="9248" y="4701"/>
+                </a:cubicBezTo>
+                <a:close/>
+              </a:path>
+            </a:pathLst>
+          </a:custGeom>
+          <a:solidFill>
+            <a:schemeClr val="accent1"/>
+          </a:solidFill>
+          <a:ln>
+            <a:noFill/>
+          </a:ln>
+        </p:spPr>
+      </p:sp>
+      <p:sp>
+        <p:nvSpPr>
+          <p:cNvPr id="7" name="Slide Number Placeholder 6"/>
+          <p:cNvSpPr>
+            <a:spLocks noGrp="1"/>
+          </p:cNvSpPr>
+          <p:nvPr>
+            <p:ph type="sldNum" sz="quarter" idx="12"/>
+          </p:nvPr>
+        </p:nvSpPr>
+        <p:spPr>
+          <a:xfrm>
+            <a:off x="957262" y="8305146"/>
+            <a:ext cx="1403581" cy="608542"/>
+          </a:xfrm>
+        </p:spPr>
+        <p:txBody>
+          <a:bodyPr/>
+          <a:lstStyle/>
+          <a:p>
+            <a:fld id="{E8C287AF-989A-4CD5-B0B1-BEA38AD097E5}" type="slidenum">
+              <a:rPr lang="en-US" smtClean="0"/>
+              <a:t>‹#›</a:t>
+            </a:fld>
+            <a:endParaRPr lang="en-US"/>
+          </a:p>
+        </p:txBody>
+      </p:sp>
+      <p:sp>
+        <p:nvSpPr>
+          <p:cNvPr id="17" name="TextBox 16"/>
+          <p:cNvSpPr txBox="1"/>
+          <p:nvPr/>
+        </p:nvSpPr>
+        <p:spPr>
+          <a:xfrm>
+            <a:off x="4441774" y="1080008"/>
+            <a:ext cx="1097280" cy="974627"/>
+          </a:xfrm>
+          <a:prstGeom prst="rect">
+            <a:avLst/>
+          </a:prstGeom>
+        </p:spPr>
+        <p:txBody>
+          <a:bodyPr vert="horz" lIns="152400" tIns="76200" rIns="152400" bIns="76200" rtlCol="0" anchor="ctr">
+            <a:noAutofit/>
+          </a:bodyPr>
+          <a:lstStyle/>
+          <a:p>
+            <a:pPr lvl="0"/>
+            <a:r>
+              <a:rPr lang="en-US" sz="13334" baseline="0" dirty="0">
+                <a:ln w="3175" cmpd="sng">
+                  <a:noFill/>
+                </a:ln>
+                <a:solidFill>
+                  <a:schemeClr val="accent1"/>
+                </a:solidFill>
+                <a:effectLst/>
+                <a:latin typeface="Arial"/>
+              </a:rPr>
+              <a:t>“</a:t>
+            </a:r>
+          </a:p>
+        </p:txBody>
+      </p:sp>
+      <p:sp>
+        <p:nvSpPr>
+          <p:cNvPr id="18" name="TextBox 17"/>
+          <p:cNvSpPr txBox="1"/>
+          <p:nvPr/>
+        </p:nvSpPr>
+        <p:spPr>
+          <a:xfrm>
+            <a:off x="20006734" y="4842177"/>
+            <a:ext cx="1097280" cy="974627"/>
+          </a:xfrm>
+          <a:prstGeom prst="rect">
+            <a:avLst/>
+          </a:prstGeom>
+        </p:spPr>
+        <p:txBody>
+          <a:bodyPr vert="horz" lIns="152400" tIns="76200" rIns="152400" bIns="76200" rtlCol="0" anchor="ctr">
+            <a:noAutofit/>
+          </a:bodyPr>
+          <a:lstStyle/>
+          <a:p>
+            <a:pPr lvl="0"/>
+            <a:r>
+              <a:rPr lang="en-US" sz="13334" baseline="0" dirty="0">
+                <a:ln w="3175" cmpd="sng">
+                  <a:noFill/>
+                </a:ln>
+                <a:solidFill>
+                  <a:schemeClr val="accent1"/>
+                </a:solidFill>
+                <a:effectLst/>
+                <a:latin typeface="Arial"/>
+              </a:rPr>
+              <a:t>”</a:t>
+            </a:r>
+          </a:p>
+        </p:txBody>
+      </p:sp>
+    </p:spTree>
+    <p:extLst>
+      <p:ext uri="{BB962C8B-B14F-4D97-AF65-F5344CB8AC3E}">
+        <p14:creationId xmlns:p14="http://schemas.microsoft.com/office/powerpoint/2010/main" val="3130646426"/>
+      </p:ext>
+    </p:extLst>
+  </p:cSld>
+  <p:clrMapOvr>
+    <a:masterClrMapping/>
+  </p:clrMapOvr>
+</p:sldLayout>
+</file>
+
+<file path=ppt/slideLayouts/slideLayout14.xml><?xml version="1.0" encoding="utf-8"?>
+<p:sldLayout xmlns:a="http://schemas.openxmlformats.org/drawingml/2006/main" xmlns:r="http://schemas.openxmlformats.org/officeDocument/2006/relationships" xmlns:p="http://schemas.openxmlformats.org/presentationml/2006/main" preserve="1">
+  <p:cSld name="True or False">
+    <p:spTree>
+      <p:nvGrpSpPr>
+        <p:cNvPr id="1" name=""/>
+        <p:cNvGrpSpPr/>
+        <p:nvPr/>
+      </p:nvGrpSpPr>
+      <p:grpSpPr>
+        <a:xfrm>
+          <a:off x="0" y="0"/>
+          <a:ext cx="0" cy="0"/>
+          <a:chOff x="0" y="0"/>
+          <a:chExt cx="0" cy="0"/>
+        </a:xfrm>
+      </p:grpSpPr>
+      <p:sp>
+        <p:nvSpPr>
+          <p:cNvPr id="2" name="Title 1"/>
+          <p:cNvSpPr>
+            <a:spLocks noGrp="1"/>
+          </p:cNvSpPr>
+          <p:nvPr>
+            <p:ph type="title"/>
+          </p:nvPr>
+        </p:nvSpPr>
+        <p:spPr>
+          <a:xfrm>
+            <a:off x="4660583" y="1045679"/>
+            <a:ext cx="16047718" cy="4800033"/>
+          </a:xfrm>
+        </p:spPr>
+        <p:txBody>
+          <a:bodyPr anchor="ctr">
+            <a:normAutofit/>
+          </a:bodyPr>
+          <a:lstStyle>
+            <a:lvl1pPr algn="l">
+              <a:defRPr sz="8000" b="0"/>
+            </a:lvl1pPr>
+          </a:lstStyle>
+          <a:p>
+            <a:r>
+              <a:rPr lang="en-US"/>
+              <a:t>Click to edit Master title style</a:t>
+            </a:r>
+            <a:endParaRPr lang="en-US" dirty="0"/>
+          </a:p>
+        </p:txBody>
+      </p:sp>
+      <p:sp>
+        <p:nvSpPr>
+          <p:cNvPr id="21" name="Text Placeholder 9"/>
+          <p:cNvSpPr>
+            <a:spLocks noGrp="1"/>
+          </p:cNvSpPr>
+          <p:nvPr>
+            <p:ph type="body" sz="quarter" idx="13"/>
+          </p:nvPr>
+        </p:nvSpPr>
+        <p:spPr>
+          <a:xfrm>
+            <a:off x="4660582" y="7239000"/>
+            <a:ext cx="16047720" cy="1397000"/>
+          </a:xfrm>
+        </p:spPr>
+        <p:txBody>
+          <a:bodyPr anchor="b">
+            <a:noAutofit/>
+          </a:bodyPr>
+          <a:lstStyle>
+            <a:lvl1pPr marL="0" indent="0">
+              <a:buFontTx/>
+              <a:buNone/>
+              <a:defRPr sz="4000">
+                <a:solidFill>
+                  <a:schemeClr val="accent1"/>
+                </a:solidFill>
+              </a:defRPr>
+            </a:lvl1pPr>
+            <a:lvl2pPr marL="762015" indent="0">
+              <a:buFontTx/>
+              <a:buNone/>
+              <a:defRPr/>
+            </a:lvl2pPr>
+            <a:lvl3pPr marL="1524030" indent="0">
+              <a:buFontTx/>
+              <a:buNone/>
+              <a:defRPr/>
+            </a:lvl3pPr>
+            <a:lvl4pPr marL="2286046" indent="0">
+              <a:buFontTx/>
+              <a:buNone/>
+              <a:defRPr/>
+            </a:lvl4pPr>
+            <a:lvl5pPr marL="3048061" indent="0">
+              <a:buFontTx/>
+              <a:buNone/>
+              <a:defRPr/>
+            </a:lvl5pPr>
+          </a:lstStyle>
+          <a:p>
+            <a:pPr lvl="0"/>
+            <a:r>
+              <a:rPr lang="en-US"/>
+              <a:t>Click to edit Master text styles</a:t>
+            </a:r>
+          </a:p>
+        </p:txBody>
+      </p:sp>
+      <p:sp>
+        <p:nvSpPr>
+          <p:cNvPr id="4" name="Text Placeholder 3"/>
+          <p:cNvSpPr>
+            <a:spLocks noGrp="1"/>
+          </p:cNvSpPr>
+          <p:nvPr>
+            <p:ph type="body" sz="half" idx="2"/>
+          </p:nvPr>
+        </p:nvSpPr>
+        <p:spPr>
+          <a:xfrm>
+            <a:off x="4660583" y="8636000"/>
+            <a:ext cx="16047720" cy="1216037"/>
+          </a:xfrm>
+        </p:spPr>
+        <p:txBody>
+          <a:bodyPr vert="horz" lIns="91440" tIns="45720" rIns="91440" bIns="45720" rtlCol="0" anchor="t">
+            <a:normAutofit/>
+          </a:bodyPr>
+          <a:lstStyle>
+            <a:lvl1pPr>
+              <a:buNone/>
+              <a:defRPr lang="en-US">
+                <a:solidFill>
+                  <a:schemeClr val="tx1">
+                    <a:lumMod val="65000"/>
+                    <a:lumOff val="35000"/>
+                  </a:schemeClr>
+                </a:solidFill>
+              </a:defRPr>
+            </a:lvl1pPr>
+          </a:lstStyle>
+          <a:p>
+            <a:pPr marL="0" lvl="0" indent="0">
+              <a:buNone/>
+            </a:pPr>
+            <a:r>
+              <a:rPr lang="en-US"/>
+              <a:t>Click to edit Master text styles</a:t>
+            </a:r>
+          </a:p>
+        </p:txBody>
+      </p:sp>
+      <p:sp>
+        <p:nvSpPr>
+          <p:cNvPr id="5" name="Date Placeholder 4"/>
+          <p:cNvSpPr>
+            <a:spLocks noGrp="1"/>
+          </p:cNvSpPr>
+          <p:nvPr>
+            <p:ph type="dt" sz="half" idx="10"/>
+          </p:nvPr>
+        </p:nvSpPr>
+        <p:spPr/>
+        <p:txBody>
+          <a:bodyPr/>
+          <a:lstStyle/>
+          <a:p>
+            <a:fld id="{00B1DE44-7493-4665-A02F-847C79AD84D3}" type="datetimeFigureOut">
+              <a:rPr lang="en-US" smtClean="0"/>
+              <a:t>25-Aug-20</a:t>
+            </a:fld>
+            <a:endParaRPr lang="en-US"/>
+          </a:p>
+        </p:txBody>
+      </p:sp>
+      <p:sp>
+        <p:nvSpPr>
+          <p:cNvPr id="6" name="Footer Placeholder 5"/>
+          <p:cNvSpPr>
+            <a:spLocks noGrp="1"/>
+          </p:cNvSpPr>
+          <p:nvPr>
+            <p:ph type="ftr" sz="quarter" idx="11"/>
+          </p:nvPr>
+        </p:nvSpPr>
+        <p:spPr/>
+        <p:txBody>
+          <a:bodyPr/>
+          <a:lstStyle/>
+          <a:p>
+            <a:endParaRPr lang="en-US"/>
+          </a:p>
+        </p:txBody>
+      </p:sp>
+      <p:sp>
+        <p:nvSpPr>
+          <p:cNvPr id="9" name="Freeform 11"/>
+          <p:cNvSpPr/>
+          <p:nvPr/>
+        </p:nvSpPr>
+        <p:spPr bwMode="auto">
+          <a:xfrm flipV="1">
+            <a:off x="-7540" y="8186209"/>
+            <a:ext cx="2859349" cy="845495"/>
+          </a:xfrm>
+          <a:custGeom>
+            <a:avLst/>
+            <a:gdLst/>
+            <a:ahLst/>
+            <a:cxnLst/>
+            <a:rect l="l" t="t" r="r" b="b"/>
+            <a:pathLst>
+              <a:path w="9248" h="10000">
+                <a:moveTo>
+                  <a:pt x="9248" y="4701"/>
+                </a:moveTo>
+                <a:lnTo>
+                  <a:pt x="7915" y="188"/>
+                </a:lnTo>
+                <a:cubicBezTo>
+                  <a:pt x="7906" y="156"/>
+                  <a:pt x="7895" y="126"/>
+                  <a:pt x="7886" y="94"/>
+                </a:cubicBezTo>
+                <a:cubicBezTo>
+                  <a:pt x="7859" y="0"/>
+                  <a:pt x="7831" y="0"/>
+                  <a:pt x="7803" y="0"/>
+                </a:cubicBezTo>
+                <a:lnTo>
+                  <a:pt x="7275" y="0"/>
+                </a:lnTo>
+                <a:lnTo>
+                  <a:pt x="0" y="70"/>
+                </a:lnTo>
+                <a:cubicBezTo>
+                  <a:pt x="8" y="3380"/>
+                  <a:pt x="17" y="6690"/>
+                  <a:pt x="25" y="10000"/>
+                </a:cubicBezTo>
+                <a:lnTo>
+                  <a:pt x="7275" y="9966"/>
+                </a:lnTo>
+                <a:lnTo>
+                  <a:pt x="7803" y="9966"/>
+                </a:lnTo>
+                <a:cubicBezTo>
+                  <a:pt x="7831" y="9966"/>
+                  <a:pt x="7859" y="9872"/>
+                  <a:pt x="7886" y="9872"/>
+                </a:cubicBezTo>
+                <a:cubicBezTo>
+                  <a:pt x="7886" y="9778"/>
+                  <a:pt x="7915" y="9778"/>
+                  <a:pt x="7915" y="9778"/>
+                </a:cubicBezTo>
+                <a:lnTo>
+                  <a:pt x="9248" y="5265"/>
+                </a:lnTo>
+                <a:cubicBezTo>
+                  <a:pt x="9303" y="5077"/>
+                  <a:pt x="9303" y="4889"/>
+                  <a:pt x="9248" y="4701"/>
+                </a:cubicBezTo>
+                <a:close/>
+              </a:path>
+            </a:pathLst>
+          </a:custGeom>
+          <a:solidFill>
+            <a:schemeClr val="accent1"/>
+          </a:solidFill>
+          <a:ln>
+            <a:noFill/>
+          </a:ln>
+        </p:spPr>
+      </p:sp>
+      <p:sp>
+        <p:nvSpPr>
+          <p:cNvPr id="7" name="Slide Number Placeholder 6"/>
+          <p:cNvSpPr>
+            <a:spLocks noGrp="1"/>
+          </p:cNvSpPr>
+          <p:nvPr>
+            <p:ph type="sldNum" sz="quarter" idx="12"/>
+          </p:nvPr>
+        </p:nvSpPr>
+        <p:spPr>
+          <a:xfrm>
+            <a:off x="957262" y="8305146"/>
+            <a:ext cx="1403581" cy="608542"/>
+          </a:xfrm>
+        </p:spPr>
+        <p:txBody>
+          <a:bodyPr/>
+          <a:lstStyle/>
+          <a:p>
+            <a:fld id="{E8C287AF-989A-4CD5-B0B1-BEA38AD097E5}" type="slidenum">
+              <a:rPr lang="en-US" smtClean="0"/>
+              <a:t>‹#›</a:t>
+            </a:fld>
+            <a:endParaRPr lang="en-US"/>
+          </a:p>
+        </p:txBody>
+      </p:sp>
+    </p:spTree>
+    <p:extLst>
+      <p:ext uri="{BB962C8B-B14F-4D97-AF65-F5344CB8AC3E}">
+        <p14:creationId xmlns:p14="http://schemas.microsoft.com/office/powerpoint/2010/main" val="1382093909"/>
+      </p:ext>
+    </p:extLst>
+  </p:cSld>
+  <p:clrMapOvr>
+    <a:masterClrMapping/>
+  </p:clrMapOvr>
+</p:sldLayout>
+</file>
+
+<file path=ppt/slideLayouts/slideLayout15.xml><?xml version="1.0" encoding="utf-8"?>
 <p:sldLayout xmlns:a="http://schemas.openxmlformats.org/drawingml/2006/main" xmlns:r="http://schemas.openxmlformats.org/officeDocument/2006/relationships" xmlns:p="http://schemas.openxmlformats.org/presentationml/2006/main" type="vertTx" preserve="1">
   <p:cSld name="Title and Vertical Text">
     <p:spTree>
@@ -353,7 +2760,7 @@
         </p:nvSpPr>
         <p:spPr/>
         <p:txBody>
-          <a:bodyPr vert="eaVert"/>
+          <a:bodyPr vert="eaVert" anchor="t"/>
           <a:lstStyle/>
           <a:p>
             <a:pPr lvl="0"/>
@@ -410,7 +2817,7 @@
           <a:p>
             <a:fld id="{00B1DE44-7493-4665-A02F-847C79AD84D3}" type="datetimeFigureOut">
               <a:rPr lang="en-US" smtClean="0"/>
-              <a:t>18-Aug-20</a:t>
+              <a:t>25-Aug-20</a:t>
             </a:fld>
             <a:endParaRPr lang="en-US"/>
           </a:p>
@@ -434,6 +2841,88 @@
             <a:endParaRPr lang="en-US"/>
           </a:p>
         </p:txBody>
+      </p:sp>
+      <p:sp>
+        <p:nvSpPr>
+          <p:cNvPr id="8" name="Freeform 11"/>
+          <p:cNvSpPr/>
+          <p:nvPr/>
+        </p:nvSpPr>
+        <p:spPr bwMode="auto">
+          <a:xfrm flipV="1">
+            <a:off x="-7540" y="1190626"/>
+            <a:ext cx="2859349" cy="845495"/>
+          </a:xfrm>
+          <a:custGeom>
+            <a:avLst/>
+            <a:gdLst/>
+            <a:ahLst/>
+            <a:cxnLst/>
+            <a:rect l="l" t="t" r="r" b="b"/>
+            <a:pathLst>
+              <a:path w="9248" h="10000">
+                <a:moveTo>
+                  <a:pt x="9248" y="4701"/>
+                </a:moveTo>
+                <a:lnTo>
+                  <a:pt x="7915" y="188"/>
+                </a:lnTo>
+                <a:cubicBezTo>
+                  <a:pt x="7906" y="156"/>
+                  <a:pt x="7895" y="126"/>
+                  <a:pt x="7886" y="94"/>
+                </a:cubicBezTo>
+                <a:cubicBezTo>
+                  <a:pt x="7859" y="0"/>
+                  <a:pt x="7831" y="0"/>
+                  <a:pt x="7803" y="0"/>
+                </a:cubicBezTo>
+                <a:lnTo>
+                  <a:pt x="7275" y="0"/>
+                </a:lnTo>
+                <a:lnTo>
+                  <a:pt x="0" y="70"/>
+                </a:lnTo>
+                <a:cubicBezTo>
+                  <a:pt x="8" y="3380"/>
+                  <a:pt x="17" y="6690"/>
+                  <a:pt x="25" y="10000"/>
+                </a:cubicBezTo>
+                <a:lnTo>
+                  <a:pt x="7275" y="9966"/>
+                </a:lnTo>
+                <a:lnTo>
+                  <a:pt x="7803" y="9966"/>
+                </a:lnTo>
+                <a:cubicBezTo>
+                  <a:pt x="7831" y="9966"/>
+                  <a:pt x="7859" y="9872"/>
+                  <a:pt x="7886" y="9872"/>
+                </a:cubicBezTo>
+                <a:cubicBezTo>
+                  <a:pt x="7886" y="9778"/>
+                  <a:pt x="7915" y="9778"/>
+                  <a:pt x="7915" y="9778"/>
+                </a:cubicBezTo>
+                <a:lnTo>
+                  <a:pt x="9248" y="5265"/>
+                </a:lnTo>
+                <a:cubicBezTo>
+                  <a:pt x="9303" y="5077"/>
+                  <a:pt x="9303" y="4889"/>
+                  <a:pt x="9248" y="4701"/>
+                </a:cubicBezTo>
+                <a:close/>
+              </a:path>
+            </a:pathLst>
+          </a:custGeom>
+          <a:solidFill>
+            <a:schemeClr val="accent1"/>
+          </a:solidFill>
+          <a:ln>
+            <a:noFill/>
+          </a:ln>
+        </p:spPr>
       </p:sp>
       <p:sp>
         <p:nvSpPr>
@@ -461,7 +2950,7 @@
     </p:spTree>
     <p:extLst>
       <p:ext uri="{BB962C8B-B14F-4D97-AF65-F5344CB8AC3E}">
-        <p14:creationId xmlns:p14="http://schemas.microsoft.com/office/powerpoint/2010/main" val="427899241"/>
+        <p14:creationId xmlns:p14="http://schemas.microsoft.com/office/powerpoint/2010/main" val="2045211567"/>
       </p:ext>
     </p:extLst>
   </p:cSld>
@@ -471,7 +2960,7 @@
 </p:sldLayout>
 </file>
 
-<file path=ppt/slideLayouts/slideLayout11.xml><?xml version="1.0" encoding="utf-8"?>
+<file path=ppt/slideLayouts/slideLayout16.xml><?xml version="1.0" encoding="utf-8"?>
 <p:sldLayout xmlns:a="http://schemas.openxmlformats.org/drawingml/2006/main" xmlns:r="http://schemas.openxmlformats.org/officeDocument/2006/relationships" xmlns:p="http://schemas.openxmlformats.org/presentationml/2006/main" type="vertTitleAndTx" preserve="1">
   <p:cSld name="Vertical Title and Text">
     <p:spTree>
@@ -500,12 +2989,12 @@
         </p:nvSpPr>
         <p:spPr>
           <a:xfrm>
-            <a:off x="6543675" y="304271"/>
-            <a:ext cx="1971675" cy="4843198"/>
+            <a:off x="16730662" y="1045676"/>
+            <a:ext cx="3973682" cy="8806362"/>
           </a:xfrm>
         </p:spPr>
         <p:txBody>
-          <a:bodyPr vert="eaVert"/>
+          <a:bodyPr vert="eaVert" anchor="ctr"/>
           <a:lstStyle/>
           <a:p>
             <a:r>
@@ -528,8 +3017,8 @@
         </p:nvSpPr>
         <p:spPr>
           <a:xfrm>
-            <a:off x="628650" y="304271"/>
-            <a:ext cx="5800725" cy="4843198"/>
+            <a:off x="4660582" y="1045676"/>
+            <a:ext cx="11658600" cy="8806362"/>
           </a:xfrm>
         </p:spPr>
         <p:txBody>
@@ -590,7 +3079,7 @@
           <a:p>
             <a:fld id="{00B1DE44-7493-4665-A02F-847C79AD84D3}" type="datetimeFigureOut">
               <a:rPr lang="en-US" smtClean="0"/>
-              <a:t>18-Aug-20</a:t>
+              <a:t>25-Aug-20</a:t>
             </a:fld>
             <a:endParaRPr lang="en-US"/>
           </a:p>
@@ -614,6 +3103,88 @@
             <a:endParaRPr lang="en-US"/>
           </a:p>
         </p:txBody>
+      </p:sp>
+      <p:sp>
+        <p:nvSpPr>
+          <p:cNvPr id="8" name="Freeform 11"/>
+          <p:cNvSpPr/>
+          <p:nvPr/>
+        </p:nvSpPr>
+        <p:spPr bwMode="auto">
+          <a:xfrm flipV="1">
+            <a:off x="-7540" y="1190626"/>
+            <a:ext cx="2859349" cy="845495"/>
+          </a:xfrm>
+          <a:custGeom>
+            <a:avLst/>
+            <a:gdLst/>
+            <a:ahLst/>
+            <a:cxnLst/>
+            <a:rect l="l" t="t" r="r" b="b"/>
+            <a:pathLst>
+              <a:path w="9248" h="10000">
+                <a:moveTo>
+                  <a:pt x="9248" y="4701"/>
+                </a:moveTo>
+                <a:lnTo>
+                  <a:pt x="7915" y="188"/>
+                </a:lnTo>
+                <a:cubicBezTo>
+                  <a:pt x="7906" y="156"/>
+                  <a:pt x="7895" y="126"/>
+                  <a:pt x="7886" y="94"/>
+                </a:cubicBezTo>
+                <a:cubicBezTo>
+                  <a:pt x="7859" y="0"/>
+                  <a:pt x="7831" y="0"/>
+                  <a:pt x="7803" y="0"/>
+                </a:cubicBezTo>
+                <a:lnTo>
+                  <a:pt x="7275" y="0"/>
+                </a:lnTo>
+                <a:lnTo>
+                  <a:pt x="0" y="70"/>
+                </a:lnTo>
+                <a:cubicBezTo>
+                  <a:pt x="8" y="3380"/>
+                  <a:pt x="17" y="6690"/>
+                  <a:pt x="25" y="10000"/>
+                </a:cubicBezTo>
+                <a:lnTo>
+                  <a:pt x="7275" y="9966"/>
+                </a:lnTo>
+                <a:lnTo>
+                  <a:pt x="7803" y="9966"/>
+                </a:lnTo>
+                <a:cubicBezTo>
+                  <a:pt x="7831" y="9966"/>
+                  <a:pt x="7859" y="9872"/>
+                  <a:pt x="7886" y="9872"/>
+                </a:cubicBezTo>
+                <a:cubicBezTo>
+                  <a:pt x="7886" y="9778"/>
+                  <a:pt x="7915" y="9778"/>
+                  <a:pt x="7915" y="9778"/>
+                </a:cubicBezTo>
+                <a:lnTo>
+                  <a:pt x="9248" y="5265"/>
+                </a:lnTo>
+                <a:cubicBezTo>
+                  <a:pt x="9303" y="5077"/>
+                  <a:pt x="9303" y="4889"/>
+                  <a:pt x="9248" y="4701"/>
+                </a:cubicBezTo>
+                <a:close/>
+              </a:path>
+            </a:pathLst>
+          </a:custGeom>
+          <a:solidFill>
+            <a:schemeClr val="accent1"/>
+          </a:solidFill>
+          <a:ln>
+            <a:noFill/>
+          </a:ln>
+        </p:spPr>
       </p:sp>
       <p:sp>
         <p:nvSpPr>
@@ -641,13 +3212,18 @@
     </p:spTree>
     <p:extLst>
       <p:ext uri="{BB962C8B-B14F-4D97-AF65-F5344CB8AC3E}">
-        <p14:creationId xmlns:p14="http://schemas.microsoft.com/office/powerpoint/2010/main" val="1660293587"/>
+        <p14:creationId xmlns:p14="http://schemas.microsoft.com/office/powerpoint/2010/main" val="3939729019"/>
       </p:ext>
     </p:extLst>
   </p:cSld>
   <p:clrMapOvr>
     <a:masterClrMapping/>
   </p:clrMapOvr>
+  <p:extLst>
+    <p:ext uri="{DCECCB84-F9BA-43D5-87BE-67443E8EF086}">
+      <p15:sldGuideLst xmlns:p15="http://schemas.microsoft.com/office/powerpoint/2012/main"/>
+    </p:ext>
+  </p:extLst>
 </p:sldLayout>
 </file>
 
@@ -678,7 +3254,12 @@
             <p:ph type="title"/>
           </p:nvPr>
         </p:nvSpPr>
-        <p:spPr/>
+        <p:spPr>
+          <a:xfrm>
+            <a:off x="4667266" y="1040183"/>
+            <a:ext cx="16041037" cy="2134817"/>
+          </a:xfrm>
+        </p:spPr>
         <p:txBody>
           <a:bodyPr/>
           <a:lstStyle/>
@@ -701,7 +3282,12 @@
             <p:ph idx="1"/>
           </p:nvPr>
         </p:nvSpPr>
-        <p:spPr/>
+        <p:spPr>
+          <a:xfrm>
+            <a:off x="4660582" y="3556000"/>
+            <a:ext cx="16047720" cy="6296037"/>
+          </a:xfrm>
+        </p:spPr>
         <p:txBody>
           <a:bodyPr/>
           <a:lstStyle/>
@@ -760,7 +3346,7 @@
           <a:p>
             <a:fld id="{00B1DE44-7493-4665-A02F-847C79AD84D3}" type="datetimeFigureOut">
               <a:rPr lang="en-US" smtClean="0"/>
-              <a:t>18-Aug-20</a:t>
+              <a:t>25-Aug-20</a:t>
             </a:fld>
             <a:endParaRPr lang="en-US"/>
           </a:p>
@@ -784,6 +3370,88 @@
             <a:endParaRPr lang="en-US"/>
           </a:p>
         </p:txBody>
+      </p:sp>
+      <p:sp>
+        <p:nvSpPr>
+          <p:cNvPr id="8" name="Freeform 11"/>
+          <p:cNvSpPr/>
+          <p:nvPr/>
+        </p:nvSpPr>
+        <p:spPr bwMode="auto">
+          <a:xfrm flipV="1">
+            <a:off x="-7540" y="1190626"/>
+            <a:ext cx="2859349" cy="845495"/>
+          </a:xfrm>
+          <a:custGeom>
+            <a:avLst/>
+            <a:gdLst/>
+            <a:ahLst/>
+            <a:cxnLst/>
+            <a:rect l="l" t="t" r="r" b="b"/>
+            <a:pathLst>
+              <a:path w="9248" h="10000">
+                <a:moveTo>
+                  <a:pt x="9248" y="4701"/>
+                </a:moveTo>
+                <a:lnTo>
+                  <a:pt x="7915" y="188"/>
+                </a:lnTo>
+                <a:cubicBezTo>
+                  <a:pt x="7906" y="156"/>
+                  <a:pt x="7895" y="126"/>
+                  <a:pt x="7886" y="94"/>
+                </a:cubicBezTo>
+                <a:cubicBezTo>
+                  <a:pt x="7859" y="0"/>
+                  <a:pt x="7831" y="0"/>
+                  <a:pt x="7803" y="0"/>
+                </a:cubicBezTo>
+                <a:lnTo>
+                  <a:pt x="7275" y="0"/>
+                </a:lnTo>
+                <a:lnTo>
+                  <a:pt x="0" y="70"/>
+                </a:lnTo>
+                <a:cubicBezTo>
+                  <a:pt x="8" y="3380"/>
+                  <a:pt x="17" y="6690"/>
+                  <a:pt x="25" y="10000"/>
+                </a:cubicBezTo>
+                <a:lnTo>
+                  <a:pt x="7275" y="9966"/>
+                </a:lnTo>
+                <a:lnTo>
+                  <a:pt x="7803" y="9966"/>
+                </a:lnTo>
+                <a:cubicBezTo>
+                  <a:pt x="7831" y="9966"/>
+                  <a:pt x="7859" y="9872"/>
+                  <a:pt x="7886" y="9872"/>
+                </a:cubicBezTo>
+                <a:cubicBezTo>
+                  <a:pt x="7886" y="9778"/>
+                  <a:pt x="7915" y="9778"/>
+                  <a:pt x="7915" y="9778"/>
+                </a:cubicBezTo>
+                <a:lnTo>
+                  <a:pt x="9248" y="5265"/>
+                </a:lnTo>
+                <a:cubicBezTo>
+                  <a:pt x="9303" y="5077"/>
+                  <a:pt x="9303" y="4889"/>
+                  <a:pt x="9248" y="4701"/>
+                </a:cubicBezTo>
+                <a:close/>
+              </a:path>
+            </a:pathLst>
+          </a:custGeom>
+          <a:solidFill>
+            <a:schemeClr val="accent1"/>
+          </a:solidFill>
+          <a:ln>
+            <a:noFill/>
+          </a:ln>
+        </p:spPr>
       </p:sp>
       <p:sp>
         <p:nvSpPr>
@@ -811,7 +3479,7 @@
     </p:spTree>
     <p:extLst>
       <p:ext uri="{BB962C8B-B14F-4D97-AF65-F5344CB8AC3E}">
-        <p14:creationId xmlns:p14="http://schemas.microsoft.com/office/powerpoint/2010/main" val="3717725798"/>
+        <p14:creationId xmlns:p14="http://schemas.microsoft.com/office/powerpoint/2010/main" val="334255447"/>
       </p:ext>
     </p:extLst>
   </p:cSld>
@@ -850,15 +3518,15 @@
         </p:nvSpPr>
         <p:spPr>
           <a:xfrm>
-            <a:off x="623888" y="1424782"/>
-            <a:ext cx="7886700" cy="2377281"/>
+            <a:off x="4660583" y="3431250"/>
+            <a:ext cx="16047718" cy="2448000"/>
           </a:xfrm>
         </p:spPr>
         <p:txBody>
           <a:bodyPr anchor="b"/>
           <a:lstStyle>
-            <a:lvl1pPr>
-              <a:defRPr sz="4500"/>
+            <a:lvl1pPr algn="l">
+              <a:defRPr sz="6667" b="0" cap="none"/>
             </a:lvl1pPr>
           </a:lstStyle>
           <a:p>
@@ -882,26 +3550,27 @@
         </p:nvSpPr>
         <p:spPr>
           <a:xfrm>
-            <a:off x="623888" y="3824553"/>
-            <a:ext cx="7886700" cy="1250156"/>
+            <a:off x="4660583" y="5883548"/>
+            <a:ext cx="16047718" cy="1434000"/>
           </a:xfrm>
         </p:spPr>
         <p:txBody>
-          <a:bodyPr/>
+          <a:bodyPr anchor="t"/>
           <a:lstStyle>
-            <a:lvl1pPr marL="0" indent="0">
-              <a:buNone/>
-              <a:defRPr sz="1800">
+            <a:lvl1pPr marL="0" indent="0" algn="l">
+              <a:buNone/>
+              <a:defRPr sz="3333">
                 <a:solidFill>
                   <a:schemeClr val="tx1">
-                    <a:tint val="75000"/>
+                    <a:lumMod val="65000"/>
+                    <a:lumOff val="35000"/>
                   </a:schemeClr>
                 </a:solidFill>
               </a:defRPr>
             </a:lvl1pPr>
-            <a:lvl2pPr marL="342900" indent="0">
-              <a:buNone/>
-              <a:defRPr sz="1500">
+            <a:lvl2pPr marL="762015" indent="0">
+              <a:buNone/>
+              <a:defRPr sz="3000">
                 <a:solidFill>
                   <a:schemeClr val="tx1">
                     <a:tint val="75000"/>
@@ -909,9 +3578,9 @@
                 </a:solidFill>
               </a:defRPr>
             </a:lvl2pPr>
-            <a:lvl3pPr marL="685800" indent="0">
-              <a:buNone/>
-              <a:defRPr sz="1350">
+            <a:lvl3pPr marL="1524030" indent="0">
+              <a:buNone/>
+              <a:defRPr sz="2667">
                 <a:solidFill>
                   <a:schemeClr val="tx1">
                     <a:tint val="75000"/>
@@ -919,9 +3588,9 @@
                 </a:solidFill>
               </a:defRPr>
             </a:lvl3pPr>
-            <a:lvl4pPr marL="1028700" indent="0">
-              <a:buNone/>
-              <a:defRPr sz="1200">
+            <a:lvl4pPr marL="2286046" indent="0">
+              <a:buNone/>
+              <a:defRPr sz="2333">
                 <a:solidFill>
                   <a:schemeClr val="tx1">
                     <a:tint val="75000"/>
@@ -929,9 +3598,9 @@
                 </a:solidFill>
               </a:defRPr>
             </a:lvl4pPr>
-            <a:lvl5pPr marL="1371600" indent="0">
-              <a:buNone/>
-              <a:defRPr sz="1200">
+            <a:lvl5pPr marL="3048061" indent="0">
+              <a:buNone/>
+              <a:defRPr sz="2333">
                 <a:solidFill>
                   <a:schemeClr val="tx1">
                     <a:tint val="75000"/>
@@ -939,9 +3608,9 @@
                 </a:solidFill>
               </a:defRPr>
             </a:lvl5pPr>
-            <a:lvl6pPr marL="1714500" indent="0">
-              <a:buNone/>
-              <a:defRPr sz="1200">
+            <a:lvl6pPr marL="3810076" indent="0">
+              <a:buNone/>
+              <a:defRPr sz="2333">
                 <a:solidFill>
                   <a:schemeClr val="tx1">
                     <a:tint val="75000"/>
@@ -949,9 +3618,9 @@
                 </a:solidFill>
               </a:defRPr>
             </a:lvl6pPr>
-            <a:lvl7pPr marL="2057400" indent="0">
-              <a:buNone/>
-              <a:defRPr sz="1200">
+            <a:lvl7pPr marL="4572091" indent="0">
+              <a:buNone/>
+              <a:defRPr sz="2333">
                 <a:solidFill>
                   <a:schemeClr val="tx1">
                     <a:tint val="75000"/>
@@ -959,9 +3628,9 @@
                 </a:solidFill>
               </a:defRPr>
             </a:lvl7pPr>
-            <a:lvl8pPr marL="2400300" indent="0">
-              <a:buNone/>
-              <a:defRPr sz="1200">
+            <a:lvl8pPr marL="5334107" indent="0">
+              <a:buNone/>
+              <a:defRPr sz="2333">
                 <a:solidFill>
                   <a:schemeClr val="tx1">
                     <a:tint val="75000"/>
@@ -969,9 +3638,9 @@
                 </a:solidFill>
               </a:defRPr>
             </a:lvl8pPr>
-            <a:lvl9pPr marL="2743200" indent="0">
-              <a:buNone/>
-              <a:defRPr sz="1200">
+            <a:lvl9pPr marL="6096122" indent="0">
+              <a:buNone/>
+              <a:defRPr sz="2333">
                 <a:solidFill>
                   <a:schemeClr val="tx1">
                     <a:tint val="75000"/>
@@ -1006,7 +3675,7 @@
           <a:p>
             <a:fld id="{00B1DE44-7493-4665-A02F-847C79AD84D3}" type="datetimeFigureOut">
               <a:rPr lang="en-US" smtClean="0"/>
-              <a:t>18-Aug-20</a:t>
+              <a:t>25-Aug-20</a:t>
             </a:fld>
             <a:endParaRPr lang="en-US"/>
           </a:p>
@@ -1033,6 +3702,88 @@
       </p:sp>
       <p:sp>
         <p:nvSpPr>
+          <p:cNvPr id="9" name="Freeform 11"/>
+          <p:cNvSpPr/>
+          <p:nvPr/>
+        </p:nvSpPr>
+        <p:spPr bwMode="auto">
+          <a:xfrm flipV="1">
+            <a:off x="-7540" y="5296959"/>
+            <a:ext cx="2859349" cy="845495"/>
+          </a:xfrm>
+          <a:custGeom>
+            <a:avLst/>
+            <a:gdLst/>
+            <a:ahLst/>
+            <a:cxnLst/>
+            <a:rect l="l" t="t" r="r" b="b"/>
+            <a:pathLst>
+              <a:path w="9248" h="10000">
+                <a:moveTo>
+                  <a:pt x="9248" y="4701"/>
+                </a:moveTo>
+                <a:lnTo>
+                  <a:pt x="7915" y="188"/>
+                </a:lnTo>
+                <a:cubicBezTo>
+                  <a:pt x="7906" y="156"/>
+                  <a:pt x="7895" y="126"/>
+                  <a:pt x="7886" y="94"/>
+                </a:cubicBezTo>
+                <a:cubicBezTo>
+                  <a:pt x="7859" y="0"/>
+                  <a:pt x="7831" y="0"/>
+                  <a:pt x="7803" y="0"/>
+                </a:cubicBezTo>
+                <a:lnTo>
+                  <a:pt x="7275" y="0"/>
+                </a:lnTo>
+                <a:lnTo>
+                  <a:pt x="0" y="70"/>
+                </a:lnTo>
+                <a:cubicBezTo>
+                  <a:pt x="8" y="3380"/>
+                  <a:pt x="17" y="6690"/>
+                  <a:pt x="25" y="10000"/>
+                </a:cubicBezTo>
+                <a:lnTo>
+                  <a:pt x="7275" y="9966"/>
+                </a:lnTo>
+                <a:lnTo>
+                  <a:pt x="7803" y="9966"/>
+                </a:lnTo>
+                <a:cubicBezTo>
+                  <a:pt x="7831" y="9966"/>
+                  <a:pt x="7859" y="9872"/>
+                  <a:pt x="7886" y="9872"/>
+                </a:cubicBezTo>
+                <a:cubicBezTo>
+                  <a:pt x="7886" y="9778"/>
+                  <a:pt x="7915" y="9778"/>
+                  <a:pt x="7915" y="9778"/>
+                </a:cubicBezTo>
+                <a:lnTo>
+                  <a:pt x="9248" y="5265"/>
+                </a:lnTo>
+                <a:cubicBezTo>
+                  <a:pt x="9303" y="5077"/>
+                  <a:pt x="9303" y="4889"/>
+                  <a:pt x="9248" y="4701"/>
+                </a:cubicBezTo>
+                <a:close/>
+              </a:path>
+            </a:pathLst>
+          </a:custGeom>
+          <a:solidFill>
+            <a:schemeClr val="accent1"/>
+          </a:solidFill>
+          <a:ln>
+            <a:noFill/>
+          </a:ln>
+        </p:spPr>
+      </p:sp>
+      <p:sp>
+        <p:nvSpPr>
           <p:cNvPr id="6" name="Slide Number Placeholder 5"/>
           <p:cNvSpPr>
             <a:spLocks noGrp="1"/>
@@ -1041,7 +3792,12 @@
             <p:ph type="sldNum" sz="quarter" idx="12"/>
           </p:nvPr>
         </p:nvSpPr>
-        <p:spPr/>
+        <p:spPr>
+          <a:xfrm>
+            <a:off x="957262" y="5406899"/>
+            <a:ext cx="1403581" cy="608542"/>
+          </a:xfrm>
+        </p:spPr>
         <p:txBody>
           <a:bodyPr/>
           <a:lstStyle/>
@@ -1057,13 +3813,18 @@
     </p:spTree>
     <p:extLst>
       <p:ext uri="{BB962C8B-B14F-4D97-AF65-F5344CB8AC3E}">
-        <p14:creationId xmlns:p14="http://schemas.microsoft.com/office/powerpoint/2010/main" val="1697027166"/>
+        <p14:creationId xmlns:p14="http://schemas.microsoft.com/office/powerpoint/2010/main" val="1889779579"/>
       </p:ext>
     </p:extLst>
   </p:cSld>
   <p:clrMapOvr>
     <a:masterClrMapping/>
   </p:clrMapOvr>
+  <p:extLst>
+    <p:ext uri="{DCECCB84-F9BA-43D5-87BE-67443E8EF086}">
+      <p15:sldGuideLst xmlns:p15="http://schemas.microsoft.com/office/powerpoint/2012/main"/>
+    </p:ext>
+  </p:extLst>
 </p:sldLayout>
 </file>
 
@@ -1086,7 +3847,7 @@
       </p:grpSpPr>
       <p:sp>
         <p:nvSpPr>
-          <p:cNvPr id="2" name="Title 1"/>
+          <p:cNvPr id="8" name="Title 7"/>
           <p:cNvSpPr>
             <a:spLocks noGrp="1"/>
           </p:cNvSpPr>
@@ -1119,12 +3880,14 @@
         </p:nvSpPr>
         <p:spPr>
           <a:xfrm>
-            <a:off x="628650" y="1521354"/>
-            <a:ext cx="3886200" cy="3626115"/>
+            <a:off x="4660582" y="3556000"/>
+            <a:ext cx="7764955" cy="6296037"/>
           </a:xfrm>
         </p:spPr>
         <p:txBody>
-          <a:bodyPr/>
+          <a:bodyPr>
+            <a:normAutofit/>
+          </a:bodyPr>
           <a:lstStyle/>
           <a:p>
             <a:pPr lvl="0"/>
@@ -1176,12 +3939,14 @@
         </p:nvSpPr>
         <p:spPr>
           <a:xfrm>
-            <a:off x="4629150" y="1521354"/>
-            <a:ext cx="3886200" cy="3626115"/>
+            <a:off x="12943345" y="3543703"/>
+            <a:ext cx="7764955" cy="6296037"/>
           </a:xfrm>
         </p:spPr>
         <p:txBody>
-          <a:bodyPr/>
+          <a:bodyPr>
+            <a:normAutofit/>
+          </a:bodyPr>
           <a:lstStyle/>
           <a:p>
             <a:pPr lvl="0"/>
@@ -1238,7 +4003,7 @@
           <a:p>
             <a:fld id="{00B1DE44-7493-4665-A02F-847C79AD84D3}" type="datetimeFigureOut">
               <a:rPr lang="en-US" smtClean="0"/>
-              <a:t>18-Aug-20</a:t>
+              <a:t>25-Aug-20</a:t>
             </a:fld>
             <a:endParaRPr lang="en-US"/>
           </a:p>
@@ -1265,7 +4030,89 @@
       </p:sp>
       <p:sp>
         <p:nvSpPr>
-          <p:cNvPr id="7" name="Slide Number Placeholder 6"/>
+          <p:cNvPr id="10" name="Freeform 11"/>
+          <p:cNvSpPr/>
+          <p:nvPr/>
+        </p:nvSpPr>
+        <p:spPr bwMode="auto">
+          <a:xfrm flipV="1">
+            <a:off x="-7540" y="1190626"/>
+            <a:ext cx="2859349" cy="845495"/>
+          </a:xfrm>
+          <a:custGeom>
+            <a:avLst/>
+            <a:gdLst/>
+            <a:ahLst/>
+            <a:cxnLst/>
+            <a:rect l="l" t="t" r="r" b="b"/>
+            <a:pathLst>
+              <a:path w="9248" h="10000">
+                <a:moveTo>
+                  <a:pt x="9248" y="4701"/>
+                </a:moveTo>
+                <a:lnTo>
+                  <a:pt x="7915" y="188"/>
+                </a:lnTo>
+                <a:cubicBezTo>
+                  <a:pt x="7906" y="156"/>
+                  <a:pt x="7895" y="126"/>
+                  <a:pt x="7886" y="94"/>
+                </a:cubicBezTo>
+                <a:cubicBezTo>
+                  <a:pt x="7859" y="0"/>
+                  <a:pt x="7831" y="0"/>
+                  <a:pt x="7803" y="0"/>
+                </a:cubicBezTo>
+                <a:lnTo>
+                  <a:pt x="7275" y="0"/>
+                </a:lnTo>
+                <a:lnTo>
+                  <a:pt x="0" y="70"/>
+                </a:lnTo>
+                <a:cubicBezTo>
+                  <a:pt x="8" y="3380"/>
+                  <a:pt x="17" y="6690"/>
+                  <a:pt x="25" y="10000"/>
+                </a:cubicBezTo>
+                <a:lnTo>
+                  <a:pt x="7275" y="9966"/>
+                </a:lnTo>
+                <a:lnTo>
+                  <a:pt x="7803" y="9966"/>
+                </a:lnTo>
+                <a:cubicBezTo>
+                  <a:pt x="7831" y="9966"/>
+                  <a:pt x="7859" y="9872"/>
+                  <a:pt x="7886" y="9872"/>
+                </a:cubicBezTo>
+                <a:cubicBezTo>
+                  <a:pt x="7886" y="9778"/>
+                  <a:pt x="7915" y="9778"/>
+                  <a:pt x="7915" y="9778"/>
+                </a:cubicBezTo>
+                <a:lnTo>
+                  <a:pt x="9248" y="5265"/>
+                </a:lnTo>
+                <a:cubicBezTo>
+                  <a:pt x="9303" y="5077"/>
+                  <a:pt x="9303" y="4889"/>
+                  <a:pt x="9248" y="4701"/>
+                </a:cubicBezTo>
+                <a:close/>
+              </a:path>
+            </a:pathLst>
+          </a:custGeom>
+          <a:solidFill>
+            <a:schemeClr val="accent1"/>
+          </a:solidFill>
+          <a:ln>
+            <a:noFill/>
+          </a:ln>
+        </p:spPr>
+      </p:sp>
+      <p:sp>
+        <p:nvSpPr>
+          <p:cNvPr id="11" name="Slide Number Placeholder 5"/>
           <p:cNvSpPr>
             <a:spLocks noGrp="1"/>
           </p:cNvSpPr>
@@ -1273,7 +4120,12 @@
             <p:ph type="sldNum" sz="quarter" idx="12"/>
           </p:nvPr>
         </p:nvSpPr>
-        <p:spPr/>
+        <p:spPr>
+          <a:xfrm>
+            <a:off x="957262" y="1312971"/>
+            <a:ext cx="1403581" cy="608542"/>
+          </a:xfrm>
+        </p:spPr>
         <p:txBody>
           <a:bodyPr/>
           <a:lstStyle/>
@@ -1289,7 +4141,7 @@
     </p:spTree>
     <p:extLst>
       <p:ext uri="{BB962C8B-B14F-4D97-AF65-F5344CB8AC3E}">
-        <p14:creationId xmlns:p14="http://schemas.microsoft.com/office/powerpoint/2010/main" val="756870105"/>
+        <p14:creationId xmlns:p14="http://schemas.microsoft.com/office/powerpoint/2010/main" val="2364471307"/>
       </p:ext>
     </p:extLst>
   </p:cSld>
@@ -1318,7 +4170,7 @@
       </p:grpSpPr>
       <p:sp>
         <p:nvSpPr>
-          <p:cNvPr id="2" name="Title 1"/>
+          <p:cNvPr id="10" name="Title 9"/>
           <p:cNvSpPr>
             <a:spLocks noGrp="1"/>
           </p:cNvSpPr>
@@ -1326,12 +4178,7 @@
             <p:ph type="title"/>
           </p:nvPr>
         </p:nvSpPr>
-        <p:spPr>
-          <a:xfrm>
-            <a:off x="629841" y="304271"/>
-            <a:ext cx="7886700" cy="1104636"/>
-          </a:xfrm>
-        </p:spPr>
+        <p:spPr/>
         <p:txBody>
           <a:bodyPr/>
           <a:lstStyle/>
@@ -1356,48 +4203,50 @@
         </p:nvSpPr>
         <p:spPr>
           <a:xfrm>
-            <a:off x="629842" y="1400969"/>
-            <a:ext cx="3868340" cy="686593"/>
+            <a:off x="5290871" y="3287838"/>
+            <a:ext cx="7186918" cy="960437"/>
           </a:xfrm>
         </p:spPr>
         <p:txBody>
-          <a:bodyPr anchor="b"/>
+          <a:bodyPr anchor="b">
+            <a:noAutofit/>
+          </a:bodyPr>
           <a:lstStyle>
             <a:lvl1pPr marL="0" indent="0">
               <a:buNone/>
-              <a:defRPr sz="1800" b="1"/>
+              <a:defRPr sz="4000" b="0"/>
             </a:lvl1pPr>
-            <a:lvl2pPr marL="342900" indent="0">
-              <a:buNone/>
-              <a:defRPr sz="1500" b="1"/>
+            <a:lvl2pPr marL="762015" indent="0">
+              <a:buNone/>
+              <a:defRPr sz="3333" b="1"/>
             </a:lvl2pPr>
-            <a:lvl3pPr marL="685800" indent="0">
-              <a:buNone/>
-              <a:defRPr sz="1350" b="1"/>
+            <a:lvl3pPr marL="1524030" indent="0">
+              <a:buNone/>
+              <a:defRPr sz="3000" b="1"/>
             </a:lvl3pPr>
-            <a:lvl4pPr marL="1028700" indent="0">
-              <a:buNone/>
-              <a:defRPr sz="1200" b="1"/>
+            <a:lvl4pPr marL="2286046" indent="0">
+              <a:buNone/>
+              <a:defRPr sz="2667" b="1"/>
             </a:lvl4pPr>
-            <a:lvl5pPr marL="1371600" indent="0">
-              <a:buNone/>
-              <a:defRPr sz="1200" b="1"/>
+            <a:lvl5pPr marL="3048061" indent="0">
+              <a:buNone/>
+              <a:defRPr sz="2667" b="1"/>
             </a:lvl5pPr>
-            <a:lvl6pPr marL="1714500" indent="0">
-              <a:buNone/>
-              <a:defRPr sz="1200" b="1"/>
+            <a:lvl6pPr marL="3810076" indent="0">
+              <a:buNone/>
+              <a:defRPr sz="2667" b="1"/>
             </a:lvl6pPr>
-            <a:lvl7pPr marL="2057400" indent="0">
-              <a:buNone/>
-              <a:defRPr sz="1200" b="1"/>
+            <a:lvl7pPr marL="4572091" indent="0">
+              <a:buNone/>
+              <a:defRPr sz="2667" b="1"/>
             </a:lvl7pPr>
-            <a:lvl8pPr marL="2400300" indent="0">
-              <a:buNone/>
-              <a:defRPr sz="1200" b="1"/>
+            <a:lvl8pPr marL="5334107" indent="0">
+              <a:buNone/>
+              <a:defRPr sz="2667" b="1"/>
             </a:lvl8pPr>
-            <a:lvl9pPr marL="2743200" indent="0">
-              <a:buNone/>
-              <a:defRPr sz="1200" b="1"/>
+            <a:lvl9pPr marL="6096122" indent="0">
+              <a:buNone/>
+              <a:defRPr sz="2667" b="1"/>
             </a:lvl9pPr>
           </a:lstStyle>
           <a:p>
@@ -1421,12 +4270,14 @@
         </p:nvSpPr>
         <p:spPr>
           <a:xfrm>
-            <a:off x="629842" y="2087563"/>
-            <a:ext cx="3868340" cy="3070490"/>
+            <a:off x="4660583" y="4248277"/>
+            <a:ext cx="7817207" cy="5590100"/>
           </a:xfrm>
         </p:spPr>
         <p:txBody>
-          <a:bodyPr/>
+          <a:bodyPr>
+            <a:normAutofit/>
+          </a:bodyPr>
           <a:lstStyle/>
           <a:p>
             <a:pPr lvl="0"/>
@@ -1478,48 +4329,50 @@
         </p:nvSpPr>
         <p:spPr>
           <a:xfrm>
-            <a:off x="4629150" y="1400969"/>
-            <a:ext cx="3887391" cy="686593"/>
+            <a:off x="13511933" y="3282458"/>
+            <a:ext cx="7198202" cy="960437"/>
           </a:xfrm>
         </p:spPr>
         <p:txBody>
-          <a:bodyPr anchor="b"/>
+          <a:bodyPr anchor="b">
+            <a:noAutofit/>
+          </a:bodyPr>
           <a:lstStyle>
             <a:lvl1pPr marL="0" indent="0">
               <a:buNone/>
-              <a:defRPr sz="1800" b="1"/>
+              <a:defRPr sz="4000" b="0"/>
             </a:lvl1pPr>
-            <a:lvl2pPr marL="342900" indent="0">
-              <a:buNone/>
-              <a:defRPr sz="1500" b="1"/>
+            <a:lvl2pPr marL="762015" indent="0">
+              <a:buNone/>
+              <a:defRPr sz="3333" b="1"/>
             </a:lvl2pPr>
-            <a:lvl3pPr marL="685800" indent="0">
-              <a:buNone/>
-              <a:defRPr sz="1350" b="1"/>
+            <a:lvl3pPr marL="1524030" indent="0">
+              <a:buNone/>
+              <a:defRPr sz="3000" b="1"/>
             </a:lvl3pPr>
-            <a:lvl4pPr marL="1028700" indent="0">
-              <a:buNone/>
-              <a:defRPr sz="1200" b="1"/>
+            <a:lvl4pPr marL="2286046" indent="0">
+              <a:buNone/>
+              <a:defRPr sz="2667" b="1"/>
             </a:lvl4pPr>
-            <a:lvl5pPr marL="1371600" indent="0">
-              <a:buNone/>
-              <a:defRPr sz="1200" b="1"/>
+            <a:lvl5pPr marL="3048061" indent="0">
+              <a:buNone/>
+              <a:defRPr sz="2667" b="1"/>
             </a:lvl5pPr>
-            <a:lvl6pPr marL="1714500" indent="0">
-              <a:buNone/>
-              <a:defRPr sz="1200" b="1"/>
+            <a:lvl6pPr marL="3810076" indent="0">
+              <a:buNone/>
+              <a:defRPr sz="2667" b="1"/>
             </a:lvl6pPr>
-            <a:lvl7pPr marL="2057400" indent="0">
-              <a:buNone/>
-              <a:defRPr sz="1200" b="1"/>
+            <a:lvl7pPr marL="4572091" indent="0">
+              <a:buNone/>
+              <a:defRPr sz="2667" b="1"/>
             </a:lvl7pPr>
-            <a:lvl8pPr marL="2400300" indent="0">
-              <a:buNone/>
-              <a:defRPr sz="1200" b="1"/>
+            <a:lvl8pPr marL="5334107" indent="0">
+              <a:buNone/>
+              <a:defRPr sz="2667" b="1"/>
             </a:lvl8pPr>
-            <a:lvl9pPr marL="2743200" indent="0">
-              <a:buNone/>
-              <a:defRPr sz="1200" b="1"/>
+            <a:lvl9pPr marL="6096122" indent="0">
+              <a:buNone/>
+              <a:defRPr sz="2667" b="1"/>
             </a:lvl9pPr>
           </a:lstStyle>
           <a:p>
@@ -1543,12 +4396,14 @@
         </p:nvSpPr>
         <p:spPr>
           <a:xfrm>
-            <a:off x="4629150" y="2087563"/>
-            <a:ext cx="3887391" cy="3070490"/>
+            <a:off x="12900523" y="4242897"/>
+            <a:ext cx="7809613" cy="5590100"/>
           </a:xfrm>
         </p:spPr>
         <p:txBody>
-          <a:bodyPr/>
+          <a:bodyPr>
+            <a:normAutofit/>
+          </a:bodyPr>
           <a:lstStyle/>
           <a:p>
             <a:pPr lvl="0"/>
@@ -1605,7 +4460,7 @@
           <a:p>
             <a:fld id="{00B1DE44-7493-4665-A02F-847C79AD84D3}" type="datetimeFigureOut">
               <a:rPr lang="en-US" smtClean="0"/>
-              <a:t>18-Aug-20</a:t>
+              <a:t>25-Aug-20</a:t>
             </a:fld>
             <a:endParaRPr lang="en-US"/>
           </a:p>
@@ -1632,7 +4487,89 @@
       </p:sp>
       <p:sp>
         <p:nvSpPr>
-          <p:cNvPr id="9" name="Slide Number Placeholder 8"/>
+          <p:cNvPr id="12" name="Freeform 11"/>
+          <p:cNvSpPr/>
+          <p:nvPr/>
+        </p:nvSpPr>
+        <p:spPr bwMode="auto">
+          <a:xfrm flipV="1">
+            <a:off x="-7540" y="1190626"/>
+            <a:ext cx="2859349" cy="845495"/>
+          </a:xfrm>
+          <a:custGeom>
+            <a:avLst/>
+            <a:gdLst/>
+            <a:ahLst/>
+            <a:cxnLst/>
+            <a:rect l="l" t="t" r="r" b="b"/>
+            <a:pathLst>
+              <a:path w="9248" h="10000">
+                <a:moveTo>
+                  <a:pt x="9248" y="4701"/>
+                </a:moveTo>
+                <a:lnTo>
+                  <a:pt x="7915" y="188"/>
+                </a:lnTo>
+                <a:cubicBezTo>
+                  <a:pt x="7906" y="156"/>
+                  <a:pt x="7895" y="126"/>
+                  <a:pt x="7886" y="94"/>
+                </a:cubicBezTo>
+                <a:cubicBezTo>
+                  <a:pt x="7859" y="0"/>
+                  <a:pt x="7831" y="0"/>
+                  <a:pt x="7803" y="0"/>
+                </a:cubicBezTo>
+                <a:lnTo>
+                  <a:pt x="7275" y="0"/>
+                </a:lnTo>
+                <a:lnTo>
+                  <a:pt x="0" y="70"/>
+                </a:lnTo>
+                <a:cubicBezTo>
+                  <a:pt x="8" y="3380"/>
+                  <a:pt x="17" y="6690"/>
+                  <a:pt x="25" y="10000"/>
+                </a:cubicBezTo>
+                <a:lnTo>
+                  <a:pt x="7275" y="9966"/>
+                </a:lnTo>
+                <a:lnTo>
+                  <a:pt x="7803" y="9966"/>
+                </a:lnTo>
+                <a:cubicBezTo>
+                  <a:pt x="7831" y="9966"/>
+                  <a:pt x="7859" y="9872"/>
+                  <a:pt x="7886" y="9872"/>
+                </a:cubicBezTo>
+                <a:cubicBezTo>
+                  <a:pt x="7886" y="9778"/>
+                  <a:pt x="7915" y="9778"/>
+                  <a:pt x="7915" y="9778"/>
+                </a:cubicBezTo>
+                <a:lnTo>
+                  <a:pt x="9248" y="5265"/>
+                </a:lnTo>
+                <a:cubicBezTo>
+                  <a:pt x="9303" y="5077"/>
+                  <a:pt x="9303" y="4889"/>
+                  <a:pt x="9248" y="4701"/>
+                </a:cubicBezTo>
+                <a:close/>
+              </a:path>
+            </a:pathLst>
+          </a:custGeom>
+          <a:solidFill>
+            <a:schemeClr val="accent1"/>
+          </a:solidFill>
+          <a:ln>
+            <a:noFill/>
+          </a:ln>
+        </p:spPr>
+      </p:sp>
+      <p:sp>
+        <p:nvSpPr>
+          <p:cNvPr id="13" name="Slide Number Placeholder 5"/>
           <p:cNvSpPr>
             <a:spLocks noGrp="1"/>
           </p:cNvSpPr>
@@ -1640,7 +4577,12 @@
             <p:ph type="sldNum" sz="quarter" idx="12"/>
           </p:nvPr>
         </p:nvSpPr>
-        <p:spPr/>
+        <p:spPr>
+          <a:xfrm>
+            <a:off x="957262" y="1312971"/>
+            <a:ext cx="1403581" cy="608542"/>
+          </a:xfrm>
+        </p:spPr>
         <p:txBody>
           <a:bodyPr/>
           <a:lstStyle/>
@@ -1656,7 +4598,7 @@
     </p:spTree>
     <p:extLst>
       <p:ext uri="{BB962C8B-B14F-4D97-AF65-F5344CB8AC3E}">
-        <p14:creationId xmlns:p14="http://schemas.microsoft.com/office/powerpoint/2010/main" val="1757746827"/>
+        <p14:creationId xmlns:p14="http://schemas.microsoft.com/office/powerpoint/2010/main" val="4109081944"/>
       </p:ext>
     </p:extLst>
   </p:cSld>
@@ -1723,7 +4665,7 @@
           <a:p>
             <a:fld id="{00B1DE44-7493-4665-A02F-847C79AD84D3}" type="datetimeFigureOut">
               <a:rPr lang="en-US" smtClean="0"/>
-              <a:t>18-Aug-20</a:t>
+              <a:t>25-Aug-20</a:t>
             </a:fld>
             <a:endParaRPr lang="en-US"/>
           </a:p>
@@ -1747,6 +4689,88 @@
             <a:endParaRPr lang="en-US"/>
           </a:p>
         </p:txBody>
+      </p:sp>
+      <p:sp>
+        <p:nvSpPr>
+          <p:cNvPr id="7" name="Freeform 11"/>
+          <p:cNvSpPr/>
+          <p:nvPr/>
+        </p:nvSpPr>
+        <p:spPr bwMode="auto">
+          <a:xfrm flipV="1">
+            <a:off x="-7540" y="1190626"/>
+            <a:ext cx="2859349" cy="845495"/>
+          </a:xfrm>
+          <a:custGeom>
+            <a:avLst/>
+            <a:gdLst/>
+            <a:ahLst/>
+            <a:cxnLst/>
+            <a:rect l="l" t="t" r="r" b="b"/>
+            <a:pathLst>
+              <a:path w="9248" h="10000">
+                <a:moveTo>
+                  <a:pt x="9248" y="4701"/>
+                </a:moveTo>
+                <a:lnTo>
+                  <a:pt x="7915" y="188"/>
+                </a:lnTo>
+                <a:cubicBezTo>
+                  <a:pt x="7906" y="156"/>
+                  <a:pt x="7895" y="126"/>
+                  <a:pt x="7886" y="94"/>
+                </a:cubicBezTo>
+                <a:cubicBezTo>
+                  <a:pt x="7859" y="0"/>
+                  <a:pt x="7831" y="0"/>
+                  <a:pt x="7803" y="0"/>
+                </a:cubicBezTo>
+                <a:lnTo>
+                  <a:pt x="7275" y="0"/>
+                </a:lnTo>
+                <a:lnTo>
+                  <a:pt x="0" y="70"/>
+                </a:lnTo>
+                <a:cubicBezTo>
+                  <a:pt x="8" y="3380"/>
+                  <a:pt x="17" y="6690"/>
+                  <a:pt x="25" y="10000"/>
+                </a:cubicBezTo>
+                <a:lnTo>
+                  <a:pt x="7275" y="9966"/>
+                </a:lnTo>
+                <a:lnTo>
+                  <a:pt x="7803" y="9966"/>
+                </a:lnTo>
+                <a:cubicBezTo>
+                  <a:pt x="7831" y="9966"/>
+                  <a:pt x="7859" y="9872"/>
+                  <a:pt x="7886" y="9872"/>
+                </a:cubicBezTo>
+                <a:cubicBezTo>
+                  <a:pt x="7886" y="9778"/>
+                  <a:pt x="7915" y="9778"/>
+                  <a:pt x="7915" y="9778"/>
+                </a:cubicBezTo>
+                <a:lnTo>
+                  <a:pt x="9248" y="5265"/>
+                </a:lnTo>
+                <a:cubicBezTo>
+                  <a:pt x="9303" y="5077"/>
+                  <a:pt x="9303" y="4889"/>
+                  <a:pt x="9248" y="4701"/>
+                </a:cubicBezTo>
+                <a:close/>
+              </a:path>
+            </a:pathLst>
+          </a:custGeom>
+          <a:solidFill>
+            <a:schemeClr val="accent1"/>
+          </a:solidFill>
+          <a:ln>
+            <a:noFill/>
+          </a:ln>
+        </p:spPr>
       </p:sp>
       <p:sp>
         <p:nvSpPr>
@@ -1774,7 +4798,7 @@
     </p:spTree>
     <p:extLst>
       <p:ext uri="{BB962C8B-B14F-4D97-AF65-F5344CB8AC3E}">
-        <p14:creationId xmlns:p14="http://schemas.microsoft.com/office/powerpoint/2010/main" val="3626688970"/>
+        <p14:creationId xmlns:p14="http://schemas.microsoft.com/office/powerpoint/2010/main" val="2522626146"/>
       </p:ext>
     </p:extLst>
   </p:cSld>
@@ -1818,7 +4842,7 @@
           <a:p>
             <a:fld id="{00B1DE44-7493-4665-A02F-847C79AD84D3}" type="datetimeFigureOut">
               <a:rPr lang="en-US" smtClean="0"/>
-              <a:t>18-Aug-20</a:t>
+              <a:t>25-Aug-20</a:t>
             </a:fld>
             <a:endParaRPr lang="en-US"/>
           </a:p>
@@ -1842,6 +4866,88 @@
             <a:endParaRPr lang="en-US"/>
           </a:p>
         </p:txBody>
+      </p:sp>
+      <p:sp>
+        <p:nvSpPr>
+          <p:cNvPr id="6" name="Freeform 11"/>
+          <p:cNvSpPr/>
+          <p:nvPr/>
+        </p:nvSpPr>
+        <p:spPr bwMode="auto">
+          <a:xfrm flipV="1">
+            <a:off x="-7540" y="1190626"/>
+            <a:ext cx="2859349" cy="845495"/>
+          </a:xfrm>
+          <a:custGeom>
+            <a:avLst/>
+            <a:gdLst/>
+            <a:ahLst/>
+            <a:cxnLst/>
+            <a:rect l="l" t="t" r="r" b="b"/>
+            <a:pathLst>
+              <a:path w="9248" h="10000">
+                <a:moveTo>
+                  <a:pt x="9248" y="4701"/>
+                </a:moveTo>
+                <a:lnTo>
+                  <a:pt x="7915" y="188"/>
+                </a:lnTo>
+                <a:cubicBezTo>
+                  <a:pt x="7906" y="156"/>
+                  <a:pt x="7895" y="126"/>
+                  <a:pt x="7886" y="94"/>
+                </a:cubicBezTo>
+                <a:cubicBezTo>
+                  <a:pt x="7859" y="0"/>
+                  <a:pt x="7831" y="0"/>
+                  <a:pt x="7803" y="0"/>
+                </a:cubicBezTo>
+                <a:lnTo>
+                  <a:pt x="7275" y="0"/>
+                </a:lnTo>
+                <a:lnTo>
+                  <a:pt x="0" y="70"/>
+                </a:lnTo>
+                <a:cubicBezTo>
+                  <a:pt x="8" y="3380"/>
+                  <a:pt x="17" y="6690"/>
+                  <a:pt x="25" y="10000"/>
+                </a:cubicBezTo>
+                <a:lnTo>
+                  <a:pt x="7275" y="9966"/>
+                </a:lnTo>
+                <a:lnTo>
+                  <a:pt x="7803" y="9966"/>
+                </a:lnTo>
+                <a:cubicBezTo>
+                  <a:pt x="7831" y="9966"/>
+                  <a:pt x="7859" y="9872"/>
+                  <a:pt x="7886" y="9872"/>
+                </a:cubicBezTo>
+                <a:cubicBezTo>
+                  <a:pt x="7886" y="9778"/>
+                  <a:pt x="7915" y="9778"/>
+                  <a:pt x="7915" y="9778"/>
+                </a:cubicBezTo>
+                <a:lnTo>
+                  <a:pt x="9248" y="5265"/>
+                </a:lnTo>
+                <a:cubicBezTo>
+                  <a:pt x="9303" y="5077"/>
+                  <a:pt x="9303" y="4889"/>
+                  <a:pt x="9248" y="4701"/>
+                </a:cubicBezTo>
+                <a:close/>
+              </a:path>
+            </a:pathLst>
+          </a:custGeom>
+          <a:solidFill>
+            <a:schemeClr val="accent1"/>
+          </a:solidFill>
+          <a:ln>
+            <a:noFill/>
+          </a:ln>
+        </p:spPr>
       </p:sp>
       <p:sp>
         <p:nvSpPr>
@@ -1869,13 +4975,18 @@
     </p:spTree>
     <p:extLst>
       <p:ext uri="{BB962C8B-B14F-4D97-AF65-F5344CB8AC3E}">
-        <p14:creationId xmlns:p14="http://schemas.microsoft.com/office/powerpoint/2010/main" val="2339090574"/>
+        <p14:creationId xmlns:p14="http://schemas.microsoft.com/office/powerpoint/2010/main" val="3511941104"/>
       </p:ext>
     </p:extLst>
   </p:cSld>
   <p:clrMapOvr>
     <a:masterClrMapping/>
   </p:clrMapOvr>
+  <p:extLst>
+    <p:ext uri="{DCECCB84-F9BA-43D5-87BE-67443E8EF086}">
+      <p15:sldGuideLst xmlns:p15="http://schemas.microsoft.com/office/powerpoint/2012/main"/>
+    </p:ext>
+  </p:extLst>
 </p:sldLayout>
 </file>
 
@@ -1908,15 +5019,15 @@
         </p:nvSpPr>
         <p:spPr>
           <a:xfrm>
-            <a:off x="629841" y="381000"/>
-            <a:ext cx="2949178" cy="1333500"/>
+            <a:off x="4660583" y="743480"/>
+            <a:ext cx="6309358" cy="1627187"/>
           </a:xfrm>
         </p:spPr>
         <p:txBody>
           <a:bodyPr anchor="b"/>
           <a:lstStyle>
-            <a:lvl1pPr>
-              <a:defRPr sz="2400"/>
+            <a:lvl1pPr algn="l">
+              <a:defRPr sz="3333" b="0"/>
             </a:lvl1pPr>
           </a:lstStyle>
           <a:p>
@@ -1940,41 +5051,15 @@
         </p:nvSpPr>
         <p:spPr>
           <a:xfrm>
-            <a:off x="3887391" y="822855"/>
-            <a:ext cx="4629150" cy="4061354"/>
+            <a:off x="11381422" y="743481"/>
+            <a:ext cx="9326880" cy="9024938"/>
           </a:xfrm>
         </p:spPr>
         <p:txBody>
-          <a:bodyPr/>
-          <a:lstStyle>
-            <a:lvl1pPr>
-              <a:defRPr sz="2400"/>
-            </a:lvl1pPr>
-            <a:lvl2pPr>
-              <a:defRPr sz="2100"/>
-            </a:lvl2pPr>
-            <a:lvl3pPr>
-              <a:defRPr sz="1800"/>
-            </a:lvl3pPr>
-            <a:lvl4pPr>
-              <a:defRPr sz="1500"/>
-            </a:lvl4pPr>
-            <a:lvl5pPr>
-              <a:defRPr sz="1500"/>
-            </a:lvl5pPr>
-            <a:lvl6pPr>
-              <a:defRPr sz="1500"/>
-            </a:lvl6pPr>
-            <a:lvl7pPr>
-              <a:defRPr sz="1500"/>
-            </a:lvl7pPr>
-            <a:lvl8pPr>
-              <a:defRPr sz="1500"/>
-            </a:lvl8pPr>
-            <a:lvl9pPr>
-              <a:defRPr sz="1500"/>
-            </a:lvl9pPr>
-          </a:lstStyle>
+          <a:bodyPr anchor="ctr">
+            <a:normAutofit/>
+          </a:bodyPr>
+          <a:lstStyle/>
           <a:p>
             <a:pPr lvl="0"/>
             <a:r>
@@ -2025,8 +5110,8 @@
         </p:nvSpPr>
         <p:spPr>
           <a:xfrm>
-            <a:off x="629841" y="1714500"/>
-            <a:ext cx="2949178" cy="3176323"/>
+            <a:off x="4660583" y="2664355"/>
+            <a:ext cx="6309358" cy="7104060"/>
           </a:xfrm>
         </p:spPr>
         <p:txBody>
@@ -2034,39 +5119,39 @@
           <a:lstStyle>
             <a:lvl1pPr marL="0" indent="0">
               <a:buNone/>
-              <a:defRPr sz="1200"/>
+              <a:defRPr sz="2333"/>
             </a:lvl1pPr>
-            <a:lvl2pPr marL="342900" indent="0">
-              <a:buNone/>
-              <a:defRPr sz="1050"/>
+            <a:lvl2pPr marL="762015" indent="0">
+              <a:buNone/>
+              <a:defRPr sz="2000"/>
             </a:lvl2pPr>
-            <a:lvl3pPr marL="685800" indent="0">
-              <a:buNone/>
-              <a:defRPr sz="900"/>
+            <a:lvl3pPr marL="1524030" indent="0">
+              <a:buNone/>
+              <a:defRPr sz="1667"/>
             </a:lvl3pPr>
-            <a:lvl4pPr marL="1028700" indent="0">
-              <a:buNone/>
-              <a:defRPr sz="750"/>
+            <a:lvl4pPr marL="2286046" indent="0">
+              <a:buNone/>
+              <a:defRPr sz="1500"/>
             </a:lvl4pPr>
-            <a:lvl5pPr marL="1371600" indent="0">
-              <a:buNone/>
-              <a:defRPr sz="750"/>
+            <a:lvl5pPr marL="3048061" indent="0">
+              <a:buNone/>
+              <a:defRPr sz="1500"/>
             </a:lvl5pPr>
-            <a:lvl6pPr marL="1714500" indent="0">
-              <a:buNone/>
-              <a:defRPr sz="750"/>
+            <a:lvl6pPr marL="3810076" indent="0">
+              <a:buNone/>
+              <a:defRPr sz="1500"/>
             </a:lvl6pPr>
-            <a:lvl7pPr marL="2057400" indent="0">
-              <a:buNone/>
-              <a:defRPr sz="750"/>
+            <a:lvl7pPr marL="4572091" indent="0">
+              <a:buNone/>
+              <a:defRPr sz="1500"/>
             </a:lvl7pPr>
-            <a:lvl8pPr marL="2400300" indent="0">
-              <a:buNone/>
-              <a:defRPr sz="750"/>
+            <a:lvl8pPr marL="5334107" indent="0">
+              <a:buNone/>
+              <a:defRPr sz="1500"/>
             </a:lvl8pPr>
-            <a:lvl9pPr marL="2743200" indent="0">
-              <a:buNone/>
-              <a:defRPr sz="750"/>
+            <a:lvl9pPr marL="6096122" indent="0">
+              <a:buNone/>
+              <a:defRPr sz="1500"/>
             </a:lvl9pPr>
           </a:lstStyle>
           <a:p>
@@ -2095,7 +5180,7 @@
           <a:p>
             <a:fld id="{00B1DE44-7493-4665-A02F-847C79AD84D3}" type="datetimeFigureOut">
               <a:rPr lang="en-US" smtClean="0"/>
-              <a:t>18-Aug-20</a:t>
+              <a:t>25-Aug-20</a:t>
             </a:fld>
             <a:endParaRPr lang="en-US"/>
           </a:p>
@@ -2119,6 +5204,88 @@
             <a:endParaRPr lang="en-US"/>
           </a:p>
         </p:txBody>
+      </p:sp>
+      <p:sp>
+        <p:nvSpPr>
+          <p:cNvPr id="9" name="Freeform 11"/>
+          <p:cNvSpPr/>
+          <p:nvPr/>
+        </p:nvSpPr>
+        <p:spPr bwMode="auto">
+          <a:xfrm flipV="1">
+            <a:off x="-7540" y="1190626"/>
+            <a:ext cx="2859349" cy="845495"/>
+          </a:xfrm>
+          <a:custGeom>
+            <a:avLst/>
+            <a:gdLst/>
+            <a:ahLst/>
+            <a:cxnLst/>
+            <a:rect l="l" t="t" r="r" b="b"/>
+            <a:pathLst>
+              <a:path w="9248" h="10000">
+                <a:moveTo>
+                  <a:pt x="9248" y="4701"/>
+                </a:moveTo>
+                <a:lnTo>
+                  <a:pt x="7915" y="188"/>
+                </a:lnTo>
+                <a:cubicBezTo>
+                  <a:pt x="7906" y="156"/>
+                  <a:pt x="7895" y="126"/>
+                  <a:pt x="7886" y="94"/>
+                </a:cubicBezTo>
+                <a:cubicBezTo>
+                  <a:pt x="7859" y="0"/>
+                  <a:pt x="7831" y="0"/>
+                  <a:pt x="7803" y="0"/>
+                </a:cubicBezTo>
+                <a:lnTo>
+                  <a:pt x="7275" y="0"/>
+                </a:lnTo>
+                <a:lnTo>
+                  <a:pt x="0" y="70"/>
+                </a:lnTo>
+                <a:cubicBezTo>
+                  <a:pt x="8" y="3380"/>
+                  <a:pt x="17" y="6690"/>
+                  <a:pt x="25" y="10000"/>
+                </a:cubicBezTo>
+                <a:lnTo>
+                  <a:pt x="7275" y="9966"/>
+                </a:lnTo>
+                <a:lnTo>
+                  <a:pt x="7803" y="9966"/>
+                </a:lnTo>
+                <a:cubicBezTo>
+                  <a:pt x="7831" y="9966"/>
+                  <a:pt x="7859" y="9872"/>
+                  <a:pt x="7886" y="9872"/>
+                </a:cubicBezTo>
+                <a:cubicBezTo>
+                  <a:pt x="7886" y="9778"/>
+                  <a:pt x="7915" y="9778"/>
+                  <a:pt x="7915" y="9778"/>
+                </a:cubicBezTo>
+                <a:lnTo>
+                  <a:pt x="9248" y="5265"/>
+                </a:lnTo>
+                <a:cubicBezTo>
+                  <a:pt x="9303" y="5077"/>
+                  <a:pt x="9303" y="4889"/>
+                  <a:pt x="9248" y="4701"/>
+                </a:cubicBezTo>
+                <a:close/>
+              </a:path>
+            </a:pathLst>
+          </a:custGeom>
+          <a:solidFill>
+            <a:schemeClr val="accent1"/>
+          </a:solidFill>
+          <a:ln>
+            <a:noFill/>
+          </a:ln>
+        </p:spPr>
       </p:sp>
       <p:sp>
         <p:nvSpPr>
@@ -2146,13 +5313,18 @@
     </p:spTree>
     <p:extLst>
       <p:ext uri="{BB962C8B-B14F-4D97-AF65-F5344CB8AC3E}">
-        <p14:creationId xmlns:p14="http://schemas.microsoft.com/office/powerpoint/2010/main" val="2856895067"/>
+        <p14:creationId xmlns:p14="http://schemas.microsoft.com/office/powerpoint/2010/main" val="2483663307"/>
       </p:ext>
     </p:extLst>
   </p:cSld>
   <p:clrMapOvr>
     <a:masterClrMapping/>
   </p:clrMapOvr>
+  <p:extLst>
+    <p:ext uri="{DCECCB84-F9BA-43D5-87BE-67443E8EF086}">
+      <p15:sldGuideLst xmlns:p15="http://schemas.microsoft.com/office/powerpoint/2012/main"/>
+    </p:ext>
+  </p:extLst>
 </p:sldLayout>
 </file>
 
@@ -2185,15 +5357,17 @@
         </p:nvSpPr>
         <p:spPr>
           <a:xfrm>
-            <a:off x="629841" y="381000"/>
-            <a:ext cx="2949178" cy="1333500"/>
+            <a:off x="4660583" y="8001000"/>
+            <a:ext cx="16047720" cy="944563"/>
           </a:xfrm>
         </p:spPr>
         <p:txBody>
-          <a:bodyPr anchor="b"/>
+          <a:bodyPr anchor="b">
+            <a:normAutofit/>
+          </a:bodyPr>
           <a:lstStyle>
-            <a:lvl1pPr>
-              <a:defRPr sz="2400"/>
+            <a:lvl1pPr algn="l">
+              <a:defRPr sz="4000" b="0"/>
             </a:lvl1pPr>
           </a:lstStyle>
           <a:p>
@@ -2217,48 +5391,50 @@
         </p:nvSpPr>
         <p:spPr>
           <a:xfrm>
-            <a:off x="3887391" y="822855"/>
-            <a:ext cx="4629150" cy="4061354"/>
+            <a:off x="4660582" y="1058275"/>
+            <a:ext cx="16047720" cy="6424950"/>
           </a:xfrm>
         </p:spPr>
         <p:txBody>
-          <a:bodyPr anchor="t"/>
+          <a:bodyPr anchor="t">
+            <a:normAutofit/>
+          </a:bodyPr>
           <a:lstStyle>
-            <a:lvl1pPr marL="0" indent="0">
-              <a:buNone/>
-              <a:defRPr sz="2400"/>
+            <a:lvl1pPr marL="0" indent="0" algn="ctr">
+              <a:buNone/>
+              <a:defRPr sz="2667"/>
             </a:lvl1pPr>
-            <a:lvl2pPr marL="342900" indent="0">
-              <a:buNone/>
-              <a:defRPr sz="2100"/>
+            <a:lvl2pPr marL="762015" indent="0">
+              <a:buNone/>
+              <a:defRPr sz="2667"/>
             </a:lvl2pPr>
-            <a:lvl3pPr marL="685800" indent="0">
-              <a:buNone/>
-              <a:defRPr sz="1800"/>
+            <a:lvl3pPr marL="1524030" indent="0">
+              <a:buNone/>
+              <a:defRPr sz="2667"/>
             </a:lvl3pPr>
-            <a:lvl4pPr marL="1028700" indent="0">
-              <a:buNone/>
-              <a:defRPr sz="1500"/>
+            <a:lvl4pPr marL="2286046" indent="0">
+              <a:buNone/>
+              <a:defRPr sz="2667"/>
             </a:lvl4pPr>
-            <a:lvl5pPr marL="1371600" indent="0">
-              <a:buNone/>
-              <a:defRPr sz="1500"/>
+            <a:lvl5pPr marL="3048061" indent="0">
+              <a:buNone/>
+              <a:defRPr sz="2667"/>
             </a:lvl5pPr>
-            <a:lvl6pPr marL="1714500" indent="0">
-              <a:buNone/>
-              <a:defRPr sz="1500"/>
+            <a:lvl6pPr marL="3810076" indent="0">
+              <a:buNone/>
+              <a:defRPr sz="2667"/>
             </a:lvl6pPr>
-            <a:lvl7pPr marL="2057400" indent="0">
-              <a:buNone/>
-              <a:defRPr sz="1500"/>
+            <a:lvl7pPr marL="4572091" indent="0">
+              <a:buNone/>
+              <a:defRPr sz="2667"/>
             </a:lvl7pPr>
-            <a:lvl8pPr marL="2400300" indent="0">
-              <a:buNone/>
-              <a:defRPr sz="1500"/>
+            <a:lvl8pPr marL="5334107" indent="0">
+              <a:buNone/>
+              <a:defRPr sz="2667"/>
             </a:lvl8pPr>
-            <a:lvl9pPr marL="2743200" indent="0">
-              <a:buNone/>
-              <a:defRPr sz="1500"/>
+            <a:lvl9pPr marL="6096122" indent="0">
+              <a:buNone/>
+              <a:defRPr sz="2667"/>
             </a:lvl9pPr>
           </a:lstStyle>
           <a:p>
@@ -2282,48 +5458,50 @@
         </p:nvSpPr>
         <p:spPr>
           <a:xfrm>
-            <a:off x="629841" y="1714500"/>
-            <a:ext cx="2949178" cy="3176323"/>
+            <a:off x="4660583" y="8945564"/>
+            <a:ext cx="16047720" cy="822853"/>
           </a:xfrm>
         </p:spPr>
         <p:txBody>
-          <a:bodyPr/>
+          <a:bodyPr>
+            <a:normAutofit/>
+          </a:bodyPr>
           <a:lstStyle>
             <a:lvl1pPr marL="0" indent="0">
               <a:buNone/>
-              <a:defRPr sz="1200"/>
+              <a:defRPr sz="2000"/>
             </a:lvl1pPr>
-            <a:lvl2pPr marL="342900" indent="0">
-              <a:buNone/>
-              <a:defRPr sz="1050"/>
+            <a:lvl2pPr marL="762015" indent="0">
+              <a:buNone/>
+              <a:defRPr sz="2000"/>
             </a:lvl2pPr>
-            <a:lvl3pPr marL="685800" indent="0">
-              <a:buNone/>
-              <a:defRPr sz="900"/>
+            <a:lvl3pPr marL="1524030" indent="0">
+              <a:buNone/>
+              <a:defRPr sz="1667"/>
             </a:lvl3pPr>
-            <a:lvl4pPr marL="1028700" indent="0">
-              <a:buNone/>
-              <a:defRPr sz="750"/>
+            <a:lvl4pPr marL="2286046" indent="0">
+              <a:buNone/>
+              <a:defRPr sz="1500"/>
             </a:lvl4pPr>
-            <a:lvl5pPr marL="1371600" indent="0">
-              <a:buNone/>
-              <a:defRPr sz="750"/>
+            <a:lvl5pPr marL="3048061" indent="0">
+              <a:buNone/>
+              <a:defRPr sz="1500"/>
             </a:lvl5pPr>
-            <a:lvl6pPr marL="1714500" indent="0">
-              <a:buNone/>
-              <a:defRPr sz="750"/>
+            <a:lvl6pPr marL="3810076" indent="0">
+              <a:buNone/>
+              <a:defRPr sz="1500"/>
             </a:lvl6pPr>
-            <a:lvl7pPr marL="2057400" indent="0">
-              <a:buNone/>
-              <a:defRPr sz="750"/>
+            <a:lvl7pPr marL="4572091" indent="0">
+              <a:buNone/>
+              <a:defRPr sz="1500"/>
             </a:lvl7pPr>
-            <a:lvl8pPr marL="2400300" indent="0">
-              <a:buNone/>
-              <a:defRPr sz="750"/>
+            <a:lvl8pPr marL="5334107" indent="0">
+              <a:buNone/>
+              <a:defRPr sz="1500"/>
             </a:lvl8pPr>
-            <a:lvl9pPr marL="2743200" indent="0">
-              <a:buNone/>
-              <a:defRPr sz="750"/>
+            <a:lvl9pPr marL="6096122" indent="0">
+              <a:buNone/>
+              <a:defRPr sz="1500"/>
             </a:lvl9pPr>
           </a:lstStyle>
           <a:p>
@@ -2352,7 +5530,7 @@
           <a:p>
             <a:fld id="{00B1DE44-7493-4665-A02F-847C79AD84D3}" type="datetimeFigureOut">
               <a:rPr lang="en-US" smtClean="0"/>
-              <a:t>18-Aug-20</a:t>
+              <a:t>25-Aug-20</a:t>
             </a:fld>
             <a:endParaRPr lang="en-US"/>
           </a:p>
@@ -2379,6 +5557,88 @@
       </p:sp>
       <p:sp>
         <p:nvSpPr>
+          <p:cNvPr id="9" name="Freeform 11"/>
+          <p:cNvSpPr/>
+          <p:nvPr/>
+        </p:nvSpPr>
+        <p:spPr bwMode="auto">
+          <a:xfrm flipV="1">
+            <a:off x="-7540" y="8186209"/>
+            <a:ext cx="2859349" cy="845495"/>
+          </a:xfrm>
+          <a:custGeom>
+            <a:avLst/>
+            <a:gdLst/>
+            <a:ahLst/>
+            <a:cxnLst/>
+            <a:rect l="l" t="t" r="r" b="b"/>
+            <a:pathLst>
+              <a:path w="9248" h="10000">
+                <a:moveTo>
+                  <a:pt x="9248" y="4701"/>
+                </a:moveTo>
+                <a:lnTo>
+                  <a:pt x="7915" y="188"/>
+                </a:lnTo>
+                <a:cubicBezTo>
+                  <a:pt x="7906" y="156"/>
+                  <a:pt x="7895" y="126"/>
+                  <a:pt x="7886" y="94"/>
+                </a:cubicBezTo>
+                <a:cubicBezTo>
+                  <a:pt x="7859" y="0"/>
+                  <a:pt x="7831" y="0"/>
+                  <a:pt x="7803" y="0"/>
+                </a:cubicBezTo>
+                <a:lnTo>
+                  <a:pt x="7275" y="0"/>
+                </a:lnTo>
+                <a:lnTo>
+                  <a:pt x="0" y="70"/>
+                </a:lnTo>
+                <a:cubicBezTo>
+                  <a:pt x="8" y="3380"/>
+                  <a:pt x="17" y="6690"/>
+                  <a:pt x="25" y="10000"/>
+                </a:cubicBezTo>
+                <a:lnTo>
+                  <a:pt x="7275" y="9966"/>
+                </a:lnTo>
+                <a:lnTo>
+                  <a:pt x="7803" y="9966"/>
+                </a:lnTo>
+                <a:cubicBezTo>
+                  <a:pt x="7831" y="9966"/>
+                  <a:pt x="7859" y="9872"/>
+                  <a:pt x="7886" y="9872"/>
+                </a:cubicBezTo>
+                <a:cubicBezTo>
+                  <a:pt x="7886" y="9778"/>
+                  <a:pt x="7915" y="9778"/>
+                  <a:pt x="7915" y="9778"/>
+                </a:cubicBezTo>
+                <a:lnTo>
+                  <a:pt x="9248" y="5265"/>
+                </a:lnTo>
+                <a:cubicBezTo>
+                  <a:pt x="9303" y="5077"/>
+                  <a:pt x="9303" y="4889"/>
+                  <a:pt x="9248" y="4701"/>
+                </a:cubicBezTo>
+                <a:close/>
+              </a:path>
+            </a:pathLst>
+          </a:custGeom>
+          <a:solidFill>
+            <a:schemeClr val="accent1"/>
+          </a:solidFill>
+          <a:ln>
+            <a:noFill/>
+          </a:ln>
+        </p:spPr>
+      </p:sp>
+      <p:sp>
+        <p:nvSpPr>
           <p:cNvPr id="7" name="Slide Number Placeholder 6"/>
           <p:cNvSpPr>
             <a:spLocks noGrp="1"/>
@@ -2387,7 +5647,12 @@
             <p:ph type="sldNum" sz="quarter" idx="12"/>
           </p:nvPr>
         </p:nvSpPr>
-        <p:spPr/>
+        <p:spPr>
+          <a:xfrm>
+            <a:off x="957262" y="8305146"/>
+            <a:ext cx="1403581" cy="608542"/>
+          </a:xfrm>
+        </p:spPr>
         <p:txBody>
           <a:bodyPr/>
           <a:lstStyle/>
@@ -2403,7 +5668,7 @@
     </p:spTree>
     <p:extLst>
       <p:ext uri="{BB962C8B-B14F-4D97-AF65-F5344CB8AC3E}">
-        <p14:creationId xmlns:p14="http://schemas.microsoft.com/office/powerpoint/2010/main" val="1331805548"/>
+        <p14:creationId xmlns:p14="http://schemas.microsoft.com/office/powerpoint/2010/main" val="1936595473"/>
       </p:ext>
     </p:extLst>
   </p:cSld>
@@ -2417,8 +5682,8 @@
 <p:sldMaster xmlns:a="http://schemas.openxmlformats.org/drawingml/2006/main" xmlns:r="http://schemas.openxmlformats.org/officeDocument/2006/relationships" xmlns:p="http://schemas.openxmlformats.org/presentationml/2006/main">
   <p:cSld>
     <p:bg>
-      <p:bgRef idx="1001">
-        <a:schemeClr val="bg1"/>
+      <p:bgRef idx="1003">
+        <a:schemeClr val="bg2"/>
       </p:bgRef>
     </p:bg>
     <p:spTree>
@@ -2435,27 +5700,1844 @@
           <a:chExt cx="0" cy="0"/>
         </a:xfrm>
       </p:grpSpPr>
-      <p:sp>
-        <p:nvSpPr>
-          <p:cNvPr id="2" name="Title Placeholder 1"/>
-          <p:cNvSpPr>
-            <a:spLocks noGrp="1"/>
-          </p:cNvSpPr>
-          <p:nvPr>
-            <p:ph type="title"/>
-          </p:nvPr>
+      <p:grpSp>
+        <p:nvGrpSpPr>
+          <p:cNvPr id="23" name="Group 22"/>
+          <p:cNvGrpSpPr/>
+          <p:nvPr/>
+        </p:nvGrpSpPr>
+        <p:grpSpPr>
+          <a:xfrm>
+            <a:off x="2" y="381000"/>
+            <a:ext cx="5132729" cy="11064380"/>
+            <a:chOff x="2487613" y="285750"/>
+            <a:chExt cx="2428875" cy="5654676"/>
+          </a:xfrm>
+        </p:grpSpPr>
+        <p:sp>
+          <p:nvSpPr>
+            <p:cNvPr id="24" name="Freeform 11"/>
+            <p:cNvSpPr/>
+            <p:nvPr/>
+          </p:nvSpPr>
+          <p:spPr bwMode="auto">
+            <a:xfrm>
+              <a:off x="2487613" y="2284413"/>
+              <a:ext cx="85725" cy="533400"/>
+            </a:xfrm>
+            <a:custGeom>
+              <a:avLst/>
+              <a:gdLst/>
+              <a:ahLst/>
+              <a:cxnLst/>
+              <a:rect l="0" t="0" r="r" b="b"/>
+              <a:pathLst>
+                <a:path w="22" h="136">
+                  <a:moveTo>
+                    <a:pt x="22" y="136"/>
+                  </a:moveTo>
+                  <a:cubicBezTo>
+                    <a:pt x="20" y="117"/>
+                    <a:pt x="19" y="99"/>
+                    <a:pt x="17" y="80"/>
+                  </a:cubicBezTo>
+                  <a:cubicBezTo>
+                    <a:pt x="11" y="54"/>
+                    <a:pt x="6" y="27"/>
+                    <a:pt x="0" y="0"/>
+                  </a:cubicBezTo>
+                  <a:cubicBezTo>
+                    <a:pt x="0" y="35"/>
+                    <a:pt x="0" y="35"/>
+                    <a:pt x="0" y="35"/>
+                  </a:cubicBezTo>
+                  <a:cubicBezTo>
+                    <a:pt x="6" y="64"/>
+                    <a:pt x="13" y="94"/>
+                    <a:pt x="20" y="124"/>
+                  </a:cubicBezTo>
+                  <a:cubicBezTo>
+                    <a:pt x="20" y="128"/>
+                    <a:pt x="21" y="132"/>
+                    <a:pt x="22" y="136"/>
+                  </a:cubicBezTo>
+                  <a:close/>
+                </a:path>
+              </a:pathLst>
+            </a:custGeom>
+            <a:solidFill>
+              <a:schemeClr val="tx2">
+                <a:alpha val="20000"/>
+              </a:schemeClr>
+            </a:solidFill>
+            <a:ln>
+              <a:noFill/>
+            </a:ln>
+          </p:spPr>
+        </p:sp>
+        <p:sp>
+          <p:nvSpPr>
+            <p:cNvPr id="25" name="Freeform 12"/>
+            <p:cNvSpPr/>
+            <p:nvPr/>
+          </p:nvSpPr>
+          <p:spPr bwMode="auto">
+            <a:xfrm>
+              <a:off x="2597151" y="2779713"/>
+              <a:ext cx="550863" cy="1978025"/>
+            </a:xfrm>
+            <a:custGeom>
+              <a:avLst/>
+              <a:gdLst/>
+              <a:ahLst/>
+              <a:cxnLst/>
+              <a:rect l="0" t="0" r="r" b="b"/>
+              <a:pathLst>
+                <a:path w="140" h="504">
+                  <a:moveTo>
+                    <a:pt x="86" y="350"/>
+                  </a:moveTo>
+                  <a:cubicBezTo>
+                    <a:pt x="103" y="402"/>
+                    <a:pt x="120" y="453"/>
+                    <a:pt x="139" y="504"/>
+                  </a:cubicBezTo>
+                  <a:cubicBezTo>
+                    <a:pt x="139" y="495"/>
+                    <a:pt x="139" y="487"/>
+                    <a:pt x="140" y="478"/>
+                  </a:cubicBezTo>
+                  <a:cubicBezTo>
+                    <a:pt x="124" y="435"/>
+                    <a:pt x="109" y="391"/>
+                    <a:pt x="95" y="347"/>
+                  </a:cubicBezTo>
+                  <a:cubicBezTo>
+                    <a:pt x="58" y="233"/>
+                    <a:pt x="27" y="117"/>
+                    <a:pt x="0" y="0"/>
+                  </a:cubicBezTo>
+                  <a:cubicBezTo>
+                    <a:pt x="2" y="20"/>
+                    <a:pt x="4" y="41"/>
+                    <a:pt x="6" y="61"/>
+                  </a:cubicBezTo>
+                  <a:cubicBezTo>
+                    <a:pt x="30" y="158"/>
+                    <a:pt x="56" y="255"/>
+                    <a:pt x="86" y="350"/>
+                  </a:cubicBezTo>
+                  <a:close/>
+                </a:path>
+              </a:pathLst>
+            </a:custGeom>
+            <a:solidFill>
+              <a:schemeClr val="tx2">
+                <a:alpha val="20000"/>
+              </a:schemeClr>
+            </a:solidFill>
+            <a:ln>
+              <a:noFill/>
+            </a:ln>
+          </p:spPr>
+        </p:sp>
+        <p:sp>
+          <p:nvSpPr>
+            <p:cNvPr id="26" name="Freeform 13"/>
+            <p:cNvSpPr/>
+            <p:nvPr/>
+          </p:nvSpPr>
+          <p:spPr bwMode="auto">
+            <a:xfrm>
+              <a:off x="3175001" y="4730750"/>
+              <a:ext cx="519113" cy="1209675"/>
+            </a:xfrm>
+            <a:custGeom>
+              <a:avLst/>
+              <a:gdLst/>
+              <a:ahLst/>
+              <a:cxnLst/>
+              <a:rect l="0" t="0" r="r" b="b"/>
+              <a:pathLst>
+                <a:path w="132" h="308">
+                  <a:moveTo>
+                    <a:pt x="8" y="22"/>
+                  </a:moveTo>
+                  <a:cubicBezTo>
+                    <a:pt x="5" y="15"/>
+                    <a:pt x="2" y="8"/>
+                    <a:pt x="0" y="0"/>
+                  </a:cubicBezTo>
+                  <a:cubicBezTo>
+                    <a:pt x="0" y="10"/>
+                    <a:pt x="0" y="19"/>
+                    <a:pt x="0" y="29"/>
+                  </a:cubicBezTo>
+                  <a:cubicBezTo>
+                    <a:pt x="21" y="85"/>
+                    <a:pt x="44" y="140"/>
+                    <a:pt x="68" y="194"/>
+                  </a:cubicBezTo>
+                  <a:cubicBezTo>
+                    <a:pt x="85" y="232"/>
+                    <a:pt x="104" y="270"/>
+                    <a:pt x="123" y="308"/>
+                  </a:cubicBezTo>
+                  <a:cubicBezTo>
+                    <a:pt x="132" y="308"/>
+                    <a:pt x="132" y="308"/>
+                    <a:pt x="132" y="308"/>
+                  </a:cubicBezTo>
+                  <a:cubicBezTo>
+                    <a:pt x="113" y="269"/>
+                    <a:pt x="94" y="230"/>
+                    <a:pt x="77" y="190"/>
+                  </a:cubicBezTo>
+                  <a:cubicBezTo>
+                    <a:pt x="52" y="135"/>
+                    <a:pt x="29" y="79"/>
+                    <a:pt x="8" y="22"/>
+                  </a:cubicBezTo>
+                  <a:close/>
+                </a:path>
+              </a:pathLst>
+            </a:custGeom>
+            <a:solidFill>
+              <a:schemeClr val="tx2">
+                <a:alpha val="20000"/>
+              </a:schemeClr>
+            </a:solidFill>
+            <a:ln>
+              <a:noFill/>
+            </a:ln>
+          </p:spPr>
+        </p:sp>
+        <p:sp>
+          <p:nvSpPr>
+            <p:cNvPr id="27" name="Freeform 14"/>
+            <p:cNvSpPr/>
+            <p:nvPr/>
+          </p:nvSpPr>
+          <p:spPr bwMode="auto">
+            <a:xfrm>
+              <a:off x="3305176" y="5630863"/>
+              <a:ext cx="146050" cy="309563"/>
+            </a:xfrm>
+            <a:custGeom>
+              <a:avLst/>
+              <a:gdLst/>
+              <a:ahLst/>
+              <a:cxnLst/>
+              <a:rect l="0" t="0" r="r" b="b"/>
+              <a:pathLst>
+                <a:path w="37" h="79">
+                  <a:moveTo>
+                    <a:pt x="28" y="79"/>
+                  </a:moveTo>
+                  <a:cubicBezTo>
+                    <a:pt x="37" y="79"/>
+                    <a:pt x="37" y="79"/>
+                    <a:pt x="37" y="79"/>
+                  </a:cubicBezTo>
+                  <a:cubicBezTo>
+                    <a:pt x="24" y="53"/>
+                    <a:pt x="12" y="27"/>
+                    <a:pt x="0" y="0"/>
+                  </a:cubicBezTo>
+                  <a:cubicBezTo>
+                    <a:pt x="8" y="27"/>
+                    <a:pt x="17" y="53"/>
+                    <a:pt x="28" y="79"/>
+                  </a:cubicBezTo>
+                  <a:close/>
+                </a:path>
+              </a:pathLst>
+            </a:custGeom>
+            <a:solidFill>
+              <a:schemeClr val="tx2">
+                <a:alpha val="20000"/>
+              </a:schemeClr>
+            </a:solidFill>
+            <a:ln>
+              <a:noFill/>
+            </a:ln>
+          </p:spPr>
+        </p:sp>
+        <p:sp>
+          <p:nvSpPr>
+            <p:cNvPr id="28" name="Freeform 15"/>
+            <p:cNvSpPr/>
+            <p:nvPr/>
+          </p:nvSpPr>
+          <p:spPr bwMode="auto">
+            <a:xfrm>
+              <a:off x="2573338" y="2817813"/>
+              <a:ext cx="700088" cy="2835275"/>
+            </a:xfrm>
+            <a:custGeom>
+              <a:avLst/>
+              <a:gdLst/>
+              <a:ahLst/>
+              <a:cxnLst/>
+              <a:rect l="0" t="0" r="r" b="b"/>
+              <a:pathLst>
+                <a:path w="178" h="722">
+                  <a:moveTo>
+                    <a:pt x="162" y="660"/>
+                  </a:moveTo>
+                  <a:cubicBezTo>
+                    <a:pt x="145" y="618"/>
+                    <a:pt x="130" y="576"/>
+                    <a:pt x="116" y="534"/>
+                  </a:cubicBezTo>
+                  <a:cubicBezTo>
+                    <a:pt x="84" y="437"/>
+                    <a:pt x="59" y="337"/>
+                    <a:pt x="40" y="236"/>
+                  </a:cubicBezTo>
+                  <a:cubicBezTo>
+                    <a:pt x="29" y="175"/>
+                    <a:pt x="20" y="113"/>
+                    <a:pt x="12" y="51"/>
+                  </a:cubicBezTo>
+                  <a:cubicBezTo>
+                    <a:pt x="8" y="34"/>
+                    <a:pt x="4" y="17"/>
+                    <a:pt x="0" y="0"/>
+                  </a:cubicBezTo>
+                  <a:cubicBezTo>
+                    <a:pt x="8" y="79"/>
+                    <a:pt x="19" y="159"/>
+                    <a:pt x="33" y="237"/>
+                  </a:cubicBezTo>
+                  <a:cubicBezTo>
+                    <a:pt x="51" y="339"/>
+                    <a:pt x="76" y="439"/>
+                    <a:pt x="107" y="537"/>
+                  </a:cubicBezTo>
+                  <a:cubicBezTo>
+                    <a:pt x="123" y="586"/>
+                    <a:pt x="141" y="634"/>
+                    <a:pt x="160" y="681"/>
+                  </a:cubicBezTo>
+                  <a:cubicBezTo>
+                    <a:pt x="166" y="695"/>
+                    <a:pt x="172" y="708"/>
+                    <a:pt x="178" y="722"/>
+                  </a:cubicBezTo>
+                  <a:cubicBezTo>
+                    <a:pt x="176" y="717"/>
+                    <a:pt x="175" y="713"/>
+                    <a:pt x="174" y="708"/>
+                  </a:cubicBezTo>
+                  <a:cubicBezTo>
+                    <a:pt x="169" y="692"/>
+                    <a:pt x="165" y="676"/>
+                    <a:pt x="162" y="660"/>
+                  </a:cubicBezTo>
+                  <a:close/>
+                </a:path>
+              </a:pathLst>
+            </a:custGeom>
+            <a:solidFill>
+              <a:schemeClr val="tx2">
+                <a:alpha val="20000"/>
+              </a:schemeClr>
+            </a:solidFill>
+            <a:ln>
+              <a:noFill/>
+            </a:ln>
+          </p:spPr>
+        </p:sp>
+        <p:sp>
+          <p:nvSpPr>
+            <p:cNvPr id="29" name="Freeform 16"/>
+            <p:cNvSpPr/>
+            <p:nvPr/>
+          </p:nvSpPr>
+          <p:spPr bwMode="auto">
+            <a:xfrm>
+              <a:off x="2506663" y="285750"/>
+              <a:ext cx="90488" cy="2493963"/>
+            </a:xfrm>
+            <a:custGeom>
+              <a:avLst/>
+              <a:gdLst/>
+              <a:ahLst/>
+              <a:cxnLst/>
+              <a:rect l="0" t="0" r="r" b="b"/>
+              <a:pathLst>
+                <a:path w="23" h="635">
+                  <a:moveTo>
+                    <a:pt x="11" y="577"/>
+                  </a:moveTo>
+                  <a:cubicBezTo>
+                    <a:pt x="12" y="581"/>
+                    <a:pt x="12" y="585"/>
+                    <a:pt x="12" y="589"/>
+                  </a:cubicBezTo>
+                  <a:cubicBezTo>
+                    <a:pt x="15" y="603"/>
+                    <a:pt x="19" y="617"/>
+                    <a:pt x="22" y="632"/>
+                  </a:cubicBezTo>
+                  <a:cubicBezTo>
+                    <a:pt x="22" y="633"/>
+                    <a:pt x="22" y="634"/>
+                    <a:pt x="23" y="635"/>
+                  </a:cubicBezTo>
+                  <a:cubicBezTo>
+                    <a:pt x="21" y="615"/>
+                    <a:pt x="19" y="596"/>
+                    <a:pt x="17" y="576"/>
+                  </a:cubicBezTo>
+                  <a:cubicBezTo>
+                    <a:pt x="9" y="474"/>
+                    <a:pt x="5" y="372"/>
+                    <a:pt x="5" y="269"/>
+                  </a:cubicBezTo>
+                  <a:cubicBezTo>
+                    <a:pt x="6" y="179"/>
+                    <a:pt x="9" y="90"/>
+                    <a:pt x="15" y="0"/>
+                  </a:cubicBezTo>
+                  <a:cubicBezTo>
+                    <a:pt x="12" y="0"/>
+                    <a:pt x="12" y="0"/>
+                    <a:pt x="12" y="0"/>
+                  </a:cubicBezTo>
+                  <a:cubicBezTo>
+                    <a:pt x="5" y="89"/>
+                    <a:pt x="2" y="179"/>
+                    <a:pt x="1" y="269"/>
+                  </a:cubicBezTo>
+                  <a:cubicBezTo>
+                    <a:pt x="0" y="372"/>
+                    <a:pt x="3" y="474"/>
+                    <a:pt x="11" y="577"/>
+                  </a:cubicBezTo>
+                  <a:close/>
+                </a:path>
+              </a:pathLst>
+            </a:custGeom>
+            <a:solidFill>
+              <a:schemeClr val="tx2">
+                <a:alpha val="20000"/>
+              </a:schemeClr>
+            </a:solidFill>
+            <a:ln>
+              <a:noFill/>
+            </a:ln>
+          </p:spPr>
+        </p:sp>
+        <p:sp>
+          <p:nvSpPr>
+            <p:cNvPr id="30" name="Freeform 17"/>
+            <p:cNvSpPr/>
+            <p:nvPr/>
+          </p:nvSpPr>
+          <p:spPr bwMode="auto">
+            <a:xfrm>
+              <a:off x="2554288" y="2598738"/>
+              <a:ext cx="66675" cy="420688"/>
+            </a:xfrm>
+            <a:custGeom>
+              <a:avLst/>
+              <a:gdLst/>
+              <a:ahLst/>
+              <a:cxnLst/>
+              <a:rect l="0" t="0" r="r" b="b"/>
+              <a:pathLst>
+                <a:path w="17" h="107">
+                  <a:moveTo>
+                    <a:pt x="0" y="0"/>
+                  </a:moveTo>
+                  <a:cubicBezTo>
+                    <a:pt x="2" y="19"/>
+                    <a:pt x="3" y="37"/>
+                    <a:pt x="5" y="56"/>
+                  </a:cubicBezTo>
+                  <a:cubicBezTo>
+                    <a:pt x="9" y="73"/>
+                    <a:pt x="13" y="90"/>
+                    <a:pt x="17" y="107"/>
+                  </a:cubicBezTo>
+                  <a:cubicBezTo>
+                    <a:pt x="15" y="87"/>
+                    <a:pt x="13" y="66"/>
+                    <a:pt x="11" y="46"/>
+                  </a:cubicBezTo>
+                  <a:cubicBezTo>
+                    <a:pt x="10" y="45"/>
+                    <a:pt x="10" y="44"/>
+                    <a:pt x="10" y="43"/>
+                  </a:cubicBezTo>
+                  <a:cubicBezTo>
+                    <a:pt x="7" y="28"/>
+                    <a:pt x="3" y="14"/>
+                    <a:pt x="0" y="0"/>
+                  </a:cubicBezTo>
+                  <a:close/>
+                </a:path>
+              </a:pathLst>
+            </a:custGeom>
+            <a:solidFill>
+              <a:schemeClr val="tx2">
+                <a:alpha val="20000"/>
+              </a:schemeClr>
+            </a:solidFill>
+            <a:ln>
+              <a:noFill/>
+            </a:ln>
+          </p:spPr>
+        </p:sp>
+        <p:sp>
+          <p:nvSpPr>
+            <p:cNvPr id="31" name="Freeform 18"/>
+            <p:cNvSpPr/>
+            <p:nvPr/>
+          </p:nvSpPr>
+          <p:spPr bwMode="auto">
+            <a:xfrm>
+              <a:off x="3143251" y="4757738"/>
+              <a:ext cx="161925" cy="873125"/>
+            </a:xfrm>
+            <a:custGeom>
+              <a:avLst/>
+              <a:gdLst/>
+              <a:ahLst/>
+              <a:cxnLst/>
+              <a:rect l="0" t="0" r="r" b="b"/>
+              <a:pathLst>
+                <a:path w="41" h="222">
+                  <a:moveTo>
+                    <a:pt x="0" y="0"/>
+                  </a:moveTo>
+                  <a:cubicBezTo>
+                    <a:pt x="0" y="31"/>
+                    <a:pt x="2" y="62"/>
+                    <a:pt x="5" y="93"/>
+                  </a:cubicBezTo>
+                  <a:cubicBezTo>
+                    <a:pt x="8" y="117"/>
+                    <a:pt x="12" y="142"/>
+                    <a:pt x="17" y="166"/>
+                  </a:cubicBezTo>
+                  <a:cubicBezTo>
+                    <a:pt x="19" y="172"/>
+                    <a:pt x="22" y="178"/>
+                    <a:pt x="24" y="184"/>
+                  </a:cubicBezTo>
+                  <a:cubicBezTo>
+                    <a:pt x="30" y="197"/>
+                    <a:pt x="35" y="209"/>
+                    <a:pt x="41" y="222"/>
+                  </a:cubicBezTo>
+                  <a:cubicBezTo>
+                    <a:pt x="40" y="219"/>
+                    <a:pt x="39" y="215"/>
+                    <a:pt x="38" y="212"/>
+                  </a:cubicBezTo>
+                  <a:cubicBezTo>
+                    <a:pt x="26" y="172"/>
+                    <a:pt x="18" y="132"/>
+                    <a:pt x="13" y="92"/>
+                  </a:cubicBezTo>
+                  <a:cubicBezTo>
+                    <a:pt x="11" y="68"/>
+                    <a:pt x="9" y="45"/>
+                    <a:pt x="8" y="22"/>
+                  </a:cubicBezTo>
+                  <a:cubicBezTo>
+                    <a:pt x="8" y="21"/>
+                    <a:pt x="7" y="20"/>
+                    <a:pt x="7" y="18"/>
+                  </a:cubicBezTo>
+                  <a:cubicBezTo>
+                    <a:pt x="5" y="12"/>
+                    <a:pt x="2" y="6"/>
+                    <a:pt x="0" y="0"/>
+                  </a:cubicBezTo>
+                  <a:close/>
+                </a:path>
+              </a:pathLst>
+            </a:custGeom>
+            <a:solidFill>
+              <a:schemeClr val="tx2">
+                <a:alpha val="20000"/>
+              </a:schemeClr>
+            </a:solidFill>
+            <a:ln>
+              <a:noFill/>
+            </a:ln>
+          </p:spPr>
+        </p:sp>
+        <p:sp>
+          <p:nvSpPr>
+            <p:cNvPr id="32" name="Freeform 19"/>
+            <p:cNvSpPr/>
+            <p:nvPr/>
+          </p:nvSpPr>
+          <p:spPr bwMode="auto">
+            <a:xfrm>
+              <a:off x="3148013" y="1282700"/>
+              <a:ext cx="1768475" cy="3448050"/>
+            </a:xfrm>
+            <a:custGeom>
+              <a:avLst/>
+              <a:gdLst/>
+              <a:ahLst/>
+              <a:cxnLst/>
+              <a:rect l="0" t="0" r="r" b="b"/>
+              <a:pathLst>
+                <a:path w="450" h="878">
+                  <a:moveTo>
+                    <a:pt x="7" y="854"/>
+                  </a:moveTo>
+                  <a:cubicBezTo>
+                    <a:pt x="10" y="772"/>
+                    <a:pt x="26" y="691"/>
+                    <a:pt x="50" y="613"/>
+                  </a:cubicBezTo>
+                  <a:cubicBezTo>
+                    <a:pt x="75" y="535"/>
+                    <a:pt x="109" y="460"/>
+                    <a:pt x="149" y="388"/>
+                  </a:cubicBezTo>
+                  <a:cubicBezTo>
+                    <a:pt x="189" y="316"/>
+                    <a:pt x="235" y="248"/>
+                    <a:pt x="285" y="183"/>
+                  </a:cubicBezTo>
+                  <a:cubicBezTo>
+                    <a:pt x="310" y="151"/>
+                    <a:pt x="337" y="119"/>
+                    <a:pt x="364" y="89"/>
+                  </a:cubicBezTo>
+                  <a:cubicBezTo>
+                    <a:pt x="378" y="74"/>
+                    <a:pt x="392" y="58"/>
+                    <a:pt x="406" y="44"/>
+                  </a:cubicBezTo>
+                  <a:cubicBezTo>
+                    <a:pt x="421" y="29"/>
+                    <a:pt x="435" y="15"/>
+                    <a:pt x="450" y="1"/>
+                  </a:cubicBezTo>
+                  <a:cubicBezTo>
+                    <a:pt x="450" y="0"/>
+                    <a:pt x="450" y="0"/>
+                    <a:pt x="450" y="0"/>
+                  </a:cubicBezTo>
+                  <a:cubicBezTo>
+                    <a:pt x="434" y="14"/>
+                    <a:pt x="420" y="28"/>
+                    <a:pt x="405" y="43"/>
+                  </a:cubicBezTo>
+                  <a:cubicBezTo>
+                    <a:pt x="391" y="57"/>
+                    <a:pt x="377" y="72"/>
+                    <a:pt x="363" y="88"/>
+                  </a:cubicBezTo>
+                  <a:cubicBezTo>
+                    <a:pt x="335" y="118"/>
+                    <a:pt x="308" y="149"/>
+                    <a:pt x="283" y="181"/>
+                  </a:cubicBezTo>
+                  <a:cubicBezTo>
+                    <a:pt x="232" y="246"/>
+                    <a:pt x="185" y="314"/>
+                    <a:pt x="145" y="386"/>
+                  </a:cubicBezTo>
+                  <a:cubicBezTo>
+                    <a:pt x="104" y="457"/>
+                    <a:pt x="70" y="533"/>
+                    <a:pt x="45" y="611"/>
+                  </a:cubicBezTo>
+                  <a:cubicBezTo>
+                    <a:pt x="19" y="690"/>
+                    <a:pt x="3" y="771"/>
+                    <a:pt x="0" y="854"/>
+                  </a:cubicBezTo>
+                  <a:cubicBezTo>
+                    <a:pt x="0" y="856"/>
+                    <a:pt x="0" y="857"/>
+                    <a:pt x="0" y="859"/>
+                  </a:cubicBezTo>
+                  <a:cubicBezTo>
+                    <a:pt x="2" y="865"/>
+                    <a:pt x="4" y="872"/>
+                    <a:pt x="7" y="878"/>
+                  </a:cubicBezTo>
+                  <a:cubicBezTo>
+                    <a:pt x="7" y="870"/>
+                    <a:pt x="7" y="862"/>
+                    <a:pt x="7" y="854"/>
+                  </a:cubicBezTo>
+                  <a:close/>
+                </a:path>
+              </a:pathLst>
+            </a:custGeom>
+            <a:solidFill>
+              <a:schemeClr val="tx2">
+                <a:alpha val="20000"/>
+              </a:schemeClr>
+            </a:solidFill>
+            <a:ln>
+              <a:noFill/>
+            </a:ln>
+          </p:spPr>
+        </p:sp>
+        <p:sp>
+          <p:nvSpPr>
+            <p:cNvPr id="33" name="Freeform 20"/>
+            <p:cNvSpPr/>
+            <p:nvPr/>
+          </p:nvSpPr>
+          <p:spPr bwMode="auto">
+            <a:xfrm>
+              <a:off x="3273426" y="5653088"/>
+              <a:ext cx="138113" cy="287338"/>
+            </a:xfrm>
+            <a:custGeom>
+              <a:avLst/>
+              <a:gdLst/>
+              <a:ahLst/>
+              <a:cxnLst/>
+              <a:rect l="0" t="0" r="r" b="b"/>
+              <a:pathLst>
+                <a:path w="35" h="73">
+                  <a:moveTo>
+                    <a:pt x="0" y="0"/>
+                  </a:moveTo>
+                  <a:cubicBezTo>
+                    <a:pt x="7" y="24"/>
+                    <a:pt x="16" y="49"/>
+                    <a:pt x="26" y="73"/>
+                  </a:cubicBezTo>
+                  <a:cubicBezTo>
+                    <a:pt x="35" y="73"/>
+                    <a:pt x="35" y="73"/>
+                    <a:pt x="35" y="73"/>
+                  </a:cubicBezTo>
+                  <a:cubicBezTo>
+                    <a:pt x="23" y="49"/>
+                    <a:pt x="11" y="24"/>
+                    <a:pt x="0" y="0"/>
+                  </a:cubicBezTo>
+                  <a:close/>
+                </a:path>
+              </a:pathLst>
+            </a:custGeom>
+            <a:solidFill>
+              <a:schemeClr val="tx2">
+                <a:alpha val="20000"/>
+              </a:schemeClr>
+            </a:solidFill>
+            <a:ln>
+              <a:noFill/>
+            </a:ln>
+          </p:spPr>
+        </p:sp>
+        <p:sp>
+          <p:nvSpPr>
+            <p:cNvPr id="34" name="Freeform 21"/>
+            <p:cNvSpPr/>
+            <p:nvPr/>
+          </p:nvSpPr>
+          <p:spPr bwMode="auto">
+            <a:xfrm>
+              <a:off x="3143251" y="4656138"/>
+              <a:ext cx="31750" cy="188913"/>
+            </a:xfrm>
+            <a:custGeom>
+              <a:avLst/>
+              <a:gdLst/>
+              <a:ahLst/>
+              <a:cxnLst/>
+              <a:rect l="0" t="0" r="r" b="b"/>
+              <a:pathLst>
+                <a:path w="8" h="48">
+                  <a:moveTo>
+                    <a:pt x="7" y="44"/>
+                  </a:moveTo>
+                  <a:cubicBezTo>
+                    <a:pt x="7" y="46"/>
+                    <a:pt x="8" y="47"/>
+                    <a:pt x="8" y="48"/>
+                  </a:cubicBezTo>
+                  <a:cubicBezTo>
+                    <a:pt x="8" y="38"/>
+                    <a:pt x="8" y="29"/>
+                    <a:pt x="8" y="19"/>
+                  </a:cubicBezTo>
+                  <a:cubicBezTo>
+                    <a:pt x="5" y="13"/>
+                    <a:pt x="3" y="6"/>
+                    <a:pt x="1" y="0"/>
+                  </a:cubicBezTo>
+                  <a:cubicBezTo>
+                    <a:pt x="0" y="9"/>
+                    <a:pt x="0" y="17"/>
+                    <a:pt x="0" y="26"/>
+                  </a:cubicBezTo>
+                  <a:cubicBezTo>
+                    <a:pt x="2" y="32"/>
+                    <a:pt x="5" y="38"/>
+                    <a:pt x="7" y="44"/>
+                  </a:cubicBezTo>
+                  <a:close/>
+                </a:path>
+              </a:pathLst>
+            </a:custGeom>
+            <a:solidFill>
+              <a:schemeClr val="tx2">
+                <a:alpha val="20000"/>
+              </a:schemeClr>
+            </a:solidFill>
+            <a:ln>
+              <a:noFill/>
+            </a:ln>
+          </p:spPr>
+        </p:sp>
+        <p:sp>
+          <p:nvSpPr>
+            <p:cNvPr id="35" name="Freeform 22"/>
+            <p:cNvSpPr/>
+            <p:nvPr/>
+          </p:nvSpPr>
+          <p:spPr bwMode="auto">
+            <a:xfrm>
+              <a:off x="3211513" y="5410200"/>
+              <a:ext cx="203200" cy="530225"/>
+            </a:xfrm>
+            <a:custGeom>
+              <a:avLst/>
+              <a:gdLst/>
+              <a:ahLst/>
+              <a:cxnLst/>
+              <a:rect l="0" t="0" r="r" b="b"/>
+              <a:pathLst>
+                <a:path w="52" h="135">
+                  <a:moveTo>
+                    <a:pt x="7" y="18"/>
+                  </a:moveTo>
+                  <a:cubicBezTo>
+                    <a:pt x="5" y="12"/>
+                    <a:pt x="2" y="6"/>
+                    <a:pt x="0" y="0"/>
+                  </a:cubicBezTo>
+                  <a:cubicBezTo>
+                    <a:pt x="3" y="16"/>
+                    <a:pt x="7" y="32"/>
+                    <a:pt x="12" y="48"/>
+                  </a:cubicBezTo>
+                  <a:cubicBezTo>
+                    <a:pt x="13" y="53"/>
+                    <a:pt x="14" y="57"/>
+                    <a:pt x="16" y="62"/>
+                  </a:cubicBezTo>
+                  <a:cubicBezTo>
+                    <a:pt x="27" y="86"/>
+                    <a:pt x="39" y="111"/>
+                    <a:pt x="51" y="135"/>
+                  </a:cubicBezTo>
+                  <a:cubicBezTo>
+                    <a:pt x="52" y="135"/>
+                    <a:pt x="52" y="135"/>
+                    <a:pt x="52" y="135"/>
+                  </a:cubicBezTo>
+                  <a:cubicBezTo>
+                    <a:pt x="41" y="109"/>
+                    <a:pt x="32" y="83"/>
+                    <a:pt x="24" y="56"/>
+                  </a:cubicBezTo>
+                  <a:cubicBezTo>
+                    <a:pt x="18" y="43"/>
+                    <a:pt x="13" y="31"/>
+                    <a:pt x="7" y="18"/>
+                  </a:cubicBezTo>
+                  <a:close/>
+                </a:path>
+              </a:pathLst>
+            </a:custGeom>
+            <a:solidFill>
+              <a:schemeClr val="tx2">
+                <a:alpha val="20000"/>
+              </a:schemeClr>
+            </a:solidFill>
+            <a:ln>
+              <a:noFill/>
+            </a:ln>
+          </p:spPr>
+        </p:sp>
+      </p:grpSp>
+      <p:grpSp>
+        <p:nvGrpSpPr>
+          <p:cNvPr id="10" name="Group 9"/>
+          <p:cNvGrpSpPr/>
+          <p:nvPr/>
+        </p:nvGrpSpPr>
+        <p:grpSpPr>
+          <a:xfrm>
+            <a:off x="48998" y="-1309"/>
+            <a:ext cx="4242013" cy="11423398"/>
+            <a:chOff x="6627813" y="194833"/>
+            <a:chExt cx="1952625" cy="5678918"/>
+          </a:xfrm>
+        </p:grpSpPr>
+        <p:sp>
+          <p:nvSpPr>
+            <p:cNvPr id="11" name="Freeform 27"/>
+            <p:cNvSpPr/>
+            <p:nvPr/>
+          </p:nvSpPr>
+          <p:spPr bwMode="auto">
+            <a:xfrm>
+              <a:off x="6627813" y="194833"/>
+              <a:ext cx="409575" cy="3646488"/>
+            </a:xfrm>
+            <a:custGeom>
+              <a:avLst/>
+              <a:gdLst/>
+              <a:ahLst/>
+              <a:cxnLst/>
+              <a:rect l="0" t="0" r="r" b="b"/>
+              <a:pathLst>
+                <a:path w="103" h="920">
+                  <a:moveTo>
+                    <a:pt x="7" y="210"/>
+                  </a:moveTo>
+                  <a:cubicBezTo>
+                    <a:pt x="11" y="288"/>
+                    <a:pt x="17" y="367"/>
+                    <a:pt x="26" y="445"/>
+                  </a:cubicBezTo>
+                  <a:cubicBezTo>
+                    <a:pt x="34" y="523"/>
+                    <a:pt x="44" y="601"/>
+                    <a:pt x="57" y="679"/>
+                  </a:cubicBezTo>
+                  <a:cubicBezTo>
+                    <a:pt x="69" y="757"/>
+                    <a:pt x="84" y="834"/>
+                    <a:pt x="101" y="911"/>
+                  </a:cubicBezTo>
+                  <a:cubicBezTo>
+                    <a:pt x="102" y="914"/>
+                    <a:pt x="103" y="917"/>
+                    <a:pt x="103" y="920"/>
+                  </a:cubicBezTo>
+                  <a:cubicBezTo>
+                    <a:pt x="102" y="905"/>
+                    <a:pt x="100" y="889"/>
+                    <a:pt x="99" y="874"/>
+                  </a:cubicBezTo>
+                  <a:cubicBezTo>
+                    <a:pt x="99" y="871"/>
+                    <a:pt x="99" y="868"/>
+                    <a:pt x="99" y="866"/>
+                  </a:cubicBezTo>
+                  <a:cubicBezTo>
+                    <a:pt x="85" y="803"/>
+                    <a:pt x="73" y="741"/>
+                    <a:pt x="63" y="678"/>
+                  </a:cubicBezTo>
+                  <a:cubicBezTo>
+                    <a:pt x="50" y="600"/>
+                    <a:pt x="39" y="523"/>
+                    <a:pt x="30" y="444"/>
+                  </a:cubicBezTo>
+                  <a:cubicBezTo>
+                    <a:pt x="21" y="366"/>
+                    <a:pt x="14" y="288"/>
+                    <a:pt x="9" y="209"/>
+                  </a:cubicBezTo>
+                  <a:cubicBezTo>
+                    <a:pt x="7" y="170"/>
+                    <a:pt x="5" y="131"/>
+                    <a:pt x="3" y="92"/>
+                  </a:cubicBezTo>
+                  <a:cubicBezTo>
+                    <a:pt x="2" y="61"/>
+                    <a:pt x="1" y="31"/>
+                    <a:pt x="1" y="0"/>
+                  </a:cubicBezTo>
+                  <a:cubicBezTo>
+                    <a:pt x="0" y="0"/>
+                    <a:pt x="0" y="0"/>
+                    <a:pt x="0" y="0"/>
+                  </a:cubicBezTo>
+                  <a:cubicBezTo>
+                    <a:pt x="0" y="31"/>
+                    <a:pt x="1" y="61"/>
+                    <a:pt x="1" y="92"/>
+                  </a:cubicBezTo>
+                  <a:cubicBezTo>
+                    <a:pt x="3" y="131"/>
+                    <a:pt x="4" y="170"/>
+                    <a:pt x="7" y="210"/>
+                  </a:cubicBezTo>
+                  <a:close/>
+                </a:path>
+              </a:pathLst>
+            </a:custGeom>
+            <a:solidFill>
+              <a:schemeClr val="tx2"/>
+            </a:solidFill>
+            <a:ln>
+              <a:noFill/>
+            </a:ln>
+          </p:spPr>
+        </p:sp>
+        <p:sp>
+          <p:nvSpPr>
+            <p:cNvPr id="12" name="Freeform 28"/>
+            <p:cNvSpPr/>
+            <p:nvPr/>
+          </p:nvSpPr>
+          <p:spPr bwMode="auto">
+            <a:xfrm>
+              <a:off x="7061201" y="3771900"/>
+              <a:ext cx="350838" cy="1309688"/>
+            </a:xfrm>
+            <a:custGeom>
+              <a:avLst/>
+              <a:gdLst/>
+              <a:ahLst/>
+              <a:cxnLst/>
+              <a:rect l="0" t="0" r="r" b="b"/>
+              <a:pathLst>
+                <a:path w="88" h="330">
+                  <a:moveTo>
+                    <a:pt x="53" y="229"/>
+                  </a:moveTo>
+                  <a:cubicBezTo>
+                    <a:pt x="64" y="263"/>
+                    <a:pt x="75" y="297"/>
+                    <a:pt x="88" y="330"/>
+                  </a:cubicBezTo>
+                  <a:cubicBezTo>
+                    <a:pt x="88" y="323"/>
+                    <a:pt x="88" y="315"/>
+                    <a:pt x="88" y="308"/>
+                  </a:cubicBezTo>
+                  <a:cubicBezTo>
+                    <a:pt x="88" y="307"/>
+                    <a:pt x="88" y="305"/>
+                    <a:pt x="88" y="304"/>
+                  </a:cubicBezTo>
+                  <a:cubicBezTo>
+                    <a:pt x="79" y="278"/>
+                    <a:pt x="70" y="252"/>
+                    <a:pt x="62" y="226"/>
+                  </a:cubicBezTo>
+                  <a:cubicBezTo>
+                    <a:pt x="38" y="152"/>
+                    <a:pt x="17" y="76"/>
+                    <a:pt x="0" y="0"/>
+                  </a:cubicBezTo>
+                  <a:cubicBezTo>
+                    <a:pt x="2" y="21"/>
+                    <a:pt x="4" y="42"/>
+                    <a:pt x="7" y="63"/>
+                  </a:cubicBezTo>
+                  <a:cubicBezTo>
+                    <a:pt x="21" y="119"/>
+                    <a:pt x="36" y="174"/>
+                    <a:pt x="53" y="229"/>
+                  </a:cubicBezTo>
+                  <a:close/>
+                </a:path>
+              </a:pathLst>
+            </a:custGeom>
+            <a:solidFill>
+              <a:schemeClr val="tx2"/>
+            </a:solidFill>
+            <a:ln>
+              <a:noFill/>
+            </a:ln>
+          </p:spPr>
+        </p:sp>
+        <p:sp>
+          <p:nvSpPr>
+            <p:cNvPr id="13" name="Freeform 29"/>
+            <p:cNvSpPr/>
+            <p:nvPr/>
+          </p:nvSpPr>
+          <p:spPr bwMode="auto">
+            <a:xfrm>
+              <a:off x="7439026" y="5053013"/>
+              <a:ext cx="357188" cy="820738"/>
+            </a:xfrm>
+            <a:custGeom>
+              <a:avLst/>
+              <a:gdLst/>
+              <a:ahLst/>
+              <a:cxnLst/>
+              <a:rect l="0" t="0" r="r" b="b"/>
+              <a:pathLst>
+                <a:path w="90" h="207">
+                  <a:moveTo>
+                    <a:pt x="6" y="15"/>
+                  </a:moveTo>
+                  <a:cubicBezTo>
+                    <a:pt x="4" y="10"/>
+                    <a:pt x="2" y="5"/>
+                    <a:pt x="0" y="0"/>
+                  </a:cubicBezTo>
+                  <a:cubicBezTo>
+                    <a:pt x="0" y="9"/>
+                    <a:pt x="0" y="19"/>
+                    <a:pt x="1" y="29"/>
+                  </a:cubicBezTo>
+                  <a:cubicBezTo>
+                    <a:pt x="14" y="62"/>
+                    <a:pt x="27" y="95"/>
+                    <a:pt x="42" y="127"/>
+                  </a:cubicBezTo>
+                  <a:cubicBezTo>
+                    <a:pt x="54" y="154"/>
+                    <a:pt x="67" y="181"/>
+                    <a:pt x="80" y="207"/>
+                  </a:cubicBezTo>
+                  <a:cubicBezTo>
+                    <a:pt x="90" y="207"/>
+                    <a:pt x="90" y="207"/>
+                    <a:pt x="90" y="207"/>
+                  </a:cubicBezTo>
+                  <a:cubicBezTo>
+                    <a:pt x="76" y="180"/>
+                    <a:pt x="63" y="152"/>
+                    <a:pt x="50" y="123"/>
+                  </a:cubicBezTo>
+                  <a:cubicBezTo>
+                    <a:pt x="34" y="88"/>
+                    <a:pt x="20" y="51"/>
+                    <a:pt x="6" y="15"/>
+                  </a:cubicBezTo>
+                  <a:close/>
+                </a:path>
+              </a:pathLst>
+            </a:custGeom>
+            <a:solidFill>
+              <a:schemeClr val="tx2"/>
+            </a:solidFill>
+            <a:ln>
+              <a:noFill/>
+            </a:ln>
+          </p:spPr>
+        </p:sp>
+        <p:sp>
+          <p:nvSpPr>
+            <p:cNvPr id="14" name="Freeform 30"/>
+            <p:cNvSpPr/>
+            <p:nvPr/>
+          </p:nvSpPr>
+          <p:spPr bwMode="auto">
+            <a:xfrm>
+              <a:off x="7037388" y="3811588"/>
+              <a:ext cx="457200" cy="1852613"/>
+            </a:xfrm>
+            <a:custGeom>
+              <a:avLst/>
+              <a:gdLst/>
+              <a:ahLst/>
+              <a:cxnLst/>
+              <a:rect l="0" t="0" r="r" b="b"/>
+              <a:pathLst>
+                <a:path w="115" h="467">
+                  <a:moveTo>
+                    <a:pt x="101" y="409"/>
+                  </a:moveTo>
+                  <a:cubicBezTo>
+                    <a:pt x="93" y="388"/>
+                    <a:pt x="85" y="366"/>
+                    <a:pt x="78" y="344"/>
+                  </a:cubicBezTo>
+                  <a:cubicBezTo>
+                    <a:pt x="57" y="281"/>
+                    <a:pt x="41" y="216"/>
+                    <a:pt x="29" y="151"/>
+                  </a:cubicBezTo>
+                  <a:cubicBezTo>
+                    <a:pt x="22" y="119"/>
+                    <a:pt x="17" y="86"/>
+                    <a:pt x="13" y="53"/>
+                  </a:cubicBezTo>
+                  <a:cubicBezTo>
+                    <a:pt x="9" y="35"/>
+                    <a:pt x="4" y="18"/>
+                    <a:pt x="0" y="0"/>
+                  </a:cubicBezTo>
+                  <a:cubicBezTo>
+                    <a:pt x="5" y="51"/>
+                    <a:pt x="12" y="102"/>
+                    <a:pt x="21" y="152"/>
+                  </a:cubicBezTo>
+                  <a:cubicBezTo>
+                    <a:pt x="33" y="218"/>
+                    <a:pt x="49" y="283"/>
+                    <a:pt x="69" y="347"/>
+                  </a:cubicBezTo>
+                  <a:cubicBezTo>
+                    <a:pt x="79" y="378"/>
+                    <a:pt x="90" y="410"/>
+                    <a:pt x="103" y="441"/>
+                  </a:cubicBezTo>
+                  <a:cubicBezTo>
+                    <a:pt x="107" y="449"/>
+                    <a:pt x="111" y="458"/>
+                    <a:pt x="115" y="467"/>
+                  </a:cubicBezTo>
+                  <a:cubicBezTo>
+                    <a:pt x="114" y="464"/>
+                    <a:pt x="113" y="461"/>
+                    <a:pt x="112" y="458"/>
+                  </a:cubicBezTo>
+                  <a:cubicBezTo>
+                    <a:pt x="108" y="442"/>
+                    <a:pt x="104" y="425"/>
+                    <a:pt x="101" y="409"/>
+                  </a:cubicBezTo>
+                  <a:close/>
+                </a:path>
+              </a:pathLst>
+            </a:custGeom>
+            <a:solidFill>
+              <a:schemeClr val="tx2"/>
+            </a:solidFill>
+            <a:ln>
+              <a:noFill/>
+            </a:ln>
+          </p:spPr>
+        </p:sp>
+        <p:sp>
+          <p:nvSpPr>
+            <p:cNvPr id="15" name="Freeform 31"/>
+            <p:cNvSpPr/>
+            <p:nvPr/>
+          </p:nvSpPr>
+          <p:spPr bwMode="auto">
+            <a:xfrm>
+              <a:off x="6992938" y="1263650"/>
+              <a:ext cx="144463" cy="2508250"/>
+            </a:xfrm>
+            <a:custGeom>
+              <a:avLst/>
+              <a:gdLst/>
+              <a:ahLst/>
+              <a:cxnLst/>
+              <a:rect l="0" t="0" r="r" b="b"/>
+              <a:pathLst>
+                <a:path w="36" h="633">
+                  <a:moveTo>
+                    <a:pt x="17" y="633"/>
+                  </a:moveTo>
+                  <a:cubicBezTo>
+                    <a:pt x="15" y="621"/>
+                    <a:pt x="14" y="609"/>
+                    <a:pt x="13" y="597"/>
+                  </a:cubicBezTo>
+                  <a:cubicBezTo>
+                    <a:pt x="8" y="530"/>
+                    <a:pt x="5" y="464"/>
+                    <a:pt x="5" y="398"/>
+                  </a:cubicBezTo>
+                  <a:cubicBezTo>
+                    <a:pt x="5" y="331"/>
+                    <a:pt x="8" y="265"/>
+                    <a:pt x="13" y="198"/>
+                  </a:cubicBezTo>
+                  <a:cubicBezTo>
+                    <a:pt x="15" y="165"/>
+                    <a:pt x="18" y="132"/>
+                    <a:pt x="22" y="99"/>
+                  </a:cubicBezTo>
+                  <a:cubicBezTo>
+                    <a:pt x="26" y="66"/>
+                    <a:pt x="30" y="33"/>
+                    <a:pt x="36" y="0"/>
+                  </a:cubicBezTo>
+                  <a:cubicBezTo>
+                    <a:pt x="35" y="0"/>
+                    <a:pt x="35" y="0"/>
+                    <a:pt x="35" y="0"/>
+                  </a:cubicBezTo>
+                  <a:cubicBezTo>
+                    <a:pt x="29" y="33"/>
+                    <a:pt x="24" y="66"/>
+                    <a:pt x="20" y="99"/>
+                  </a:cubicBezTo>
+                  <a:cubicBezTo>
+                    <a:pt x="16" y="132"/>
+                    <a:pt x="13" y="165"/>
+                    <a:pt x="10" y="198"/>
+                  </a:cubicBezTo>
+                  <a:cubicBezTo>
+                    <a:pt x="4" y="264"/>
+                    <a:pt x="1" y="331"/>
+                    <a:pt x="1" y="398"/>
+                  </a:cubicBezTo>
+                  <a:cubicBezTo>
+                    <a:pt x="0" y="461"/>
+                    <a:pt x="2" y="525"/>
+                    <a:pt x="7" y="589"/>
+                  </a:cubicBezTo>
+                  <a:cubicBezTo>
+                    <a:pt x="10" y="603"/>
+                    <a:pt x="13" y="618"/>
+                    <a:pt x="16" y="632"/>
+                  </a:cubicBezTo>
+                  <a:cubicBezTo>
+                    <a:pt x="16" y="632"/>
+                    <a:pt x="17" y="633"/>
+                    <a:pt x="17" y="633"/>
+                  </a:cubicBezTo>
+                  <a:close/>
+                </a:path>
+              </a:pathLst>
+            </a:custGeom>
+            <a:solidFill>
+              <a:schemeClr val="tx2"/>
+            </a:solidFill>
+            <a:ln>
+              <a:noFill/>
+            </a:ln>
+          </p:spPr>
+        </p:sp>
+        <p:sp>
+          <p:nvSpPr>
+            <p:cNvPr id="16" name="Freeform 32"/>
+            <p:cNvSpPr/>
+            <p:nvPr/>
+          </p:nvSpPr>
+          <p:spPr bwMode="auto">
+            <a:xfrm>
+              <a:off x="7526338" y="5640388"/>
+              <a:ext cx="111125" cy="233363"/>
+            </a:xfrm>
+            <a:custGeom>
+              <a:avLst/>
+              <a:gdLst/>
+              <a:ahLst/>
+              <a:cxnLst/>
+              <a:rect l="0" t="0" r="r" b="b"/>
+              <a:pathLst>
+                <a:path w="28" h="59">
+                  <a:moveTo>
+                    <a:pt x="22" y="59"/>
+                  </a:moveTo>
+                  <a:cubicBezTo>
+                    <a:pt x="28" y="59"/>
+                    <a:pt x="28" y="59"/>
+                    <a:pt x="28" y="59"/>
+                  </a:cubicBezTo>
+                  <a:cubicBezTo>
+                    <a:pt x="18" y="40"/>
+                    <a:pt x="9" y="20"/>
+                    <a:pt x="0" y="0"/>
+                  </a:cubicBezTo>
+                  <a:cubicBezTo>
+                    <a:pt x="6" y="20"/>
+                    <a:pt x="13" y="40"/>
+                    <a:pt x="22" y="59"/>
+                  </a:cubicBezTo>
+                  <a:close/>
+                </a:path>
+              </a:pathLst>
+            </a:custGeom>
+            <a:solidFill>
+              <a:schemeClr val="tx2"/>
+            </a:solidFill>
+            <a:ln>
+              <a:noFill/>
+            </a:ln>
+          </p:spPr>
+        </p:sp>
+        <p:sp>
+          <p:nvSpPr>
+            <p:cNvPr id="17" name="Freeform 33"/>
+            <p:cNvSpPr/>
+            <p:nvPr/>
+          </p:nvSpPr>
+          <p:spPr bwMode="auto">
+            <a:xfrm>
+              <a:off x="7021513" y="3598863"/>
+              <a:ext cx="68263" cy="423863"/>
+            </a:xfrm>
+            <a:custGeom>
+              <a:avLst/>
+              <a:gdLst/>
+              <a:ahLst/>
+              <a:cxnLst/>
+              <a:rect l="0" t="0" r="r" b="b"/>
+              <a:pathLst>
+                <a:path w="17" h="107">
+                  <a:moveTo>
+                    <a:pt x="4" y="54"/>
+                  </a:moveTo>
+                  <a:cubicBezTo>
+                    <a:pt x="8" y="72"/>
+                    <a:pt x="13" y="89"/>
+                    <a:pt x="17" y="107"/>
+                  </a:cubicBezTo>
+                  <a:cubicBezTo>
+                    <a:pt x="14" y="86"/>
+                    <a:pt x="12" y="65"/>
+                    <a:pt x="10" y="44"/>
+                  </a:cubicBezTo>
+                  <a:cubicBezTo>
+                    <a:pt x="10" y="44"/>
+                    <a:pt x="9" y="43"/>
+                    <a:pt x="9" y="43"/>
+                  </a:cubicBezTo>
+                  <a:cubicBezTo>
+                    <a:pt x="6" y="29"/>
+                    <a:pt x="3" y="14"/>
+                    <a:pt x="0" y="0"/>
+                  </a:cubicBezTo>
+                  <a:cubicBezTo>
+                    <a:pt x="0" y="2"/>
+                    <a:pt x="0" y="5"/>
+                    <a:pt x="0" y="8"/>
+                  </a:cubicBezTo>
+                  <a:cubicBezTo>
+                    <a:pt x="1" y="23"/>
+                    <a:pt x="3" y="39"/>
+                    <a:pt x="4" y="54"/>
+                  </a:cubicBezTo>
+                  <a:close/>
+                </a:path>
+              </a:pathLst>
+            </a:custGeom>
+            <a:solidFill>
+              <a:schemeClr val="tx2"/>
+            </a:solidFill>
+            <a:ln>
+              <a:noFill/>
+            </a:ln>
+          </p:spPr>
+        </p:sp>
+        <p:sp>
+          <p:nvSpPr>
+            <p:cNvPr id="18" name="Freeform 34"/>
+            <p:cNvSpPr/>
+            <p:nvPr/>
+          </p:nvSpPr>
+          <p:spPr bwMode="auto">
+            <a:xfrm>
+              <a:off x="7412038" y="2801938"/>
+              <a:ext cx="1168400" cy="2251075"/>
+            </a:xfrm>
+            <a:custGeom>
+              <a:avLst/>
+              <a:gdLst/>
+              <a:ahLst/>
+              <a:cxnLst/>
+              <a:rect l="0" t="0" r="r" b="b"/>
+              <a:pathLst>
+                <a:path w="294" h="568">
+                  <a:moveTo>
+                    <a:pt x="8" y="553"/>
+                  </a:moveTo>
+                  <a:cubicBezTo>
+                    <a:pt x="9" y="501"/>
+                    <a:pt x="19" y="448"/>
+                    <a:pt x="35" y="397"/>
+                  </a:cubicBezTo>
+                  <a:cubicBezTo>
+                    <a:pt x="51" y="347"/>
+                    <a:pt x="73" y="298"/>
+                    <a:pt x="99" y="252"/>
+                  </a:cubicBezTo>
+                  <a:cubicBezTo>
+                    <a:pt x="124" y="205"/>
+                    <a:pt x="154" y="161"/>
+                    <a:pt x="187" y="119"/>
+                  </a:cubicBezTo>
+                  <a:cubicBezTo>
+                    <a:pt x="203" y="98"/>
+                    <a:pt x="220" y="77"/>
+                    <a:pt x="238" y="58"/>
+                  </a:cubicBezTo>
+                  <a:cubicBezTo>
+                    <a:pt x="247" y="48"/>
+                    <a:pt x="256" y="38"/>
+                    <a:pt x="265" y="28"/>
+                  </a:cubicBezTo>
+                  <a:cubicBezTo>
+                    <a:pt x="274" y="19"/>
+                    <a:pt x="284" y="9"/>
+                    <a:pt x="294" y="0"/>
+                  </a:cubicBezTo>
+                  <a:cubicBezTo>
+                    <a:pt x="293" y="0"/>
+                    <a:pt x="293" y="0"/>
+                    <a:pt x="293" y="0"/>
+                  </a:cubicBezTo>
+                  <a:cubicBezTo>
+                    <a:pt x="283" y="9"/>
+                    <a:pt x="273" y="18"/>
+                    <a:pt x="264" y="27"/>
+                  </a:cubicBezTo>
+                  <a:cubicBezTo>
+                    <a:pt x="255" y="37"/>
+                    <a:pt x="246" y="47"/>
+                    <a:pt x="237" y="56"/>
+                  </a:cubicBezTo>
+                  <a:cubicBezTo>
+                    <a:pt x="218" y="76"/>
+                    <a:pt x="201" y="96"/>
+                    <a:pt x="185" y="117"/>
+                  </a:cubicBezTo>
+                  <a:cubicBezTo>
+                    <a:pt x="151" y="159"/>
+                    <a:pt x="121" y="203"/>
+                    <a:pt x="95" y="249"/>
+                  </a:cubicBezTo>
+                  <a:cubicBezTo>
+                    <a:pt x="68" y="296"/>
+                    <a:pt x="46" y="345"/>
+                    <a:pt x="30" y="396"/>
+                  </a:cubicBezTo>
+                  <a:cubicBezTo>
+                    <a:pt x="13" y="445"/>
+                    <a:pt x="3" y="497"/>
+                    <a:pt x="0" y="549"/>
+                  </a:cubicBezTo>
+                  <a:cubicBezTo>
+                    <a:pt x="3" y="555"/>
+                    <a:pt x="5" y="561"/>
+                    <a:pt x="7" y="568"/>
+                  </a:cubicBezTo>
+                  <a:cubicBezTo>
+                    <a:pt x="7" y="563"/>
+                    <a:pt x="7" y="558"/>
+                    <a:pt x="8" y="553"/>
+                  </a:cubicBezTo>
+                  <a:close/>
+                </a:path>
+              </a:pathLst>
+            </a:custGeom>
+            <a:solidFill>
+              <a:schemeClr val="tx2"/>
+            </a:solidFill>
+            <a:ln>
+              <a:noFill/>
+            </a:ln>
+          </p:spPr>
+        </p:sp>
+        <p:sp>
+          <p:nvSpPr>
+            <p:cNvPr id="19" name="Freeform 35"/>
+            <p:cNvSpPr/>
+            <p:nvPr/>
+          </p:nvSpPr>
+          <p:spPr bwMode="auto">
+            <a:xfrm>
+              <a:off x="7494588" y="5664200"/>
+              <a:ext cx="100013" cy="209550"/>
+            </a:xfrm>
+            <a:custGeom>
+              <a:avLst/>
+              <a:gdLst/>
+              <a:ahLst/>
+              <a:cxnLst/>
+              <a:rect l="0" t="0" r="r" b="b"/>
+              <a:pathLst>
+                <a:path w="25" h="53">
+                  <a:moveTo>
+                    <a:pt x="0" y="0"/>
+                  </a:moveTo>
+                  <a:cubicBezTo>
+                    <a:pt x="5" y="18"/>
+                    <a:pt x="12" y="36"/>
+                    <a:pt x="19" y="53"/>
+                  </a:cubicBezTo>
+                  <a:cubicBezTo>
+                    <a:pt x="25" y="53"/>
+                    <a:pt x="25" y="53"/>
+                    <a:pt x="25" y="53"/>
+                  </a:cubicBezTo>
+                  <a:cubicBezTo>
+                    <a:pt x="16" y="36"/>
+                    <a:pt x="8" y="18"/>
+                    <a:pt x="0" y="0"/>
+                  </a:cubicBezTo>
+                  <a:close/>
+                </a:path>
+              </a:pathLst>
+            </a:custGeom>
+            <a:solidFill>
+              <a:schemeClr val="tx2"/>
+            </a:solidFill>
+            <a:ln>
+              <a:noFill/>
+            </a:ln>
+          </p:spPr>
+        </p:sp>
+        <p:sp>
+          <p:nvSpPr>
+            <p:cNvPr id="20" name="Freeform 36"/>
+            <p:cNvSpPr/>
+            <p:nvPr/>
+          </p:nvSpPr>
+          <p:spPr bwMode="auto">
+            <a:xfrm>
+              <a:off x="7412038" y="5081588"/>
+              <a:ext cx="114300" cy="558800"/>
+            </a:xfrm>
+            <a:custGeom>
+              <a:avLst/>
+              <a:gdLst/>
+              <a:ahLst/>
+              <a:cxnLst/>
+              <a:rect l="0" t="0" r="r" b="b"/>
+              <a:pathLst>
+                <a:path w="29" h="141">
+                  <a:moveTo>
+                    <a:pt x="0" y="0"/>
+                  </a:moveTo>
+                  <a:cubicBezTo>
+                    <a:pt x="0" y="30"/>
+                    <a:pt x="2" y="60"/>
+                    <a:pt x="7" y="89"/>
+                  </a:cubicBezTo>
+                  <a:cubicBezTo>
+                    <a:pt x="11" y="98"/>
+                    <a:pt x="14" y="108"/>
+                    <a:pt x="18" y="117"/>
+                  </a:cubicBezTo>
+                  <a:cubicBezTo>
+                    <a:pt x="22" y="125"/>
+                    <a:pt x="25" y="133"/>
+                    <a:pt x="29" y="141"/>
+                  </a:cubicBezTo>
+                  <a:cubicBezTo>
+                    <a:pt x="28" y="139"/>
+                    <a:pt x="28" y="137"/>
+                    <a:pt x="27" y="135"/>
+                  </a:cubicBezTo>
+                  <a:cubicBezTo>
+                    <a:pt x="16" y="98"/>
+                    <a:pt x="10" y="60"/>
+                    <a:pt x="8" y="22"/>
+                  </a:cubicBezTo>
+                  <a:cubicBezTo>
+                    <a:pt x="7" y="18"/>
+                    <a:pt x="5" y="15"/>
+                    <a:pt x="4" y="11"/>
+                  </a:cubicBezTo>
+                  <a:cubicBezTo>
+                    <a:pt x="2" y="7"/>
+                    <a:pt x="1" y="3"/>
+                    <a:pt x="0" y="0"/>
+                  </a:cubicBezTo>
+                  <a:close/>
+                </a:path>
+              </a:pathLst>
+            </a:custGeom>
+            <a:solidFill>
+              <a:schemeClr val="tx2"/>
+            </a:solidFill>
+            <a:ln>
+              <a:noFill/>
+            </a:ln>
+          </p:spPr>
+        </p:sp>
+        <p:sp>
+          <p:nvSpPr>
+            <p:cNvPr id="21" name="Freeform 37"/>
+            <p:cNvSpPr/>
+            <p:nvPr/>
+          </p:nvSpPr>
+          <p:spPr bwMode="auto">
+            <a:xfrm>
+              <a:off x="7412038" y="4978400"/>
+              <a:ext cx="31750" cy="188913"/>
+            </a:xfrm>
+            <a:custGeom>
+              <a:avLst/>
+              <a:gdLst/>
+              <a:ahLst/>
+              <a:cxnLst/>
+              <a:rect l="0" t="0" r="r" b="b"/>
+              <a:pathLst>
+                <a:path w="8" h="48">
+                  <a:moveTo>
+                    <a:pt x="0" y="26"/>
+                  </a:moveTo>
+                  <a:cubicBezTo>
+                    <a:pt x="1" y="29"/>
+                    <a:pt x="2" y="33"/>
+                    <a:pt x="4" y="37"/>
+                  </a:cubicBezTo>
+                  <a:cubicBezTo>
+                    <a:pt x="5" y="41"/>
+                    <a:pt x="7" y="44"/>
+                    <a:pt x="8" y="48"/>
+                  </a:cubicBezTo>
+                  <a:cubicBezTo>
+                    <a:pt x="7" y="38"/>
+                    <a:pt x="7" y="28"/>
+                    <a:pt x="7" y="19"/>
+                  </a:cubicBezTo>
+                  <a:cubicBezTo>
+                    <a:pt x="5" y="12"/>
+                    <a:pt x="3" y="6"/>
+                    <a:pt x="0" y="0"/>
+                  </a:cubicBezTo>
+                  <a:cubicBezTo>
+                    <a:pt x="0" y="1"/>
+                    <a:pt x="0" y="3"/>
+                    <a:pt x="0" y="4"/>
+                  </a:cubicBezTo>
+                  <a:cubicBezTo>
+                    <a:pt x="0" y="11"/>
+                    <a:pt x="0" y="19"/>
+                    <a:pt x="0" y="26"/>
+                  </a:cubicBezTo>
+                  <a:close/>
+                </a:path>
+              </a:pathLst>
+            </a:custGeom>
+            <a:solidFill>
+              <a:schemeClr val="tx2"/>
+            </a:solidFill>
+            <a:ln>
+              <a:noFill/>
+            </a:ln>
+          </p:spPr>
+        </p:sp>
+        <p:sp>
+          <p:nvSpPr>
+            <p:cNvPr id="22" name="Freeform 38"/>
+            <p:cNvSpPr/>
+            <p:nvPr/>
+          </p:nvSpPr>
+          <p:spPr bwMode="auto">
+            <a:xfrm>
+              <a:off x="7439026" y="5434013"/>
+              <a:ext cx="174625" cy="439738"/>
+            </a:xfrm>
+            <a:custGeom>
+              <a:avLst/>
+              <a:gdLst/>
+              <a:ahLst/>
+              <a:cxnLst/>
+              <a:rect l="0" t="0" r="r" b="b"/>
+              <a:pathLst>
+                <a:path w="44" h="111">
+                  <a:moveTo>
+                    <a:pt x="11" y="28"/>
+                  </a:moveTo>
+                  <a:cubicBezTo>
+                    <a:pt x="7" y="19"/>
+                    <a:pt x="4" y="9"/>
+                    <a:pt x="0" y="0"/>
+                  </a:cubicBezTo>
+                  <a:cubicBezTo>
+                    <a:pt x="3" y="16"/>
+                    <a:pt x="7" y="33"/>
+                    <a:pt x="11" y="49"/>
+                  </a:cubicBezTo>
+                  <a:cubicBezTo>
+                    <a:pt x="12" y="52"/>
+                    <a:pt x="13" y="55"/>
+                    <a:pt x="14" y="58"/>
+                  </a:cubicBezTo>
+                  <a:cubicBezTo>
+                    <a:pt x="22" y="76"/>
+                    <a:pt x="30" y="94"/>
+                    <a:pt x="39" y="111"/>
+                  </a:cubicBezTo>
+                  <a:cubicBezTo>
+                    <a:pt x="44" y="111"/>
+                    <a:pt x="44" y="111"/>
+                    <a:pt x="44" y="111"/>
+                  </a:cubicBezTo>
+                  <a:cubicBezTo>
+                    <a:pt x="35" y="92"/>
+                    <a:pt x="28" y="72"/>
+                    <a:pt x="22" y="52"/>
+                  </a:cubicBezTo>
+                  <a:cubicBezTo>
+                    <a:pt x="18" y="44"/>
+                    <a:pt x="15" y="36"/>
+                    <a:pt x="11" y="28"/>
+                  </a:cubicBezTo>
+                  <a:close/>
+                </a:path>
+              </a:pathLst>
+            </a:custGeom>
+            <a:solidFill>
+              <a:schemeClr val="tx2"/>
+            </a:solidFill>
+            <a:ln>
+              <a:noFill/>
+            </a:ln>
+          </p:spPr>
+        </p:sp>
+      </p:grpSp>
+      <p:sp>
+        <p:nvSpPr>
+          <p:cNvPr id="7" name="Rectangle 6"/>
+          <p:cNvSpPr/>
+          <p:nvPr/>
         </p:nvSpPr>
         <p:spPr>
           <a:xfrm>
-            <a:off x="628650" y="304271"/>
-            <a:ext cx="7886700" cy="1104636"/>
+            <a:off x="0" y="0"/>
+            <a:ext cx="329184" cy="11430000"/>
+          </a:xfrm>
+          <a:prstGeom prst="rect">
+            <a:avLst/>
+          </a:prstGeom>
+          <a:solidFill>
+            <a:schemeClr val="tx2"/>
+          </a:solidFill>
+          <a:ln>
+            <a:noFill/>
+          </a:ln>
+          <a:effectLst/>
+        </p:spPr>
+        <p:style>
+          <a:lnRef idx="1">
+            <a:schemeClr val="accent1"/>
+          </a:lnRef>
+          <a:fillRef idx="3">
+            <a:schemeClr val="accent1"/>
+          </a:fillRef>
+          <a:effectRef idx="2">
+            <a:schemeClr val="accent1"/>
+          </a:effectRef>
+          <a:fontRef idx="minor">
+            <a:schemeClr val="lt1"/>
+          </a:fontRef>
+        </p:style>
+      </p:sp>
+      <p:sp>
+        <p:nvSpPr>
+          <p:cNvPr id="2" name="Title Placeholder 1"/>
+          <p:cNvSpPr>
+            <a:spLocks noGrp="1"/>
+          </p:cNvSpPr>
+          <p:nvPr>
+            <p:ph type="title"/>
+          </p:nvPr>
+        </p:nvSpPr>
+        <p:spPr>
+          <a:xfrm>
+            <a:off x="4667264" y="1040183"/>
+            <a:ext cx="16041037" cy="2134817"/>
           </a:xfrm>
           <a:prstGeom prst="rect">
             <a:avLst/>
           </a:prstGeom>
         </p:spPr>
         <p:txBody>
-          <a:bodyPr vert="horz" lIns="91440" tIns="45720" rIns="91440" bIns="45720" rtlCol="0" anchor="ctr">
+          <a:bodyPr vert="horz" lIns="91440" tIns="45720" rIns="91440" bIns="45720" rtlCol="0" anchor="t">
             <a:normAutofit/>
           </a:bodyPr>
           <a:lstStyle/>
@@ -2480,8 +7562,8 @@
         </p:nvSpPr>
         <p:spPr>
           <a:xfrm>
-            <a:off x="628650" y="1521354"/>
-            <a:ext cx="7886700" cy="3626115"/>
+            <a:off x="4660582" y="3556000"/>
+            <a:ext cx="16047720" cy="6477000"/>
           </a:xfrm>
           <a:prstGeom prst="rect">
             <a:avLst/>
@@ -2542,8 +7624,8 @@
         </p:nvSpPr>
         <p:spPr>
           <a:xfrm>
-            <a:off x="628650" y="5296959"/>
-            <a:ext cx="2057400" cy="304271"/>
+            <a:off x="18650903" y="10217395"/>
+            <a:ext cx="2063309" cy="617327"/>
           </a:xfrm>
           <a:prstGeom prst="rect">
             <a:avLst/>
@@ -2552,8 +7634,8 @@
         <p:txBody>
           <a:bodyPr vert="horz" lIns="91440" tIns="45720" rIns="91440" bIns="45720" rtlCol="0" anchor="ctr"/>
           <a:lstStyle>
-            <a:lvl1pPr algn="l">
-              <a:defRPr sz="900">
+            <a:lvl1pPr algn="r">
+              <a:defRPr sz="1500">
                 <a:solidFill>
                   <a:schemeClr val="tx1">
                     <a:tint val="75000"/>
@@ -2565,7 +7647,7 @@
           <a:p>
             <a:fld id="{00B1DE44-7493-4665-A02F-847C79AD84D3}" type="datetimeFigureOut">
               <a:rPr lang="en-US" smtClean="0"/>
-              <a:t>18-Aug-20</a:t>
+              <a:t>25-Aug-20</a:t>
             </a:fld>
             <a:endParaRPr lang="en-US"/>
           </a:p>
@@ -2583,8 +7665,8 @@
         </p:nvSpPr>
         <p:spPr>
           <a:xfrm>
-            <a:off x="3028950" y="5296959"/>
-            <a:ext cx="3086100" cy="304271"/>
+            <a:off x="4660583" y="10226347"/>
+            <a:ext cx="13715998" cy="608542"/>
           </a:xfrm>
           <a:prstGeom prst="rect">
             <a:avLst/>
@@ -2593,8 +7675,8 @@
         <p:txBody>
           <a:bodyPr vert="horz" lIns="91440" tIns="45720" rIns="91440" bIns="45720" rtlCol="0" anchor="ctr"/>
           <a:lstStyle>
-            <a:lvl1pPr algn="ctr">
-              <a:defRPr sz="900">
+            <a:lvl1pPr algn="l">
+              <a:defRPr sz="1500">
                 <a:solidFill>
                   <a:schemeClr val="tx1">
                     <a:tint val="75000"/>
@@ -2618,10 +7700,10 @@
             <p:ph type="sldNum" sz="quarter" idx="4"/>
           </p:nvPr>
         </p:nvSpPr>
-        <p:spPr>
+        <p:spPr bwMode="gray">
           <a:xfrm>
-            <a:off x="6457950" y="5296959"/>
-            <a:ext cx="2057400" cy="304271"/>
+            <a:off x="957262" y="1312971"/>
+            <a:ext cx="1403581" cy="608542"/>
           </a:xfrm>
           <a:prstGeom prst="rect">
             <a:avLst/>
@@ -2631,11 +7713,9 @@
           <a:bodyPr vert="horz" lIns="91440" tIns="45720" rIns="91440" bIns="45720" rtlCol="0" anchor="ctr"/>
           <a:lstStyle>
             <a:lvl1pPr algn="r">
-              <a:defRPr sz="900">
+              <a:defRPr sz="3333">
                 <a:solidFill>
-                  <a:schemeClr val="tx1">
-                    <a:tint val="75000"/>
-                  </a:schemeClr>
+                  <a:srgbClr val="FEFFFF"/>
                 </a:solidFill>
               </a:defRPr>
             </a:lvl1pPr>
@@ -2652,201 +7732,316 @@
     </p:spTree>
     <p:extLst>
       <p:ext uri="{BB962C8B-B14F-4D97-AF65-F5344CB8AC3E}">
-        <p14:creationId xmlns:p14="http://schemas.microsoft.com/office/powerpoint/2010/main" val="2683711309"/>
+        <p14:creationId xmlns:p14="http://schemas.microsoft.com/office/powerpoint/2010/main" val="240184668"/>
       </p:ext>
     </p:extLst>
   </p:cSld>
   <p:clrMap bg1="lt1" tx1="dk1" bg2="lt2" tx2="dk2" accent1="accent1" accent2="accent2" accent3="accent3" accent4="accent4" accent5="accent5" accent6="accent6" hlink="hlink" folHlink="folHlink"/>
   <p:sldLayoutIdLst>
-    <p:sldLayoutId id="2147483721" r:id="rId1"/>
-    <p:sldLayoutId id="2147483722" r:id="rId2"/>
-    <p:sldLayoutId id="2147483723" r:id="rId3"/>
-    <p:sldLayoutId id="2147483724" r:id="rId4"/>
-    <p:sldLayoutId id="2147483725" r:id="rId5"/>
-    <p:sldLayoutId id="2147483726" r:id="rId6"/>
-    <p:sldLayoutId id="2147483727" r:id="rId7"/>
-    <p:sldLayoutId id="2147483728" r:id="rId8"/>
-    <p:sldLayoutId id="2147483729" r:id="rId9"/>
-    <p:sldLayoutId id="2147483730" r:id="rId10"/>
-    <p:sldLayoutId id="2147483731" r:id="rId11"/>
+    <p:sldLayoutId id="2147483890" r:id="rId1"/>
+    <p:sldLayoutId id="2147483891" r:id="rId2"/>
+    <p:sldLayoutId id="2147483892" r:id="rId3"/>
+    <p:sldLayoutId id="2147483893" r:id="rId4"/>
+    <p:sldLayoutId id="2147483894" r:id="rId5"/>
+    <p:sldLayoutId id="2147483895" r:id="rId6"/>
+    <p:sldLayoutId id="2147483896" r:id="rId7"/>
+    <p:sldLayoutId id="2147483897" r:id="rId8"/>
+    <p:sldLayoutId id="2147483898" r:id="rId9"/>
+    <p:sldLayoutId id="2147483899" r:id="rId10"/>
+    <p:sldLayoutId id="2147483900" r:id="rId11"/>
+    <p:sldLayoutId id="2147483901" r:id="rId12"/>
+    <p:sldLayoutId id="2147483902" r:id="rId13"/>
+    <p:sldLayoutId id="2147483903" r:id="rId14"/>
+    <p:sldLayoutId id="2147483904" r:id="rId15"/>
+    <p:sldLayoutId id="2147483905" r:id="rId16"/>
   </p:sldLayoutIdLst>
   <p:txStyles>
     <p:titleStyle>
-      <a:lvl1pPr algn="l" defTabSz="685800" rtl="0" eaLnBrk="1" latinLnBrk="0" hangingPunct="1">
-        <a:lnSpc>
-          <a:spcPct val="90000"/>
-        </a:lnSpc>
+      <a:lvl1pPr algn="l" defTabSz="762015" rtl="0" eaLnBrk="1" latinLnBrk="0" hangingPunct="1">
         <a:spcBef>
           <a:spcPct val="0"/>
         </a:spcBef>
         <a:buNone/>
-        <a:defRPr sz="3300" kern="1200">
+        <a:defRPr sz="6000" kern="1200">
           <a:solidFill>
-            <a:schemeClr val="tx1"/>
+            <a:schemeClr val="tx1">
+              <a:lumMod val="85000"/>
+              <a:lumOff val="15000"/>
+            </a:schemeClr>
           </a:solidFill>
           <a:latin typeface="+mj-lt"/>
           <a:ea typeface="+mj-ea"/>
           <a:cs typeface="+mj-cs"/>
         </a:defRPr>
       </a:lvl1pPr>
+      <a:lvl2pPr eaLnBrk="1" hangingPunct="1">
+        <a:defRPr>
+          <a:solidFill>
+            <a:schemeClr val="tx2"/>
+          </a:solidFill>
+        </a:defRPr>
+      </a:lvl2pPr>
+      <a:lvl3pPr eaLnBrk="1" hangingPunct="1">
+        <a:defRPr>
+          <a:solidFill>
+            <a:schemeClr val="tx2"/>
+          </a:solidFill>
+        </a:defRPr>
+      </a:lvl3pPr>
+      <a:lvl4pPr eaLnBrk="1" hangingPunct="1">
+        <a:defRPr>
+          <a:solidFill>
+            <a:schemeClr val="tx2"/>
+          </a:solidFill>
+        </a:defRPr>
+      </a:lvl4pPr>
+      <a:lvl5pPr eaLnBrk="1" hangingPunct="1">
+        <a:defRPr>
+          <a:solidFill>
+            <a:schemeClr val="tx2"/>
+          </a:solidFill>
+        </a:defRPr>
+      </a:lvl5pPr>
+      <a:lvl6pPr eaLnBrk="1" hangingPunct="1">
+        <a:defRPr>
+          <a:solidFill>
+            <a:schemeClr val="tx2"/>
+          </a:solidFill>
+        </a:defRPr>
+      </a:lvl6pPr>
+      <a:lvl7pPr eaLnBrk="1" hangingPunct="1">
+        <a:defRPr>
+          <a:solidFill>
+            <a:schemeClr val="tx2"/>
+          </a:solidFill>
+        </a:defRPr>
+      </a:lvl7pPr>
+      <a:lvl8pPr eaLnBrk="1" hangingPunct="1">
+        <a:defRPr>
+          <a:solidFill>
+            <a:schemeClr val="tx2"/>
+          </a:solidFill>
+        </a:defRPr>
+      </a:lvl8pPr>
+      <a:lvl9pPr eaLnBrk="1" hangingPunct="1">
+        <a:defRPr>
+          <a:solidFill>
+            <a:schemeClr val="tx2"/>
+          </a:solidFill>
+        </a:defRPr>
+      </a:lvl9pPr>
     </p:titleStyle>
     <p:bodyStyle>
-      <a:lvl1pPr marL="171450" indent="-171450" algn="l" defTabSz="685800" rtl="0" eaLnBrk="1" latinLnBrk="0" hangingPunct="1">
-        <a:lnSpc>
-          <a:spcPct val="90000"/>
-        </a:lnSpc>
+      <a:lvl1pPr marL="571511" indent="-571511" algn="l" defTabSz="762015" rtl="0" eaLnBrk="1" latinLnBrk="0" hangingPunct="1">
         <a:spcBef>
-          <a:spcPts val="750"/>
+          <a:spcPts val="1667"/>
         </a:spcBef>
-        <a:buFont typeface="Arial" panose="020B0604020202020204" pitchFamily="34" charset="0"/>
-        <a:buChar char="•"/>
-        <a:defRPr sz="2100" kern="1200">
+        <a:spcAft>
+          <a:spcPts val="0"/>
+        </a:spcAft>
+        <a:buClr>
+          <a:schemeClr val="accent1"/>
+        </a:buClr>
+        <a:buFont typeface="Wingdings 3" charset="2"/>
+        <a:buChar char=""/>
+        <a:defRPr sz="3000" kern="1200">
           <a:solidFill>
-            <a:schemeClr val="tx1"/>
+            <a:schemeClr val="tx1">
+              <a:lumMod val="75000"/>
+              <a:lumOff val="25000"/>
+            </a:schemeClr>
           </a:solidFill>
           <a:latin typeface="+mn-lt"/>
           <a:ea typeface="+mn-ea"/>
           <a:cs typeface="+mn-cs"/>
         </a:defRPr>
       </a:lvl1pPr>
-      <a:lvl2pPr marL="514350" indent="-171450" algn="l" defTabSz="685800" rtl="0" eaLnBrk="1" latinLnBrk="0" hangingPunct="1">
-        <a:lnSpc>
-          <a:spcPct val="90000"/>
-        </a:lnSpc>
+      <a:lvl2pPr marL="1238275" indent="-476260" algn="l" defTabSz="762015" rtl="0" eaLnBrk="1" latinLnBrk="0" hangingPunct="1">
         <a:spcBef>
-          <a:spcPts val="375"/>
+          <a:spcPts val="1667"/>
         </a:spcBef>
-        <a:buFont typeface="Arial" panose="020B0604020202020204" pitchFamily="34" charset="0"/>
-        <a:buChar char="•"/>
-        <a:defRPr sz="1800" kern="1200">
+        <a:spcAft>
+          <a:spcPts val="0"/>
+        </a:spcAft>
+        <a:buClr>
+          <a:schemeClr val="accent1"/>
+        </a:buClr>
+        <a:buFont typeface="Wingdings 3" charset="2"/>
+        <a:buChar char=""/>
+        <a:defRPr sz="2667" kern="1200">
           <a:solidFill>
-            <a:schemeClr val="tx1"/>
+            <a:schemeClr val="tx1">
+              <a:lumMod val="75000"/>
+              <a:lumOff val="25000"/>
+            </a:schemeClr>
           </a:solidFill>
           <a:latin typeface="+mn-lt"/>
           <a:ea typeface="+mn-ea"/>
           <a:cs typeface="+mn-cs"/>
         </a:defRPr>
       </a:lvl2pPr>
-      <a:lvl3pPr marL="857250" indent="-171450" algn="l" defTabSz="685800" rtl="0" eaLnBrk="1" latinLnBrk="0" hangingPunct="1">
-        <a:lnSpc>
-          <a:spcPct val="90000"/>
-        </a:lnSpc>
+      <a:lvl3pPr marL="1905038" indent="-381008" algn="l" defTabSz="762015" rtl="0" eaLnBrk="1" latinLnBrk="0" hangingPunct="1">
         <a:spcBef>
-          <a:spcPts val="375"/>
+          <a:spcPts val="1667"/>
         </a:spcBef>
-        <a:buFont typeface="Arial" panose="020B0604020202020204" pitchFamily="34" charset="0"/>
-        <a:buChar char="•"/>
-        <a:defRPr sz="1500" kern="1200">
+        <a:spcAft>
+          <a:spcPts val="0"/>
+        </a:spcAft>
+        <a:buClr>
+          <a:schemeClr val="accent1"/>
+        </a:buClr>
+        <a:buFont typeface="Wingdings 3" charset="2"/>
+        <a:buChar char=""/>
+        <a:defRPr sz="2333" kern="1200">
           <a:solidFill>
-            <a:schemeClr val="tx1"/>
+            <a:schemeClr val="tx1">
+              <a:lumMod val="75000"/>
+              <a:lumOff val="25000"/>
+            </a:schemeClr>
           </a:solidFill>
           <a:latin typeface="+mn-lt"/>
           <a:ea typeface="+mn-ea"/>
           <a:cs typeface="+mn-cs"/>
         </a:defRPr>
       </a:lvl3pPr>
-      <a:lvl4pPr marL="1200150" indent="-171450" algn="l" defTabSz="685800" rtl="0" eaLnBrk="1" latinLnBrk="0" hangingPunct="1">
-        <a:lnSpc>
-          <a:spcPct val="90000"/>
-        </a:lnSpc>
+      <a:lvl4pPr marL="2667053" indent="-381008" algn="l" defTabSz="762015" rtl="0" eaLnBrk="1" latinLnBrk="0" hangingPunct="1">
         <a:spcBef>
-          <a:spcPts val="375"/>
+          <a:spcPts val="1667"/>
         </a:spcBef>
-        <a:buFont typeface="Arial" panose="020B0604020202020204" pitchFamily="34" charset="0"/>
-        <a:buChar char="•"/>
-        <a:defRPr sz="1350" kern="1200">
+        <a:spcAft>
+          <a:spcPts val="0"/>
+        </a:spcAft>
+        <a:buClr>
+          <a:schemeClr val="accent1"/>
+        </a:buClr>
+        <a:buFont typeface="Wingdings 3" charset="2"/>
+        <a:buChar char=""/>
+        <a:defRPr sz="2000" kern="1200">
           <a:solidFill>
-            <a:schemeClr val="tx1"/>
+            <a:schemeClr val="tx1">
+              <a:lumMod val="75000"/>
+              <a:lumOff val="25000"/>
+            </a:schemeClr>
           </a:solidFill>
           <a:latin typeface="+mn-lt"/>
           <a:ea typeface="+mn-ea"/>
           <a:cs typeface="+mn-cs"/>
         </a:defRPr>
       </a:lvl4pPr>
-      <a:lvl5pPr marL="1543050" indent="-171450" algn="l" defTabSz="685800" rtl="0" eaLnBrk="1" latinLnBrk="0" hangingPunct="1">
-        <a:lnSpc>
-          <a:spcPct val="90000"/>
-        </a:lnSpc>
+      <a:lvl5pPr marL="3429069" indent="-381008" algn="l" defTabSz="762015" rtl="0" eaLnBrk="1" latinLnBrk="0" hangingPunct="1">
         <a:spcBef>
-          <a:spcPts val="375"/>
+          <a:spcPts val="1667"/>
         </a:spcBef>
-        <a:buFont typeface="Arial" panose="020B0604020202020204" pitchFamily="34" charset="0"/>
-        <a:buChar char="•"/>
-        <a:defRPr sz="1350" kern="1200">
+        <a:spcAft>
+          <a:spcPts val="0"/>
+        </a:spcAft>
+        <a:buClr>
+          <a:schemeClr val="accent1"/>
+        </a:buClr>
+        <a:buFont typeface="Wingdings 3" charset="2"/>
+        <a:buChar char=""/>
+        <a:defRPr sz="2000" kern="1200">
           <a:solidFill>
-            <a:schemeClr val="tx1"/>
+            <a:schemeClr val="tx1">
+              <a:lumMod val="75000"/>
+              <a:lumOff val="25000"/>
+            </a:schemeClr>
           </a:solidFill>
           <a:latin typeface="+mn-lt"/>
           <a:ea typeface="+mn-ea"/>
           <a:cs typeface="+mn-cs"/>
         </a:defRPr>
       </a:lvl5pPr>
-      <a:lvl6pPr marL="1885950" indent="-171450" algn="l" defTabSz="685800" rtl="0" eaLnBrk="1" latinLnBrk="0" hangingPunct="1">
-        <a:lnSpc>
-          <a:spcPct val="90000"/>
-        </a:lnSpc>
+      <a:lvl6pPr marL="4191084" indent="-381008" algn="l" defTabSz="762015" rtl="0" eaLnBrk="1" latinLnBrk="0" hangingPunct="1">
         <a:spcBef>
-          <a:spcPts val="375"/>
+          <a:spcPts val="1667"/>
         </a:spcBef>
-        <a:buFont typeface="Arial" panose="020B0604020202020204" pitchFamily="34" charset="0"/>
-        <a:buChar char="•"/>
-        <a:defRPr sz="1350" kern="1200">
+        <a:spcAft>
+          <a:spcPts val="0"/>
+        </a:spcAft>
+        <a:buClr>
+          <a:schemeClr val="accent1"/>
+        </a:buClr>
+        <a:buFont typeface="Wingdings 3" charset="2"/>
+        <a:buChar char=""/>
+        <a:defRPr sz="2000" kern="1200">
           <a:solidFill>
-            <a:schemeClr val="tx1"/>
+            <a:schemeClr val="tx1">
+              <a:lumMod val="75000"/>
+              <a:lumOff val="25000"/>
+            </a:schemeClr>
           </a:solidFill>
           <a:latin typeface="+mn-lt"/>
           <a:ea typeface="+mn-ea"/>
           <a:cs typeface="+mn-cs"/>
         </a:defRPr>
       </a:lvl6pPr>
-      <a:lvl7pPr marL="2228850" indent="-171450" algn="l" defTabSz="685800" rtl="0" eaLnBrk="1" latinLnBrk="0" hangingPunct="1">
-        <a:lnSpc>
-          <a:spcPct val="90000"/>
-        </a:lnSpc>
+      <a:lvl7pPr marL="4953099" indent="-381008" algn="l" defTabSz="762015" rtl="0" eaLnBrk="1" latinLnBrk="0" hangingPunct="1">
         <a:spcBef>
-          <a:spcPts val="375"/>
+          <a:spcPts val="1667"/>
         </a:spcBef>
-        <a:buFont typeface="Arial" panose="020B0604020202020204" pitchFamily="34" charset="0"/>
-        <a:buChar char="•"/>
-        <a:defRPr sz="1350" kern="1200">
+        <a:spcAft>
+          <a:spcPts val="0"/>
+        </a:spcAft>
+        <a:buClr>
+          <a:schemeClr val="accent1"/>
+        </a:buClr>
+        <a:buFont typeface="Wingdings 3" charset="2"/>
+        <a:buChar char=""/>
+        <a:defRPr sz="2000" kern="1200">
           <a:solidFill>
-            <a:schemeClr val="tx1"/>
+            <a:schemeClr val="tx1">
+              <a:lumMod val="75000"/>
+              <a:lumOff val="25000"/>
+            </a:schemeClr>
           </a:solidFill>
           <a:latin typeface="+mn-lt"/>
           <a:ea typeface="+mn-ea"/>
           <a:cs typeface="+mn-cs"/>
         </a:defRPr>
       </a:lvl7pPr>
-      <a:lvl8pPr marL="2571750" indent="-171450" algn="l" defTabSz="685800" rtl="0" eaLnBrk="1" latinLnBrk="0" hangingPunct="1">
-        <a:lnSpc>
-          <a:spcPct val="90000"/>
-        </a:lnSpc>
+      <a:lvl8pPr marL="5715114" indent="-381008" algn="l" defTabSz="762015" rtl="0" eaLnBrk="1" latinLnBrk="0" hangingPunct="1">
         <a:spcBef>
-          <a:spcPts val="375"/>
+          <a:spcPts val="1667"/>
         </a:spcBef>
-        <a:buFont typeface="Arial" panose="020B0604020202020204" pitchFamily="34" charset="0"/>
-        <a:buChar char="•"/>
-        <a:defRPr sz="1350" kern="1200">
+        <a:spcAft>
+          <a:spcPts val="0"/>
+        </a:spcAft>
+        <a:buClr>
+          <a:schemeClr val="accent1"/>
+        </a:buClr>
+        <a:buFont typeface="Wingdings 3" charset="2"/>
+        <a:buChar char=""/>
+        <a:defRPr sz="2000" kern="1200">
           <a:solidFill>
-            <a:schemeClr val="tx1"/>
+            <a:schemeClr val="tx1">
+              <a:lumMod val="75000"/>
+              <a:lumOff val="25000"/>
+            </a:schemeClr>
           </a:solidFill>
           <a:latin typeface="+mn-lt"/>
           <a:ea typeface="+mn-ea"/>
           <a:cs typeface="+mn-cs"/>
         </a:defRPr>
       </a:lvl8pPr>
-      <a:lvl9pPr marL="2914650" indent="-171450" algn="l" defTabSz="685800" rtl="0" eaLnBrk="1" latinLnBrk="0" hangingPunct="1">
-        <a:lnSpc>
-          <a:spcPct val="90000"/>
-        </a:lnSpc>
+      <a:lvl9pPr marL="6477130" indent="-381008" algn="l" defTabSz="762015" rtl="0" eaLnBrk="1" latinLnBrk="0" hangingPunct="1">
         <a:spcBef>
-          <a:spcPts val="375"/>
+          <a:spcPts val="1667"/>
         </a:spcBef>
-        <a:buFont typeface="Arial" panose="020B0604020202020204" pitchFamily="34" charset="0"/>
-        <a:buChar char="•"/>
-        <a:defRPr sz="1350" kern="1200">
+        <a:spcAft>
+          <a:spcPts val="0"/>
+        </a:spcAft>
+        <a:buClr>
+          <a:schemeClr val="accent1"/>
+        </a:buClr>
+        <a:buFont typeface="Wingdings 3" charset="2"/>
+        <a:buChar char=""/>
+        <a:defRPr sz="2000" kern="1200">
           <a:solidFill>
-            <a:schemeClr val="tx1"/>
+            <a:schemeClr val="tx1">
+              <a:lumMod val="75000"/>
+              <a:lumOff val="25000"/>
+            </a:schemeClr>
           </a:solidFill>
           <a:latin typeface="+mn-lt"/>
           <a:ea typeface="+mn-ea"/>
@@ -2858,8 +8053,8 @@
       <a:defPPr>
         <a:defRPr lang="en-US"/>
       </a:defPPr>
-      <a:lvl1pPr marL="0" algn="l" defTabSz="685800" rtl="0" eaLnBrk="1" latinLnBrk="0" hangingPunct="1">
-        <a:defRPr sz="1350" kern="1200">
+      <a:lvl1pPr marL="0" algn="l" defTabSz="762015" rtl="0" eaLnBrk="1" latinLnBrk="0" hangingPunct="1">
+        <a:defRPr sz="3000" kern="1200">
           <a:solidFill>
             <a:schemeClr val="tx1"/>
           </a:solidFill>
@@ -2868,8 +8063,8 @@
           <a:cs typeface="+mn-cs"/>
         </a:defRPr>
       </a:lvl1pPr>
-      <a:lvl2pPr marL="342900" algn="l" defTabSz="685800" rtl="0" eaLnBrk="1" latinLnBrk="0" hangingPunct="1">
-        <a:defRPr sz="1350" kern="1200">
+      <a:lvl2pPr marL="762015" algn="l" defTabSz="762015" rtl="0" eaLnBrk="1" latinLnBrk="0" hangingPunct="1">
+        <a:defRPr sz="3000" kern="1200">
           <a:solidFill>
             <a:schemeClr val="tx1"/>
           </a:solidFill>
@@ -2878,8 +8073,8 @@
           <a:cs typeface="+mn-cs"/>
         </a:defRPr>
       </a:lvl2pPr>
-      <a:lvl3pPr marL="685800" algn="l" defTabSz="685800" rtl="0" eaLnBrk="1" latinLnBrk="0" hangingPunct="1">
-        <a:defRPr sz="1350" kern="1200">
+      <a:lvl3pPr marL="1524030" algn="l" defTabSz="762015" rtl="0" eaLnBrk="1" latinLnBrk="0" hangingPunct="1">
+        <a:defRPr sz="3000" kern="1200">
           <a:solidFill>
             <a:schemeClr val="tx1"/>
           </a:solidFill>
@@ -2888,8 +8083,8 @@
           <a:cs typeface="+mn-cs"/>
         </a:defRPr>
       </a:lvl3pPr>
-      <a:lvl4pPr marL="1028700" algn="l" defTabSz="685800" rtl="0" eaLnBrk="1" latinLnBrk="0" hangingPunct="1">
-        <a:defRPr sz="1350" kern="1200">
+      <a:lvl4pPr marL="2286046" algn="l" defTabSz="762015" rtl="0" eaLnBrk="1" latinLnBrk="0" hangingPunct="1">
+        <a:defRPr sz="3000" kern="1200">
           <a:solidFill>
             <a:schemeClr val="tx1"/>
           </a:solidFill>
@@ -2898,8 +8093,8 @@
           <a:cs typeface="+mn-cs"/>
         </a:defRPr>
       </a:lvl4pPr>
-      <a:lvl5pPr marL="1371600" algn="l" defTabSz="685800" rtl="0" eaLnBrk="1" latinLnBrk="0" hangingPunct="1">
-        <a:defRPr sz="1350" kern="1200">
+      <a:lvl5pPr marL="3048061" algn="l" defTabSz="762015" rtl="0" eaLnBrk="1" latinLnBrk="0" hangingPunct="1">
+        <a:defRPr sz="3000" kern="1200">
           <a:solidFill>
             <a:schemeClr val="tx1"/>
           </a:solidFill>
@@ -2908,8 +8103,8 @@
           <a:cs typeface="+mn-cs"/>
         </a:defRPr>
       </a:lvl5pPr>
-      <a:lvl6pPr marL="1714500" algn="l" defTabSz="685800" rtl="0" eaLnBrk="1" latinLnBrk="0" hangingPunct="1">
-        <a:defRPr sz="1350" kern="1200">
+      <a:lvl6pPr marL="3810076" algn="l" defTabSz="762015" rtl="0" eaLnBrk="1" latinLnBrk="0" hangingPunct="1">
+        <a:defRPr sz="3000" kern="1200">
           <a:solidFill>
             <a:schemeClr val="tx1"/>
           </a:solidFill>
@@ -2918,8 +8113,8 @@
           <a:cs typeface="+mn-cs"/>
         </a:defRPr>
       </a:lvl6pPr>
-      <a:lvl7pPr marL="2057400" algn="l" defTabSz="685800" rtl="0" eaLnBrk="1" latinLnBrk="0" hangingPunct="1">
-        <a:defRPr sz="1350" kern="1200">
+      <a:lvl7pPr marL="4572091" algn="l" defTabSz="762015" rtl="0" eaLnBrk="1" latinLnBrk="0" hangingPunct="1">
+        <a:defRPr sz="3000" kern="1200">
           <a:solidFill>
             <a:schemeClr val="tx1"/>
           </a:solidFill>
@@ -2928,8 +8123,8 @@
           <a:cs typeface="+mn-cs"/>
         </a:defRPr>
       </a:lvl7pPr>
-      <a:lvl8pPr marL="2400300" algn="l" defTabSz="685800" rtl="0" eaLnBrk="1" latinLnBrk="0" hangingPunct="1">
-        <a:defRPr sz="1350" kern="1200">
+      <a:lvl8pPr marL="5334107" algn="l" defTabSz="762015" rtl="0" eaLnBrk="1" latinLnBrk="0" hangingPunct="1">
+        <a:defRPr sz="3000" kern="1200">
           <a:solidFill>
             <a:schemeClr val="tx1"/>
           </a:solidFill>
@@ -2938,8 +8133,8 @@
           <a:cs typeface="+mn-cs"/>
         </a:defRPr>
       </a:lvl8pPr>
-      <a:lvl9pPr marL="2743200" algn="l" defTabSz="685800" rtl="0" eaLnBrk="1" latinLnBrk="0" hangingPunct="1">
-        <a:defRPr sz="1350" kern="1200">
+      <a:lvl9pPr marL="6096122" algn="l" defTabSz="762015" rtl="0" eaLnBrk="1" latinLnBrk="0" hangingPunct="1">
+        <a:defRPr sz="3000" kern="1200">
           <a:solidFill>
             <a:schemeClr val="tx1"/>
           </a:solidFill>
@@ -2950,11 +8145,16 @@
       </a:lvl9pPr>
     </p:otherStyle>
   </p:txStyles>
+  <p:extLst>
+    <p:ext uri="{27BBF7A9-308A-43DC-89C8-2F10F3537804}">
+      <p15:sldGuideLst xmlns:p15="http://schemas.microsoft.com/office/powerpoint/2012/main"/>
+    </p:ext>
+  </p:extLst>
 </p:sldMaster>
 </file>
 
 <file path=ppt/slides/slide1.xml><?xml version="1.0" encoding="utf-8"?>
-<p:sld xmlns:a="http://schemas.openxmlformats.org/drawingml/2006/main" xmlns:r="http://schemas.openxmlformats.org/officeDocument/2006/relationships" xmlns:p="http://schemas.openxmlformats.org/presentationml/2006/main">
+<p:sld xmlns:a="http://schemas.openxmlformats.org/drawingml/2006/main" xmlns:r="http://schemas.openxmlformats.org/officeDocument/2006/relationships" xmlns:p="http://schemas.openxmlformats.org/presentationml/2006/main" showMasterSp="0">
   <p:cSld>
     <p:spTree>
       <p:nvGrpSpPr>
@@ -2970,12 +8170,281 @@
           <a:chExt cx="0" cy="0"/>
         </a:xfrm>
       </p:grpSpPr>
+      <p:pic>
+        <p:nvPicPr>
+          <p:cNvPr id="25" name="Picture 24" descr="A screenshot of a cell phone&#10;&#10;Description automatically generated">
+            <a:extLst>
+              <a:ext uri="{FF2B5EF4-FFF2-40B4-BE49-F238E27FC236}">
+                <a16:creationId xmlns:a16="http://schemas.microsoft.com/office/drawing/2014/main" id="{69DCAC48-1D10-4075-B12F-D5BB54AB8660}"/>
+              </a:ext>
+            </a:extLst>
+          </p:cNvPr>
+          <p:cNvPicPr>
+            <a:picLocks noChangeAspect="1"/>
+          </p:cNvPicPr>
+          <p:nvPr/>
+        </p:nvPicPr>
+        <p:blipFill rotWithShape="1">
+          <a:blip r:embed="rId3">
+            <a:extLst>
+              <a:ext uri="{28A0092B-C50C-407E-A947-70E740481C1C}">
+                <a14:useLocalDpi xmlns:a14="http://schemas.microsoft.com/office/drawing/2010/main" val="0"/>
+              </a:ext>
+            </a:extLst>
+          </a:blip>
+          <a:srcRect l="5911" t="8381" r="9317"/>
+          <a:stretch/>
+        </p:blipFill>
+        <p:spPr>
+          <a:xfrm>
+            <a:off x="4359888" y="5844412"/>
+            <a:ext cx="5922401" cy="5120564"/>
+          </a:xfrm>
+          <a:prstGeom prst="rect">
+            <a:avLst/>
+          </a:prstGeom>
+        </p:spPr>
+      </p:pic>
+      <p:pic>
+        <p:nvPicPr>
+          <p:cNvPr id="21" name="Picture 20" descr="A screenshot of a cell phone&#10;&#10;Description automatically generated">
+            <a:extLst>
+              <a:ext uri="{FF2B5EF4-FFF2-40B4-BE49-F238E27FC236}">
+                <a16:creationId xmlns:a16="http://schemas.microsoft.com/office/drawing/2014/main" id="{7324F093-860D-47C8-B2E1-FDB99D7849CF}"/>
+              </a:ext>
+            </a:extLst>
+          </p:cNvPr>
+          <p:cNvPicPr>
+            <a:picLocks noChangeAspect="1"/>
+          </p:cNvPicPr>
+          <p:nvPr/>
+        </p:nvPicPr>
+        <p:blipFill rotWithShape="1">
+          <a:blip r:embed="rId4">
+            <a:extLst>
+              <a:ext uri="{28A0092B-C50C-407E-A947-70E740481C1C}">
+                <a14:useLocalDpi xmlns:a14="http://schemas.microsoft.com/office/drawing/2010/main" val="0"/>
+              </a:ext>
+            </a:extLst>
+          </a:blip>
+          <a:srcRect l="6053" t="8381" r="9176"/>
+          <a:stretch/>
+        </p:blipFill>
+        <p:spPr>
+          <a:xfrm>
+            <a:off x="9647250" y="465024"/>
+            <a:ext cx="5922401" cy="5120564"/>
+          </a:xfrm>
+          <a:prstGeom prst="rect">
+            <a:avLst/>
+          </a:prstGeom>
+        </p:spPr>
+      </p:pic>
+      <p:sp>
+        <p:nvSpPr>
+          <p:cNvPr id="5" name="Rectangle 4">
+            <a:extLst>
+              <a:ext uri="{FF2B5EF4-FFF2-40B4-BE49-F238E27FC236}">
+                <a16:creationId xmlns:a16="http://schemas.microsoft.com/office/drawing/2014/main" id="{4277730D-86F3-44F0-808E-08DDF51F7B91}"/>
+              </a:ext>
+            </a:extLst>
+          </p:cNvPr>
+          <p:cNvSpPr/>
+          <p:nvPr/>
+        </p:nvSpPr>
+        <p:spPr>
+          <a:xfrm>
+            <a:off x="0" y="0"/>
+            <a:ext cx="217642" cy="11430000"/>
+          </a:xfrm>
+          <a:prstGeom prst="rect">
+            <a:avLst/>
+          </a:prstGeom>
+          <a:solidFill>
+            <a:schemeClr val="tx2"/>
+          </a:solidFill>
+          <a:ln>
+            <a:noFill/>
+          </a:ln>
+        </p:spPr>
+        <p:style>
+          <a:lnRef idx="2">
+            <a:schemeClr val="accent1">
+              <a:shade val="50000"/>
+            </a:schemeClr>
+          </a:lnRef>
+          <a:fillRef idx="1">
+            <a:schemeClr val="accent1"/>
+          </a:fillRef>
+          <a:effectRef idx="0">
+            <a:schemeClr val="accent1"/>
+          </a:effectRef>
+          <a:fontRef idx="minor">
+            <a:schemeClr val="lt1"/>
+          </a:fontRef>
+        </p:style>
+        <p:txBody>
+          <a:bodyPr rot="0" spcFirstLastPara="0" vertOverflow="overflow" horzOverflow="overflow" vert="horz" wrap="square" lIns="84909" tIns="42454" rIns="84909" bIns="42454" numCol="1" spcCol="0" rtlCol="0" fromWordArt="0" anchor="ctr" anchorCtr="0" forceAA="0" compatLnSpc="1">
+            <a:prstTxWarp prst="textNoShape">
+              <a:avLst/>
+            </a:prstTxWarp>
+            <a:noAutofit/>
+          </a:bodyPr>
+          <a:lstStyle/>
+          <a:p>
+            <a:pPr algn="ctr"/>
+            <a:endParaRPr lang="en-US" sz="1671"/>
+          </a:p>
+        </p:txBody>
+      </p:sp>
+      <p:sp>
+        <p:nvSpPr>
+          <p:cNvPr id="4" name="TextBox 3">
+            <a:extLst>
+              <a:ext uri="{FF2B5EF4-FFF2-40B4-BE49-F238E27FC236}">
+                <a16:creationId xmlns:a16="http://schemas.microsoft.com/office/drawing/2014/main" id="{A2ADB065-CBC1-449E-AD88-F0DF8474BF74}"/>
+              </a:ext>
+            </a:extLst>
+          </p:cNvPr>
+          <p:cNvSpPr txBox="1"/>
+          <p:nvPr/>
+        </p:nvSpPr>
+        <p:spPr>
+          <a:xfrm>
+            <a:off x="231189" y="36984"/>
+            <a:ext cx="6722454" cy="1007071"/>
+          </a:xfrm>
+          <a:prstGeom prst="rect">
+            <a:avLst/>
+          </a:prstGeom>
+          <a:noFill/>
+        </p:spPr>
+        <p:txBody>
+          <a:bodyPr wrap="square" rtlCol="0">
+            <a:spAutoFit/>
+          </a:bodyPr>
+          <a:lstStyle/>
+          <a:p>
+            <a:r>
+              <a:rPr lang="en-US" sz="2972" b="1" dirty="0">
+                <a:solidFill>
+                  <a:srgbClr val="766F54"/>
+                </a:solidFill>
+              </a:rPr>
+              <a:t>Deducing School Schedules based on Daily Contact Frequency</a:t>
+            </a:r>
+          </a:p>
+        </p:txBody>
+      </p:sp>
+      <p:sp>
+        <p:nvSpPr>
+          <p:cNvPr id="10" name="TextBox 9">
+            <a:extLst>
+              <a:ext uri="{FF2B5EF4-FFF2-40B4-BE49-F238E27FC236}">
+                <a16:creationId xmlns:a16="http://schemas.microsoft.com/office/drawing/2014/main" id="{65A70BBB-C2BB-471B-8B58-3C78E1DD6B4D}"/>
+              </a:ext>
+            </a:extLst>
+          </p:cNvPr>
+          <p:cNvSpPr txBox="1"/>
+          <p:nvPr/>
+        </p:nvSpPr>
+        <p:spPr>
+          <a:xfrm>
+            <a:off x="231191" y="5600529"/>
+            <a:ext cx="3429915" cy="5608330"/>
+          </a:xfrm>
+          <a:prstGeom prst="rect">
+            <a:avLst/>
+          </a:prstGeom>
+          <a:noFill/>
+        </p:spPr>
+        <p:txBody>
+          <a:bodyPr wrap="square" rtlCol="0">
+            <a:spAutoFit/>
+          </a:bodyPr>
+          <a:lstStyle/>
+          <a:p>
+            <a:r>
+              <a:rPr lang="en-US" sz="2600" b="1" dirty="0"/>
+              <a:t>Method</a:t>
+            </a:r>
+          </a:p>
+          <a:p>
+            <a:pPr marL="265347" indent="-265347">
+              <a:lnSpc>
+                <a:spcPct val="150000"/>
+              </a:lnSpc>
+              <a:buFont typeface="Arial" panose="020B0604020202020204" pitchFamily="34" charset="0"/>
+              <a:buChar char="•"/>
+            </a:pPr>
+            <a:r>
+              <a:rPr lang="en-US" sz="1857" b="1" dirty="0"/>
+              <a:t>This data was collected in 2013 using sensors in badges that the students wore throughout the day.</a:t>
+            </a:r>
+          </a:p>
+          <a:p>
+            <a:pPr marL="265347" indent="-265347">
+              <a:lnSpc>
+                <a:spcPct val="150000"/>
+              </a:lnSpc>
+              <a:buFont typeface="Arial" panose="020B0604020202020204" pitchFamily="34" charset="0"/>
+              <a:buChar char="•"/>
+            </a:pPr>
+            <a:r>
+              <a:rPr lang="en-US" sz="1857" b="1" dirty="0"/>
+              <a:t>Mapped interaction frequency throughout the day</a:t>
+            </a:r>
+          </a:p>
+          <a:p>
+            <a:pPr marL="265347" indent="-265347">
+              <a:lnSpc>
+                <a:spcPct val="150000"/>
+              </a:lnSpc>
+              <a:buFont typeface="Arial" panose="020B0604020202020204" pitchFamily="34" charset="0"/>
+              <a:buChar char="•"/>
+            </a:pPr>
+            <a:r>
+              <a:rPr lang="en-US" sz="1857" b="1" dirty="0"/>
+              <a:t>Filtered data through other statistics:</a:t>
+            </a:r>
+          </a:p>
+          <a:p>
+            <a:pPr marL="689903" lvl="1" indent="-265347">
+              <a:lnSpc>
+                <a:spcPct val="150000"/>
+              </a:lnSpc>
+              <a:buFont typeface="Arial" panose="020B0604020202020204" pitchFamily="34" charset="0"/>
+              <a:buChar char="•"/>
+            </a:pPr>
+            <a:r>
+              <a:rPr lang="en-US" sz="1857" b="1" dirty="0"/>
+              <a:t>Friendship status</a:t>
+            </a:r>
+          </a:p>
+          <a:p>
+            <a:pPr marL="689903" lvl="1" indent="-265347">
+              <a:lnSpc>
+                <a:spcPct val="150000"/>
+              </a:lnSpc>
+              <a:buFont typeface="Arial" panose="020B0604020202020204" pitchFamily="34" charset="0"/>
+              <a:buChar char="•"/>
+            </a:pPr>
+            <a:r>
+              <a:rPr lang="en-US" sz="1857" b="1" dirty="0"/>
+              <a:t>Class </a:t>
+            </a:r>
+          </a:p>
+          <a:p>
+            <a:endParaRPr lang="en-US" sz="2600" b="1" dirty="0"/>
+          </a:p>
+        </p:txBody>
+      </p:sp>
       <p:grpSp>
         <p:nvGrpSpPr>
-          <p:cNvPr id="7" name="Group 6">
+          <p:cNvPr id="15" name="Group 14">
             <a:extLst>
               <a:ext uri="{FF2B5EF4-FFF2-40B4-BE49-F238E27FC236}">
-                <a16:creationId xmlns:a16="http://schemas.microsoft.com/office/drawing/2014/main" id="{DEEF1F91-4C57-4D03-AAD3-E40F9268E8BE}"/>
+                <a16:creationId xmlns:a16="http://schemas.microsoft.com/office/drawing/2014/main" id="{165D4D92-3BF3-460A-B3A5-C1B2868BAD9B}"/>
               </a:ext>
             </a:extLst>
           </p:cNvPr>
@@ -2984,109 +8453,229 @@
         </p:nvGrpSpPr>
         <p:grpSpPr>
           <a:xfrm>
-            <a:off x="1709853" y="0"/>
-            <a:ext cx="4409243" cy="5715000"/>
-            <a:chOff x="0" y="-571499"/>
-            <a:chExt cx="5291092" cy="6858000"/>
+            <a:off x="0" y="1044055"/>
+            <a:ext cx="3237759" cy="839541"/>
+            <a:chOff x="-12955" y="1227020"/>
+            <a:chExt cx="3486817" cy="904121"/>
           </a:xfrm>
         </p:grpSpPr>
-        <p:pic>
-          <p:nvPicPr>
-            <p:cNvPr id="4" name="Picture 3">
+        <p:grpSp>
+          <p:nvGrpSpPr>
+            <p:cNvPr id="12" name="Group 11">
               <a:extLst>
                 <a:ext uri="{FF2B5EF4-FFF2-40B4-BE49-F238E27FC236}">
-                  <a16:creationId xmlns:a16="http://schemas.microsoft.com/office/drawing/2014/main" id="{31CD5894-4DBF-4151-B535-733F8B6371F7}"/>
+                  <a16:creationId xmlns:a16="http://schemas.microsoft.com/office/drawing/2014/main" id="{A609A8E3-9BB4-43F3-9A95-B08590151F5A}"/>
                 </a:ext>
               </a:extLst>
             </p:cNvPr>
-            <p:cNvPicPr>
-              <a:picLocks noChangeAspect="1"/>
-            </p:cNvPicPr>
+            <p:cNvGrpSpPr/>
             <p:nvPr/>
-          </p:nvPicPr>
-          <p:blipFill>
-            <a:blip r:embed="rId2"/>
-            <a:stretch>
-              <a:fillRect/>
-            </a:stretch>
-          </p:blipFill>
+          </p:nvGrpSpPr>
+          <p:grpSpPr>
+            <a:xfrm>
+              <a:off x="0" y="1227020"/>
+              <a:ext cx="3473862" cy="904121"/>
+              <a:chOff x="0" y="1132623"/>
+              <a:chExt cx="2493399" cy="904121"/>
+            </a:xfrm>
+          </p:grpSpPr>
+          <p:sp>
+            <p:nvSpPr>
+              <p:cNvPr id="7" name="Rectangle 6">
+                <a:extLst>
+                  <a:ext uri="{FF2B5EF4-FFF2-40B4-BE49-F238E27FC236}">
+                    <a16:creationId xmlns:a16="http://schemas.microsoft.com/office/drawing/2014/main" id="{0DB06877-ACD7-4F90-99EB-4FA0BC7D2A7D}"/>
+                  </a:ext>
+                </a:extLst>
+              </p:cNvPr>
+              <p:cNvSpPr/>
+              <p:nvPr/>
+            </p:nvSpPr>
+            <p:spPr>
+              <a:xfrm>
+                <a:off x="0" y="1132625"/>
+                <a:ext cx="2036834" cy="904119"/>
+              </a:xfrm>
+              <a:prstGeom prst="rect">
+                <a:avLst/>
+              </a:prstGeom>
+              <a:ln>
+                <a:noFill/>
+              </a:ln>
+            </p:spPr>
+            <p:style>
+              <a:lnRef idx="2">
+                <a:schemeClr val="accent1">
+                  <a:shade val="50000"/>
+                </a:schemeClr>
+              </a:lnRef>
+              <a:fillRef idx="1">
+                <a:schemeClr val="accent1"/>
+              </a:fillRef>
+              <a:effectRef idx="0">
+                <a:schemeClr val="accent1"/>
+              </a:effectRef>
+              <a:fontRef idx="minor">
+                <a:schemeClr val="lt1"/>
+              </a:fontRef>
+            </p:style>
+            <p:txBody>
+              <a:bodyPr rot="0" spcFirstLastPara="0" vertOverflow="overflow" horzOverflow="overflow" vert="horz" wrap="square" lIns="84909" tIns="42454" rIns="84909" bIns="42454" numCol="1" spcCol="0" rtlCol="0" fromWordArt="0" anchor="ctr" anchorCtr="0" forceAA="0" compatLnSpc="1">
+                <a:prstTxWarp prst="textNoShape">
+                  <a:avLst/>
+                </a:prstTxWarp>
+                <a:noAutofit/>
+              </a:bodyPr>
+              <a:lstStyle/>
+              <a:p>
+                <a:pPr algn="ctr"/>
+                <a:endParaRPr lang="en-US" sz="1671"/>
+              </a:p>
+            </p:txBody>
+          </p:sp>
+          <p:sp>
+            <p:nvSpPr>
+              <p:cNvPr id="11" name="Isosceles Triangle 10">
+                <a:extLst>
+                  <a:ext uri="{FF2B5EF4-FFF2-40B4-BE49-F238E27FC236}">
+                    <a16:creationId xmlns:a16="http://schemas.microsoft.com/office/drawing/2014/main" id="{B707C04C-1A0B-4BAD-85E6-76D7E0167858}"/>
+                  </a:ext>
+                </a:extLst>
+              </p:cNvPr>
+              <p:cNvSpPr/>
+              <p:nvPr/>
+            </p:nvSpPr>
+            <p:spPr>
+              <a:xfrm rot="5400000">
+                <a:off x="1812108" y="1355454"/>
+                <a:ext cx="904121" cy="458460"/>
+              </a:xfrm>
+              <a:prstGeom prst="triangle">
+                <a:avLst/>
+              </a:prstGeom>
+              <a:solidFill>
+                <a:schemeClr val="accent1"/>
+              </a:solidFill>
+              <a:ln>
+                <a:noFill/>
+              </a:ln>
+            </p:spPr>
+            <p:style>
+              <a:lnRef idx="2">
+                <a:schemeClr val="accent1">
+                  <a:shade val="50000"/>
+                </a:schemeClr>
+              </a:lnRef>
+              <a:fillRef idx="1">
+                <a:schemeClr val="accent1"/>
+              </a:fillRef>
+              <a:effectRef idx="0">
+                <a:schemeClr val="accent1"/>
+              </a:effectRef>
+              <a:fontRef idx="minor">
+                <a:schemeClr val="lt1"/>
+              </a:fontRef>
+            </p:style>
+            <p:txBody>
+              <a:bodyPr rot="0" spcFirstLastPara="0" vertOverflow="overflow" horzOverflow="overflow" vert="horz" wrap="square" lIns="84909" tIns="42454" rIns="84909" bIns="42454" numCol="1" spcCol="0" rtlCol="0" fromWordArt="0" anchor="ctr" anchorCtr="0" forceAA="0" compatLnSpc="1">
+                <a:prstTxWarp prst="textNoShape">
+                  <a:avLst/>
+                </a:prstTxWarp>
+                <a:noAutofit/>
+              </a:bodyPr>
+              <a:lstStyle/>
+              <a:p>
+                <a:pPr algn="ctr"/>
+                <a:endParaRPr lang="en-US" sz="1671"/>
+              </a:p>
+            </p:txBody>
+          </p:sp>
+        </p:grpSp>
+        <p:sp>
+          <p:nvSpPr>
+            <p:cNvPr id="9" name="TextBox 8">
+              <a:extLst>
+                <a:ext uri="{FF2B5EF4-FFF2-40B4-BE49-F238E27FC236}">
+                  <a16:creationId xmlns:a16="http://schemas.microsoft.com/office/drawing/2014/main" id="{12FEE06D-F4FA-4704-80F4-1BAFACF88559}"/>
+                </a:ext>
+              </a:extLst>
+            </p:cNvPr>
+            <p:cNvSpPr txBox="1"/>
+            <p:nvPr/>
+          </p:nvSpPr>
           <p:spPr>
             <a:xfrm>
-              <a:off x="0" y="-571499"/>
-              <a:ext cx="5187066" cy="2308194"/>
+              <a:off x="-11742" y="1259288"/>
+              <a:ext cx="3183857" cy="438000"/>
             </a:xfrm>
             <a:prstGeom prst="rect">
               <a:avLst/>
             </a:prstGeom>
+            <a:noFill/>
           </p:spPr>
-        </p:pic>
-        <p:pic>
-          <p:nvPicPr>
-            <p:cNvPr id="5" name="Picture 4">
+          <p:txBody>
+            <a:bodyPr wrap="square" rtlCol="0">
+              <a:spAutoFit/>
+            </a:bodyPr>
+            <a:lstStyle/>
+            <a:p>
+              <a:r>
+                <a:rPr lang="en-US" sz="2043" dirty="0">
+                  <a:solidFill>
+                    <a:schemeClr val="bg1"/>
+                  </a:solidFill>
+                </a:rPr>
+                <a:t>By Delaynie McMillan</a:t>
+              </a:r>
+            </a:p>
+          </p:txBody>
+        </p:sp>
+        <p:sp>
+          <p:nvSpPr>
+            <p:cNvPr id="13" name="TextBox 12">
               <a:extLst>
                 <a:ext uri="{FF2B5EF4-FFF2-40B4-BE49-F238E27FC236}">
-                  <a16:creationId xmlns:a16="http://schemas.microsoft.com/office/drawing/2014/main" id="{F911D3E1-41F0-430E-A599-21F0AFEAE0C8}"/>
+                  <a16:creationId xmlns:a16="http://schemas.microsoft.com/office/drawing/2014/main" id="{DCFD9279-2063-4C28-A2EE-A1CED9626D47}"/>
                 </a:ext>
               </a:extLst>
             </p:cNvPr>
-            <p:cNvPicPr>
-              <a:picLocks noChangeAspect="1"/>
-            </p:cNvPicPr>
+            <p:cNvSpPr txBox="1"/>
             <p:nvPr/>
-          </p:nvPicPr>
-          <p:blipFill>
-            <a:blip r:embed="rId3"/>
-            <a:stretch>
-              <a:fillRect/>
-            </a:stretch>
-          </p:blipFill>
+          </p:nvSpPr>
           <p:spPr>
             <a:xfrm>
-              <a:off x="1" y="1736696"/>
-              <a:ext cx="5291091" cy="2285625"/>
+              <a:off x="-12955" y="1724493"/>
+              <a:ext cx="2837764" cy="345676"/>
             </a:xfrm>
             <a:prstGeom prst="rect">
               <a:avLst/>
             </a:prstGeom>
+            <a:noFill/>
           </p:spPr>
-        </p:pic>
-        <p:pic>
-          <p:nvPicPr>
-            <p:cNvPr id="6" name="Picture 5">
-              <a:extLst>
-                <a:ext uri="{FF2B5EF4-FFF2-40B4-BE49-F238E27FC236}">
-                  <a16:creationId xmlns:a16="http://schemas.microsoft.com/office/drawing/2014/main" id="{34BBA009-4618-4DE8-BB39-952296CA11C1}"/>
-                </a:ext>
-              </a:extLst>
-            </p:cNvPr>
-            <p:cNvPicPr>
-              <a:picLocks noChangeAspect="1"/>
-            </p:cNvPicPr>
-            <p:nvPr/>
-          </p:nvPicPr>
-          <p:blipFill>
-            <a:blip r:embed="rId4"/>
-            <a:stretch>
-              <a:fillRect/>
-            </a:stretch>
-          </p:blipFill>
-          <p:spPr>
-            <a:xfrm>
-              <a:off x="52012" y="4006640"/>
-              <a:ext cx="5187066" cy="2279861"/>
-            </a:xfrm>
-            <a:prstGeom prst="rect">
-              <a:avLst/>
-            </a:prstGeom>
-          </p:spPr>
-        </p:pic>
+          <p:txBody>
+            <a:bodyPr wrap="square" rtlCol="0">
+              <a:spAutoFit/>
+            </a:bodyPr>
+            <a:lstStyle/>
+            <a:p>
+              <a:r>
+                <a:rPr lang="en-US" sz="1486" dirty="0">
+                  <a:solidFill>
+                    <a:schemeClr val="bg1"/>
+                  </a:solidFill>
+                </a:rPr>
+                <a:t>Tuesday, 25 August 2020</a:t>
+              </a:r>
+            </a:p>
+          </p:txBody>
+        </p:sp>
       </p:grpSp>
       <p:sp>
         <p:nvSpPr>
-          <p:cNvPr id="8" name="TextBox 7">
+          <p:cNvPr id="16" name="TextBox 15">
             <a:extLst>
               <a:ext uri="{FF2B5EF4-FFF2-40B4-BE49-F238E27FC236}">
-                <a16:creationId xmlns:a16="http://schemas.microsoft.com/office/drawing/2014/main" id="{F654B674-22B1-4DFF-909D-1DED2401E560}"/>
+                <a16:creationId xmlns:a16="http://schemas.microsoft.com/office/drawing/2014/main" id="{DC099D53-AF64-4FE2-8863-62E218116D41}"/>
               </a:ext>
             </a:extLst>
           </p:cNvPr>
@@ -3095,8 +8684,8 @@
         </p:nvSpPr>
         <p:spPr>
           <a:xfrm>
-            <a:off x="0" y="690837"/>
-            <a:ext cx="1873404" cy="3693319"/>
+            <a:off x="249838" y="2417787"/>
+            <a:ext cx="3512441" cy="3210431"/>
           </a:xfrm>
           <a:prstGeom prst="rect">
             <a:avLst/>
@@ -3109,34 +8698,119 @@
           </a:bodyPr>
           <a:lstStyle/>
           <a:p>
+            <a:pPr>
+              <a:lnSpc>
+                <a:spcPct val="150000"/>
+              </a:lnSpc>
+            </a:pPr>
             <a:r>
-              <a:rPr lang="en-US" dirty="0"/>
-              <a:t>Histograms of pairs per amount of times in contact</a:t>
+              <a:rPr lang="en-US" sz="2600" b="1" dirty="0"/>
+              <a:t>Introduction</a:t>
             </a:r>
           </a:p>
           <a:p>
-            <a:endParaRPr lang="en-US" dirty="0"/>
-          </a:p>
-          <a:p>
+            <a:pPr>
+              <a:lnSpc>
+                <a:spcPct val="150000"/>
+              </a:lnSpc>
+            </a:pPr>
             <a:r>
-              <a:rPr lang="en-US" dirty="0"/>
-              <a:t>X-axis: the number interactions</a:t>
+              <a:rPr lang="en-US" sz="1857" b="1" dirty="0"/>
+              <a:t>The goal of this investigation was to examine frequency of interaction between students, and how it is affected by friendships and classes.</a:t>
             </a:r>
           </a:p>
-          <a:p>
-            <a:r>
-              <a:rPr lang="en-US" dirty="0"/>
-              <a:t>Y-axis: frequency, the number of pairs that interacted that much</a:t>
-            </a:r>
-          </a:p>
-        </p:txBody>
-      </p:sp>
-      <p:sp>
-        <p:nvSpPr>
-          <p:cNvPr id="9" name="TextBox 8">
+        </p:txBody>
+      </p:sp>
+      <p:pic>
+        <p:nvPicPr>
+          <p:cNvPr id="33" name="Picture 32" descr="A screenshot of a cell phone&#10;&#10;Description automatically generated">
             <a:extLst>
               <a:ext uri="{FF2B5EF4-FFF2-40B4-BE49-F238E27FC236}">
-                <a16:creationId xmlns:a16="http://schemas.microsoft.com/office/drawing/2014/main" id="{CA1FCFA3-82CE-4D52-8026-05735B971861}"/>
+                <a16:creationId xmlns:a16="http://schemas.microsoft.com/office/drawing/2014/main" id="{D5504956-FBCF-4D63-8EC0-D086D823B7CF}"/>
+              </a:ext>
+            </a:extLst>
+          </p:cNvPr>
+          <p:cNvPicPr>
+            <a:picLocks noChangeAspect="1"/>
+          </p:cNvPicPr>
+          <p:nvPr/>
+        </p:nvPicPr>
+        <p:blipFill rotWithShape="1">
+          <a:blip r:embed="rId5">
+            <a:extLst>
+              <a:ext uri="{28A0092B-C50C-407E-A947-70E740481C1C}">
+                <a14:useLocalDpi xmlns:a14="http://schemas.microsoft.com/office/drawing/2010/main" val="0"/>
+              </a:ext>
+            </a:extLst>
+          </a:blip>
+          <a:srcRect l="6051" t="8381" r="9176"/>
+          <a:stretch/>
+        </p:blipFill>
+        <p:spPr>
+          <a:xfrm>
+            <a:off x="15335211" y="5844412"/>
+            <a:ext cx="5922401" cy="5120564"/>
+          </a:xfrm>
+          <a:prstGeom prst="rect">
+            <a:avLst/>
+          </a:prstGeom>
+        </p:spPr>
+      </p:pic>
+      <p:cxnSp>
+        <p:nvCxnSpPr>
+          <p:cNvPr id="35" name="Straight Arrow Connector 34">
+            <a:extLst>
+              <a:ext uri="{FF2B5EF4-FFF2-40B4-BE49-F238E27FC236}">
+                <a16:creationId xmlns:a16="http://schemas.microsoft.com/office/drawing/2014/main" id="{5F19EFB6-FB1E-43E4-AD7F-2A497CA314F6}"/>
+              </a:ext>
+            </a:extLst>
+          </p:cNvPr>
+          <p:cNvCxnSpPr>
+            <a:cxnSpLocks/>
+          </p:cNvCxnSpPr>
+          <p:nvPr/>
+        </p:nvCxnSpPr>
+        <p:spPr>
+          <a:xfrm>
+            <a:off x="5721409" y="3948030"/>
+            <a:ext cx="478103" cy="2452770"/>
+          </a:xfrm>
+          <a:prstGeom prst="straightConnector1">
+            <a:avLst/>
+          </a:prstGeom>
+          <a:ln w="38100" cap="flat" cmpd="sng" algn="ctr">
+            <a:solidFill>
+              <a:schemeClr val="accent2">
+                <a:lumMod val="50000"/>
+              </a:schemeClr>
+            </a:solidFill>
+            <a:prstDash val="solid"/>
+            <a:round/>
+            <a:headEnd type="none" w="med" len="med"/>
+            <a:tailEnd type="arrow" w="med" len="med"/>
+          </a:ln>
+        </p:spPr>
+        <p:style>
+          <a:lnRef idx="0">
+            <a:scrgbClr r="0" g="0" b="0"/>
+          </a:lnRef>
+          <a:fillRef idx="0">
+            <a:scrgbClr r="0" g="0" b="0"/>
+          </a:fillRef>
+          <a:effectRef idx="0">
+            <a:scrgbClr r="0" g="0" b="0"/>
+          </a:effectRef>
+          <a:fontRef idx="minor">
+            <a:schemeClr val="tx1"/>
+          </a:fontRef>
+        </p:style>
+      </p:cxnSp>
+      <p:sp>
+        <p:nvSpPr>
+          <p:cNvPr id="50" name="TextBox 49">
+            <a:extLst>
+              <a:ext uri="{FF2B5EF4-FFF2-40B4-BE49-F238E27FC236}">
+                <a16:creationId xmlns:a16="http://schemas.microsoft.com/office/drawing/2014/main" id="{AAE843F5-2695-4D8C-ABF0-607180960ED7}"/>
               </a:ext>
             </a:extLst>
           </p:cNvPr>
@@ -3145,8 +8819,8 @@
         </p:nvSpPr>
         <p:spPr>
           <a:xfrm>
-            <a:off x="6119096" y="163551"/>
-            <a:ext cx="2809314" cy="1384995"/>
+            <a:off x="4398431" y="2676611"/>
+            <a:ext cx="2635067" cy="1200329"/>
           </a:xfrm>
           <a:prstGeom prst="rect">
             <a:avLst/>
@@ -3160,33 +8834,125 @@
           <a:lstStyle/>
           <a:p>
             <a:r>
-              <a:rPr lang="en-US" sz="1200" dirty="0"/>
-              <a:t>Non-friend interactions</a:t>
+              <a:rPr lang="en-US" sz="2400" b="1" dirty="0">
+                <a:solidFill>
+                  <a:schemeClr val="accent2">
+                    <a:lumMod val="50000"/>
+                  </a:schemeClr>
+                </a:solidFill>
+              </a:rPr>
+              <a:t>30-minute long break time at 10AM</a:t>
             </a:r>
           </a:p>
-          <a:p>
-            <a:endParaRPr lang="en-US" sz="1200" dirty="0"/>
-          </a:p>
-          <a:p>
-            <a:r>
-              <a:rPr lang="en-US" sz="1200" dirty="0"/>
-              <a:t>Overall, there are a lot of pairs that interact but aren’t reported friendships with each other.</a:t>
-            </a:r>
-          </a:p>
-          <a:p>
-            <a:r>
-              <a:rPr lang="en-US" sz="1200" dirty="0"/>
-              <a:t>Most of these pairs have less than 125 interactions.</a:t>
-            </a:r>
-          </a:p>
-        </p:txBody>
-      </p:sp>
-      <p:sp>
-        <p:nvSpPr>
-          <p:cNvPr id="10" name="TextBox 9">
+        </p:txBody>
+      </p:sp>
+      <p:cxnSp>
+        <p:nvCxnSpPr>
+          <p:cNvPr id="55" name="Straight Arrow Connector 54">
             <a:extLst>
               <a:ext uri="{FF2B5EF4-FFF2-40B4-BE49-F238E27FC236}">
-                <a16:creationId xmlns:a16="http://schemas.microsoft.com/office/drawing/2014/main" id="{E7DBBF78-4C7D-4B38-9741-5C6BC7744521}"/>
+                <a16:creationId xmlns:a16="http://schemas.microsoft.com/office/drawing/2014/main" id="{AF726E28-67D2-4BCC-8E45-E80F71BE2C33}"/>
+              </a:ext>
+            </a:extLst>
+          </p:cNvPr>
+          <p:cNvCxnSpPr>
+            <a:cxnSpLocks/>
+          </p:cNvCxnSpPr>
+          <p:nvPr/>
+        </p:nvCxnSpPr>
+        <p:spPr>
+          <a:xfrm>
+            <a:off x="7917378" y="2541181"/>
+            <a:ext cx="905706" cy="5260366"/>
+          </a:xfrm>
+          <a:prstGeom prst="straightConnector1">
+            <a:avLst/>
+          </a:prstGeom>
+          <a:ln w="38100" cap="flat" cmpd="sng" algn="ctr">
+            <a:solidFill>
+              <a:schemeClr val="accent2">
+                <a:lumMod val="50000"/>
+              </a:schemeClr>
+            </a:solidFill>
+            <a:prstDash val="solid"/>
+            <a:round/>
+            <a:headEnd type="none" w="med" len="med"/>
+            <a:tailEnd type="arrow" w="med" len="med"/>
+          </a:ln>
+        </p:spPr>
+        <p:style>
+          <a:lnRef idx="0">
+            <a:scrgbClr r="0" g="0" b="0"/>
+          </a:lnRef>
+          <a:fillRef idx="0">
+            <a:scrgbClr r="0" g="0" b="0"/>
+          </a:fillRef>
+          <a:effectRef idx="0">
+            <a:scrgbClr r="0" g="0" b="0"/>
+          </a:effectRef>
+          <a:fontRef idx="minor">
+            <a:schemeClr val="tx1"/>
+          </a:fontRef>
+        </p:style>
+      </p:cxnSp>
+      <p:sp>
+        <p:nvSpPr>
+          <p:cNvPr id="57" name="Left Brace 56">
+            <a:extLst>
+              <a:ext uri="{FF2B5EF4-FFF2-40B4-BE49-F238E27FC236}">
+                <a16:creationId xmlns:a16="http://schemas.microsoft.com/office/drawing/2014/main" id="{C0D65758-6ABA-4D26-BFCB-42A84CB97415}"/>
+              </a:ext>
+            </a:extLst>
+          </p:cNvPr>
+          <p:cNvSpPr/>
+          <p:nvPr/>
+        </p:nvSpPr>
+        <p:spPr>
+          <a:xfrm rot="5400000">
+            <a:off x="8574357" y="7144569"/>
+            <a:ext cx="497455" cy="1811412"/>
+          </a:xfrm>
+          <a:prstGeom prst="leftBrace">
+            <a:avLst/>
+          </a:prstGeom>
+          <a:noFill/>
+          <a:ln w="38100">
+            <a:solidFill>
+              <a:schemeClr val="accent2">
+                <a:lumMod val="50000"/>
+              </a:schemeClr>
+            </a:solidFill>
+          </a:ln>
+        </p:spPr>
+        <p:style>
+          <a:lnRef idx="1">
+            <a:schemeClr val="accent1"/>
+          </a:lnRef>
+          <a:fillRef idx="0">
+            <a:schemeClr val="accent1"/>
+          </a:fillRef>
+          <a:effectRef idx="0">
+            <a:schemeClr val="accent1"/>
+          </a:effectRef>
+          <a:fontRef idx="minor">
+            <a:schemeClr val="tx1"/>
+          </a:fontRef>
+        </p:style>
+        <p:txBody>
+          <a:bodyPr rtlCol="0" anchor="ctr"/>
+          <a:lstStyle/>
+          <a:p>
+            <a:pPr algn="ctr"/>
+            <a:endParaRPr lang="en-US"/>
+          </a:p>
+        </p:txBody>
+      </p:sp>
+      <p:sp>
+        <p:nvSpPr>
+          <p:cNvPr id="59" name="TextBox 58">
+            <a:extLst>
+              <a:ext uri="{FF2B5EF4-FFF2-40B4-BE49-F238E27FC236}">
+                <a16:creationId xmlns:a16="http://schemas.microsoft.com/office/drawing/2014/main" id="{6CFB3584-ABB0-4033-B7A6-024B5E9FE886}"/>
               </a:ext>
             </a:extLst>
           </p:cNvPr>
@@ -3195,8 +8961,8 @@
         </p:nvSpPr>
         <p:spPr>
           <a:xfrm>
-            <a:off x="6029489" y="1923495"/>
-            <a:ext cx="2809314" cy="1200329"/>
+            <a:off x="5931366" y="1217458"/>
+            <a:ext cx="3435692" cy="1200329"/>
           </a:xfrm>
           <a:prstGeom prst="rect">
             <a:avLst/>
@@ -3210,33 +8976,122 @@
           <a:lstStyle/>
           <a:p>
             <a:r>
-              <a:rPr lang="en-US" sz="1200" dirty="0"/>
-              <a:t>One-friend interactions</a:t>
+              <a:rPr lang="en-US" sz="2400" b="1" dirty="0">
+                <a:solidFill>
+                  <a:schemeClr val="accent2">
+                    <a:lumMod val="50000"/>
+                  </a:schemeClr>
+                </a:solidFill>
+              </a:rPr>
+              <a:t>Decline in interactions at the end of the day</a:t>
             </a:r>
           </a:p>
-          <a:p>
-            <a:endParaRPr lang="en-US" sz="1200" dirty="0"/>
-          </a:p>
-          <a:p>
-            <a:r>
-              <a:rPr lang="en-US" sz="1200" dirty="0"/>
-              <a:t>This group has the fewest amount of pairs.</a:t>
-            </a:r>
-          </a:p>
-          <a:p>
-            <a:r>
-              <a:rPr lang="en-US" sz="1200" dirty="0"/>
-              <a:t>Most of these pairs have less than 60 interactions.</a:t>
-            </a:r>
-          </a:p>
-        </p:txBody>
-      </p:sp>
-      <p:sp>
-        <p:nvSpPr>
-          <p:cNvPr id="11" name="TextBox 10">
+        </p:txBody>
+      </p:sp>
+      <p:cxnSp>
+        <p:nvCxnSpPr>
+          <p:cNvPr id="62" name="Straight Arrow Connector 61">
             <a:extLst>
               <a:ext uri="{FF2B5EF4-FFF2-40B4-BE49-F238E27FC236}">
-                <a16:creationId xmlns:a16="http://schemas.microsoft.com/office/drawing/2014/main" id="{B72DAC47-276C-4535-8050-32EC069B792B}"/>
+                <a16:creationId xmlns:a16="http://schemas.microsoft.com/office/drawing/2014/main" id="{C76D5ACC-1358-403B-861E-F22563237894}"/>
+              </a:ext>
+            </a:extLst>
+          </p:cNvPr>
+          <p:cNvCxnSpPr>
+            <a:cxnSpLocks/>
+          </p:cNvCxnSpPr>
+          <p:nvPr/>
+        </p:nvCxnSpPr>
+        <p:spPr>
+          <a:xfrm flipH="1" flipV="1">
+            <a:off x="10882690" y="4438789"/>
+            <a:ext cx="369744" cy="3105011"/>
+          </a:xfrm>
+          <a:prstGeom prst="straightConnector1">
+            <a:avLst/>
+          </a:prstGeom>
+          <a:ln w="38100" cap="flat" cmpd="sng" algn="ctr">
+            <a:solidFill>
+              <a:schemeClr val="accent3">
+                <a:lumMod val="50000"/>
+              </a:schemeClr>
+            </a:solidFill>
+            <a:prstDash val="solid"/>
+            <a:round/>
+            <a:headEnd type="none" w="med" len="med"/>
+            <a:tailEnd type="arrow" w="med" len="med"/>
+          </a:ln>
+        </p:spPr>
+        <p:style>
+          <a:lnRef idx="0">
+            <a:scrgbClr r="0" g="0" b="0"/>
+          </a:lnRef>
+          <a:fillRef idx="0">
+            <a:scrgbClr r="0" g="0" b="0"/>
+          </a:fillRef>
+          <a:effectRef idx="0">
+            <a:scrgbClr r="0" g="0" b="0"/>
+          </a:effectRef>
+          <a:fontRef idx="minor">
+            <a:schemeClr val="tx1"/>
+          </a:fontRef>
+        </p:style>
+      </p:cxnSp>
+      <p:cxnSp>
+        <p:nvCxnSpPr>
+          <p:cNvPr id="65" name="Straight Arrow Connector 64">
+            <a:extLst>
+              <a:ext uri="{FF2B5EF4-FFF2-40B4-BE49-F238E27FC236}">
+                <a16:creationId xmlns:a16="http://schemas.microsoft.com/office/drawing/2014/main" id="{E7DCF19B-F8E9-4940-B46E-FFF37DA73720}"/>
+              </a:ext>
+            </a:extLst>
+          </p:cNvPr>
+          <p:cNvCxnSpPr>
+            <a:cxnSpLocks/>
+          </p:cNvCxnSpPr>
+          <p:nvPr/>
+        </p:nvCxnSpPr>
+        <p:spPr>
+          <a:xfrm flipV="1">
+            <a:off x="11067562" y="4438789"/>
+            <a:ext cx="868817" cy="1552505"/>
+          </a:xfrm>
+          <a:prstGeom prst="straightConnector1">
+            <a:avLst/>
+          </a:prstGeom>
+          <a:ln w="38100" cap="flat" cmpd="sng" algn="ctr">
+            <a:solidFill>
+              <a:schemeClr val="accent3">
+                <a:lumMod val="50000"/>
+              </a:schemeClr>
+            </a:solidFill>
+            <a:prstDash val="solid"/>
+            <a:round/>
+            <a:headEnd type="none" w="med" len="med"/>
+            <a:tailEnd type="arrow" w="med" len="med"/>
+          </a:ln>
+        </p:spPr>
+        <p:style>
+          <a:lnRef idx="0">
+            <a:scrgbClr r="0" g="0" b="0"/>
+          </a:lnRef>
+          <a:fillRef idx="0">
+            <a:scrgbClr r="0" g="0" b="0"/>
+          </a:fillRef>
+          <a:effectRef idx="0">
+            <a:scrgbClr r="0" g="0" b="0"/>
+          </a:effectRef>
+          <a:fontRef idx="minor">
+            <a:schemeClr val="tx1"/>
+          </a:fontRef>
+        </p:style>
+      </p:cxnSp>
+      <p:sp>
+        <p:nvSpPr>
+          <p:cNvPr id="70" name="TextBox 69">
+            <a:extLst>
+              <a:ext uri="{FF2B5EF4-FFF2-40B4-BE49-F238E27FC236}">
+                <a16:creationId xmlns:a16="http://schemas.microsoft.com/office/drawing/2014/main" id="{A53331A0-BC3F-43DF-8240-1BA8D14EE28D}"/>
               </a:ext>
             </a:extLst>
           </p:cNvPr>
@@ -3245,8 +9100,8 @@
         </p:nvSpPr>
         <p:spPr>
           <a:xfrm>
-            <a:off x="6119096" y="3815116"/>
-            <a:ext cx="2809314" cy="830997"/>
+            <a:off x="10668362" y="7643688"/>
+            <a:ext cx="3424423" cy="1200329"/>
           </a:xfrm>
           <a:prstGeom prst="rect">
             <a:avLst/>
@@ -3260,168 +9115,24 @@
           <a:lstStyle/>
           <a:p>
             <a:r>
-              <a:rPr lang="en-US" sz="1200" dirty="0"/>
-              <a:t>Mutual-friend interactions</a:t>
+              <a:rPr lang="en-US" sz="2400" b="1" dirty="0">
+                <a:solidFill>
+                  <a:schemeClr val="accent3">
+                    <a:lumMod val="50000"/>
+                  </a:schemeClr>
+                </a:solidFill>
+              </a:rPr>
+              <a:t>Class time in the morning, few outside-class interactions</a:t>
             </a:r>
           </a:p>
-          <a:p>
-            <a:endParaRPr lang="en-US" sz="1200" dirty="0"/>
-          </a:p>
-          <a:p>
-            <a:r>
-              <a:rPr lang="en-US" sz="1200" dirty="0"/>
-              <a:t>The data is tightly clustered between 1 and 40 interactions.</a:t>
-            </a:r>
-          </a:p>
-        </p:txBody>
-      </p:sp>
-    </p:spTree>
-    <p:extLst>
-      <p:ext uri="{BB962C8B-B14F-4D97-AF65-F5344CB8AC3E}">
-        <p14:creationId xmlns:p14="http://schemas.microsoft.com/office/powerpoint/2010/main" val="2732471736"/>
-      </p:ext>
-    </p:extLst>
-  </p:cSld>
-  <p:clrMapOvr>
-    <a:masterClrMapping/>
-  </p:clrMapOvr>
-</p:sld>
-</file>
-
-<file path=ppt/slides/slide2.xml><?xml version="1.0" encoding="utf-8"?>
-<p:sld xmlns:a="http://schemas.openxmlformats.org/drawingml/2006/main" xmlns:r="http://schemas.openxmlformats.org/officeDocument/2006/relationships" xmlns:p="http://schemas.openxmlformats.org/presentationml/2006/main">
-  <p:cSld>
-    <p:spTree>
-      <p:nvGrpSpPr>
-        <p:cNvPr id="1" name=""/>
-        <p:cNvGrpSpPr/>
-        <p:nvPr/>
-      </p:nvGrpSpPr>
-      <p:grpSpPr>
-        <a:xfrm>
-          <a:off x="0" y="0"/>
-          <a:ext cx="0" cy="0"/>
-          <a:chOff x="0" y="0"/>
-          <a:chExt cx="0" cy="0"/>
-        </a:xfrm>
-      </p:grpSpPr>
-      <p:grpSp>
-        <p:nvGrpSpPr>
-          <p:cNvPr id="7" name="Group 6">
+        </p:txBody>
+      </p:sp>
+      <p:sp>
+        <p:nvSpPr>
+          <p:cNvPr id="75" name="TextBox 74">
             <a:extLst>
               <a:ext uri="{FF2B5EF4-FFF2-40B4-BE49-F238E27FC236}">
-                <a16:creationId xmlns:a16="http://schemas.microsoft.com/office/drawing/2014/main" id="{E99F683F-40E5-4D33-B9ED-22E0C4386B67}"/>
-              </a:ext>
-            </a:extLst>
-          </p:cNvPr>
-          <p:cNvGrpSpPr/>
-          <p:nvPr/>
-        </p:nvGrpSpPr>
-        <p:grpSpPr>
-          <a:xfrm>
-            <a:off x="1984915" y="67904"/>
-            <a:ext cx="3783982" cy="5579191"/>
-            <a:chOff x="579863" y="145726"/>
-            <a:chExt cx="3515298" cy="5183037"/>
-          </a:xfrm>
-        </p:grpSpPr>
-        <p:pic>
-          <p:nvPicPr>
-            <p:cNvPr id="4" name="Picture 3">
-              <a:extLst>
-                <a:ext uri="{FF2B5EF4-FFF2-40B4-BE49-F238E27FC236}">
-                  <a16:creationId xmlns:a16="http://schemas.microsoft.com/office/drawing/2014/main" id="{ECA1A5CB-E227-4D02-BFAC-7709C32A2813}"/>
-                </a:ext>
-              </a:extLst>
-            </p:cNvPr>
-            <p:cNvPicPr>
-              <a:picLocks noChangeAspect="1"/>
-            </p:cNvPicPr>
-            <p:nvPr/>
-          </p:nvPicPr>
-          <p:blipFill>
-            <a:blip r:embed="rId2"/>
-            <a:stretch>
-              <a:fillRect/>
-            </a:stretch>
-          </p:blipFill>
-          <p:spPr>
-            <a:xfrm>
-              <a:off x="579863" y="145726"/>
-              <a:ext cx="3497755" cy="1727679"/>
-            </a:xfrm>
-            <a:prstGeom prst="rect">
-              <a:avLst/>
-            </a:prstGeom>
-          </p:spPr>
-        </p:pic>
-        <p:pic>
-          <p:nvPicPr>
-            <p:cNvPr id="5" name="Picture 4">
-              <a:extLst>
-                <a:ext uri="{FF2B5EF4-FFF2-40B4-BE49-F238E27FC236}">
-                  <a16:creationId xmlns:a16="http://schemas.microsoft.com/office/drawing/2014/main" id="{E8B7BDF1-7E2E-430C-9FA4-40176D5DA21C}"/>
-                </a:ext>
-              </a:extLst>
-            </p:cNvPr>
-            <p:cNvPicPr>
-              <a:picLocks noChangeAspect="1"/>
-            </p:cNvPicPr>
-            <p:nvPr/>
-          </p:nvPicPr>
-          <p:blipFill>
-            <a:blip r:embed="rId3"/>
-            <a:stretch>
-              <a:fillRect/>
-            </a:stretch>
-          </p:blipFill>
-          <p:spPr>
-            <a:xfrm>
-              <a:off x="579863" y="1873405"/>
-              <a:ext cx="3497755" cy="1733027"/>
-            </a:xfrm>
-            <a:prstGeom prst="rect">
-              <a:avLst/>
-            </a:prstGeom>
-          </p:spPr>
-        </p:pic>
-        <p:pic>
-          <p:nvPicPr>
-            <p:cNvPr id="6" name="Picture 5">
-              <a:extLst>
-                <a:ext uri="{FF2B5EF4-FFF2-40B4-BE49-F238E27FC236}">
-                  <a16:creationId xmlns:a16="http://schemas.microsoft.com/office/drawing/2014/main" id="{2E3D1255-24C8-4FDB-AE15-3A8F69F92C2D}"/>
-                </a:ext>
-              </a:extLst>
-            </p:cNvPr>
-            <p:cNvPicPr>
-              <a:picLocks noChangeAspect="1"/>
-            </p:cNvPicPr>
-            <p:nvPr/>
-          </p:nvPicPr>
-          <p:blipFill>
-            <a:blip r:embed="rId4"/>
-            <a:stretch>
-              <a:fillRect/>
-            </a:stretch>
-          </p:blipFill>
-          <p:spPr>
-            <a:xfrm>
-              <a:off x="579863" y="3601084"/>
-              <a:ext cx="3515298" cy="1727679"/>
-            </a:xfrm>
-            <a:prstGeom prst="rect">
-              <a:avLst/>
-            </a:prstGeom>
-          </p:spPr>
-        </p:pic>
-      </p:grpSp>
-      <p:sp>
-        <p:nvSpPr>
-          <p:cNvPr id="8" name="TextBox 7">
-            <a:extLst>
-              <a:ext uri="{FF2B5EF4-FFF2-40B4-BE49-F238E27FC236}">
-                <a16:creationId xmlns:a16="http://schemas.microsoft.com/office/drawing/2014/main" id="{F285FE76-E66F-46D7-8A25-E2425E28662E}"/>
+                <a16:creationId xmlns:a16="http://schemas.microsoft.com/office/drawing/2014/main" id="{B93BB406-405A-49BB-BC79-90ECCD809B81}"/>
               </a:ext>
             </a:extLst>
           </p:cNvPr>
@@ -3430,8 +9141,8 @@
         </p:nvSpPr>
         <p:spPr>
           <a:xfrm>
-            <a:off x="0" y="638798"/>
-            <a:ext cx="1873404" cy="2862322"/>
+            <a:off x="16393817" y="4427889"/>
+            <a:ext cx="4433264" cy="1200329"/>
           </a:xfrm>
           <a:prstGeom prst="rect">
             <a:avLst/>
@@ -3445,167 +9156,14 @@
           <a:lstStyle/>
           <a:p>
             <a:r>
-              <a:rPr lang="en-US" dirty="0"/>
-              <a:t>Graphs of interactions over time</a:t>
-            </a:r>
-          </a:p>
-          <a:p>
-            <a:endParaRPr lang="en-US" dirty="0"/>
-          </a:p>
-          <a:p>
-            <a:r>
-              <a:rPr lang="en-US" dirty="0"/>
-              <a:t>X-axis: timestamp</a:t>
-            </a:r>
-          </a:p>
-          <a:p>
-            <a:r>
-              <a:rPr lang="en-US" dirty="0"/>
-              <a:t>Y-axis: the number of pairs that interacted for that timestamp</a:t>
-            </a:r>
-          </a:p>
-        </p:txBody>
-      </p:sp>
-      <p:sp>
-        <p:nvSpPr>
-          <p:cNvPr id="9" name="TextBox 8">
-            <a:extLst>
-              <a:ext uri="{FF2B5EF4-FFF2-40B4-BE49-F238E27FC236}">
-                <a16:creationId xmlns:a16="http://schemas.microsoft.com/office/drawing/2014/main" id="{A9EF94DE-556E-499D-8997-4F2FA571E80B}"/>
-              </a:ext>
-            </a:extLst>
-          </p:cNvPr>
-          <p:cNvSpPr txBox="1"/>
-          <p:nvPr/>
-        </p:nvSpPr>
-        <p:spPr>
-          <a:xfrm>
-            <a:off x="6029886" y="223024"/>
-            <a:ext cx="2809314" cy="1200329"/>
-          </a:xfrm>
-          <a:prstGeom prst="rect">
-            <a:avLst/>
-          </a:prstGeom>
-          <a:noFill/>
-        </p:spPr>
-        <p:txBody>
-          <a:bodyPr wrap="square" rtlCol="0">
-            <a:spAutoFit/>
-          </a:bodyPr>
-          <a:lstStyle/>
-          <a:p>
-            <a:r>
-              <a:rPr lang="en-US" sz="1200" dirty="0"/>
-              <a:t>Non-friend interactions</a:t>
-            </a:r>
-          </a:p>
-          <a:p>
-            <a:endParaRPr lang="en-US" sz="1200" dirty="0"/>
-          </a:p>
-          <a:p>
-            <a:r>
-              <a:rPr lang="en-US" sz="1200" dirty="0"/>
-              <a:t>Like the histogram, pairs that aren’t friends still interact the most.</a:t>
-            </a:r>
-          </a:p>
-          <a:p>
-            <a:r>
-              <a:rPr lang="en-US" sz="1200" dirty="0"/>
-              <a:t>This graph is the one that most closely follows the total interaction vs time graph.</a:t>
-            </a:r>
-          </a:p>
-        </p:txBody>
-      </p:sp>
-      <p:sp>
-        <p:nvSpPr>
-          <p:cNvPr id="10" name="TextBox 9">
-            <a:extLst>
-              <a:ext uri="{FF2B5EF4-FFF2-40B4-BE49-F238E27FC236}">
-                <a16:creationId xmlns:a16="http://schemas.microsoft.com/office/drawing/2014/main" id="{4701C9FA-AC32-463B-9205-1DF1C7F48DA8}"/>
-              </a:ext>
-            </a:extLst>
-          </p:cNvPr>
-          <p:cNvSpPr txBox="1"/>
-          <p:nvPr/>
-        </p:nvSpPr>
-        <p:spPr>
-          <a:xfrm>
-            <a:off x="6029886" y="2069959"/>
-            <a:ext cx="2809314" cy="1015663"/>
-          </a:xfrm>
-          <a:prstGeom prst="rect">
-            <a:avLst/>
-          </a:prstGeom>
-          <a:noFill/>
-        </p:spPr>
-        <p:txBody>
-          <a:bodyPr wrap="square" rtlCol="0">
-            <a:spAutoFit/>
-          </a:bodyPr>
-          <a:lstStyle/>
-          <a:p>
-            <a:r>
-              <a:rPr lang="en-US" sz="1200" dirty="0"/>
-              <a:t>One-friend interactions</a:t>
-            </a:r>
-          </a:p>
-          <a:p>
-            <a:endParaRPr lang="en-US" sz="1200" dirty="0"/>
-          </a:p>
-          <a:p>
-            <a:r>
-              <a:rPr lang="en-US" sz="1200" dirty="0"/>
-              <a:t>The spike at break time can be seen in most of the days.</a:t>
-            </a:r>
-          </a:p>
-          <a:p>
-            <a:r>
-              <a:rPr lang="en-US" sz="1200" dirty="0"/>
-              <a:t>Overall, there isn’t much data to go off of.</a:t>
-            </a:r>
-          </a:p>
-        </p:txBody>
-      </p:sp>
-      <p:sp>
-        <p:nvSpPr>
-          <p:cNvPr id="11" name="TextBox 10">
-            <a:extLst>
-              <a:ext uri="{FF2B5EF4-FFF2-40B4-BE49-F238E27FC236}">
-                <a16:creationId xmlns:a16="http://schemas.microsoft.com/office/drawing/2014/main" id="{8E980A24-78F8-4DD2-AA86-62B7E9C963A7}"/>
-              </a:ext>
-            </a:extLst>
-          </p:cNvPr>
-          <p:cNvSpPr txBox="1"/>
-          <p:nvPr/>
-        </p:nvSpPr>
-        <p:spPr>
-          <a:xfrm>
-            <a:off x="6029886" y="3862039"/>
-            <a:ext cx="2809314" cy="830997"/>
-          </a:xfrm>
-          <a:prstGeom prst="rect">
-            <a:avLst/>
-          </a:prstGeom>
-          <a:noFill/>
-        </p:spPr>
-        <p:txBody>
-          <a:bodyPr wrap="square" rtlCol="0">
-            <a:spAutoFit/>
-          </a:bodyPr>
-          <a:lstStyle/>
-          <a:p>
-            <a:r>
-              <a:rPr lang="en-US" sz="1200" dirty="0"/>
-              <a:t>Mutual-friend interactions</a:t>
-            </a:r>
-          </a:p>
-          <a:p>
-            <a:endParaRPr lang="en-US" sz="1200" dirty="0"/>
-          </a:p>
-          <a:p>
-            <a:r>
-              <a:rPr lang="en-US" sz="1200" dirty="0"/>
-              <a:t>The spike during break time isn’t as noticeable as on the non-friend graph.</a:t>
+              <a:rPr lang="en-US" sz="2400" b="1" dirty="0">
+                <a:solidFill>
+                  <a:schemeClr val="accent5">
+                    <a:lumMod val="50000"/>
+                  </a:schemeClr>
+                </a:solidFill>
+              </a:rPr>
+              <a:t>Most of the people that students interact with are not listed as friends</a:t>
             </a:r>
           </a:p>
         </p:txBody>
@@ -3613,65 +9171,7 @@
     </p:spTree>
     <p:extLst>
       <p:ext uri="{BB962C8B-B14F-4D97-AF65-F5344CB8AC3E}">
-        <p14:creationId xmlns:p14="http://schemas.microsoft.com/office/powerpoint/2010/main" val="2612575363"/>
-      </p:ext>
-    </p:extLst>
-  </p:cSld>
-  <p:clrMapOvr>
-    <a:masterClrMapping/>
-  </p:clrMapOvr>
-</p:sld>
-</file>
-
-<file path=ppt/slides/slide3.xml><?xml version="1.0" encoding="utf-8"?>
-<p:sld xmlns:a="http://schemas.openxmlformats.org/drawingml/2006/main" xmlns:r="http://schemas.openxmlformats.org/officeDocument/2006/relationships" xmlns:p="http://schemas.openxmlformats.org/presentationml/2006/main">
-  <p:cSld>
-    <p:spTree>
-      <p:nvGrpSpPr>
-        <p:cNvPr id="1" name=""/>
-        <p:cNvGrpSpPr/>
-        <p:nvPr/>
-      </p:nvGrpSpPr>
-      <p:grpSpPr>
-        <a:xfrm>
-          <a:off x="0" y="0"/>
-          <a:ext cx="0" cy="0"/>
-          <a:chOff x="0" y="0"/>
-          <a:chExt cx="0" cy="0"/>
-        </a:xfrm>
-      </p:grpSpPr>
-      <p:sp>
-        <p:nvSpPr>
-          <p:cNvPr id="2" name="Title 1">
-            <a:extLst>
-              <a:ext uri="{FF2B5EF4-FFF2-40B4-BE49-F238E27FC236}">
-                <a16:creationId xmlns:a16="http://schemas.microsoft.com/office/drawing/2014/main" id="{98E1D16A-2B50-46A8-8CE9-7F2ADB891BBE}"/>
-              </a:ext>
-            </a:extLst>
-          </p:cNvPr>
-          <p:cNvSpPr>
-            <a:spLocks noGrp="1"/>
-          </p:cNvSpPr>
-          <p:nvPr>
-            <p:ph type="title"/>
-          </p:nvPr>
-        </p:nvSpPr>
-        <p:spPr/>
-        <p:txBody>
-          <a:bodyPr/>
-          <a:lstStyle/>
-          <a:p>
-            <a:r>
-              <a:rPr lang="en-US" dirty="0"/>
-              <a:t>Are there some pairs listed as friendships but do not ever interact?</a:t>
-            </a:r>
-          </a:p>
-        </p:txBody>
-      </p:sp>
-    </p:spTree>
-    <p:extLst>
-      <p:ext uri="{BB962C8B-B14F-4D97-AF65-F5344CB8AC3E}">
-        <p14:creationId xmlns:p14="http://schemas.microsoft.com/office/powerpoint/2010/main" val="2914170655"/>
+        <p14:creationId xmlns:p14="http://schemas.microsoft.com/office/powerpoint/2010/main" val="1910290556"/>
       </p:ext>
     </p:extLst>
   </p:cSld>
@@ -3682,9 +9182,252 @@
 </file>
 
 <file path=ppt/theme/theme1.xml><?xml version="1.0" encoding="utf-8"?>
+<a:theme xmlns:a="http://schemas.openxmlformats.org/drawingml/2006/main" name="Wisp">
+  <a:themeElements>
+    <a:clrScheme name="Wisp">
+      <a:dk1>
+        <a:sysClr val="windowText" lastClr="000000"/>
+      </a:dk1>
+      <a:lt1>
+        <a:sysClr val="window" lastClr="FFFFFF"/>
+      </a:lt1>
+      <a:dk2>
+        <a:srgbClr val="766F54"/>
+      </a:dk2>
+      <a:lt2>
+        <a:srgbClr val="E3EACF"/>
+      </a:lt2>
+      <a:accent1>
+        <a:srgbClr val="A53010"/>
+      </a:accent1>
+      <a:accent2>
+        <a:srgbClr val="DE7E18"/>
+      </a:accent2>
+      <a:accent3>
+        <a:srgbClr val="9F8351"/>
+      </a:accent3>
+      <a:accent4>
+        <a:srgbClr val="728653"/>
+      </a:accent4>
+      <a:accent5>
+        <a:srgbClr val="92AA4C"/>
+      </a:accent5>
+      <a:accent6>
+        <a:srgbClr val="6AAC91"/>
+      </a:accent6>
+      <a:hlink>
+        <a:srgbClr val="FB4A18"/>
+      </a:hlink>
+      <a:folHlink>
+        <a:srgbClr val="FB9318"/>
+      </a:folHlink>
+    </a:clrScheme>
+    <a:fontScheme name="Wisp">
+      <a:majorFont>
+        <a:latin typeface="Century Gothic" panose="020B0502020202020204"/>
+        <a:ea typeface=""/>
+        <a:cs typeface=""/>
+        <a:font script="Jpan" typeface="メイリオ"/>
+        <a:font script="Hang" typeface="HY중고딕"/>
+        <a:font script="Hans" typeface="幼圆"/>
+        <a:font script="Hant" typeface="微軟正黑體"/>
+        <a:font script="Arab" typeface="Tahoma"/>
+        <a:font script="Hebr" typeface="Gisha"/>
+        <a:font script="Thai" typeface="DilleniaUPC"/>
+        <a:font script="Ethi" typeface="Nyala"/>
+        <a:font script="Beng" typeface="Vrinda"/>
+        <a:font script="Gujr" typeface="Shruti"/>
+        <a:font script="Khmr" typeface="DaunPenh"/>
+        <a:font script="Knda" typeface="Tunga"/>
+        <a:font script="Guru" typeface="Raavi"/>
+        <a:font script="Cans" typeface="Euphemia"/>
+        <a:font script="Cher" typeface="Plantagenet Cherokee"/>
+        <a:font script="Yiii" typeface="Microsoft Yi Baiti"/>
+        <a:font script="Tibt" typeface="Microsoft Himalaya"/>
+        <a:font script="Thaa" typeface="MV Boli"/>
+        <a:font script="Deva" typeface="Mangal"/>
+        <a:font script="Telu" typeface="Gautami"/>
+        <a:font script="Taml" typeface="Latha"/>
+        <a:font script="Syrc" typeface="Estrangelo Edessa"/>
+        <a:font script="Orya" typeface="Kalinga"/>
+        <a:font script="Mlym" typeface="Kartika"/>
+        <a:font script="Laoo" typeface="DokChampa"/>
+        <a:font script="Sinh" typeface="Iskoola Pota"/>
+        <a:font script="Mong" typeface="Mongolian Baiti"/>
+        <a:font script="Viet" typeface="Tahoma"/>
+        <a:font script="Uigh" typeface="Microsoft Uighur"/>
+        <a:font script="Geor" typeface="Sylfaen"/>
+      </a:majorFont>
+      <a:minorFont>
+        <a:latin typeface="Century Gothic" panose="020B0502020202020204"/>
+        <a:ea typeface=""/>
+        <a:cs typeface=""/>
+        <a:font script="Jpan" typeface="メイリオ"/>
+        <a:font script="Hang" typeface="HY중고딕"/>
+        <a:font script="Hans" typeface="幼圆"/>
+        <a:font script="Hant" typeface="微軟正黑體"/>
+        <a:font script="Arab" typeface="Tahoma"/>
+        <a:font script="Hebr" typeface="Gisha"/>
+        <a:font script="Thai" typeface="DilleniaUPC"/>
+        <a:font script="Ethi" typeface="Nyala"/>
+        <a:font script="Beng" typeface="Vrinda"/>
+        <a:font script="Gujr" typeface="Shruti"/>
+        <a:font script="Khmr" typeface="DaunPenh"/>
+        <a:font script="Knda" typeface="Tunga"/>
+        <a:font script="Guru" typeface="Raavi"/>
+        <a:font script="Cans" typeface="Euphemia"/>
+        <a:font script="Cher" typeface="Plantagenet Cherokee"/>
+        <a:font script="Yiii" typeface="Microsoft Yi Baiti"/>
+        <a:font script="Tibt" typeface="Microsoft Himalaya"/>
+        <a:font script="Thaa" typeface="MV Boli"/>
+        <a:font script="Deva" typeface="Mangal"/>
+        <a:font script="Telu" typeface="Gautami"/>
+        <a:font script="Taml" typeface="Latha"/>
+        <a:font script="Syrc" typeface="Estrangelo Edessa"/>
+        <a:font script="Orya" typeface="Kalinga"/>
+        <a:font script="Mlym" typeface="Kartika"/>
+        <a:font script="Laoo" typeface="DokChampa"/>
+        <a:font script="Sinh" typeface="Iskoola Pota"/>
+        <a:font script="Mong" typeface="Mongolian Baiti"/>
+        <a:font script="Viet" typeface="Tahoma"/>
+        <a:font script="Uigh" typeface="Microsoft Uighur"/>
+        <a:font script="Geor" typeface="Sylfaen"/>
+      </a:minorFont>
+    </a:fontScheme>
+    <a:fmtScheme name="Wisp">
+      <a:fillStyleLst>
+        <a:solidFill>
+          <a:schemeClr val="phClr"/>
+        </a:solidFill>
+        <a:solidFill>
+          <a:schemeClr val="phClr">
+            <a:tint val="70000"/>
+            <a:lumMod val="104000"/>
+          </a:schemeClr>
+        </a:solidFill>
+        <a:gradFill rotWithShape="1">
+          <a:gsLst>
+            <a:gs pos="0">
+              <a:schemeClr val="phClr">
+                <a:tint val="96000"/>
+                <a:lumMod val="104000"/>
+              </a:schemeClr>
+            </a:gs>
+            <a:gs pos="100000">
+              <a:schemeClr val="phClr">
+                <a:shade val="98000"/>
+                <a:lumMod val="94000"/>
+              </a:schemeClr>
+            </a:gs>
+          </a:gsLst>
+          <a:lin ang="5400000" scaled="0"/>
+        </a:gradFill>
+      </a:fillStyleLst>
+      <a:lnStyleLst>
+        <a:ln w="9525" cap="rnd" cmpd="sng" algn="ctr">
+          <a:solidFill>
+            <a:schemeClr val="phClr">
+              <a:shade val="90000"/>
+            </a:schemeClr>
+          </a:solidFill>
+          <a:prstDash val="solid"/>
+        </a:ln>
+        <a:ln w="15875" cap="rnd" cmpd="sng" algn="ctr">
+          <a:solidFill>
+            <a:schemeClr val="phClr"/>
+          </a:solidFill>
+          <a:prstDash val="solid"/>
+        </a:ln>
+        <a:ln w="22225" cap="rnd" cmpd="sng" algn="ctr">
+          <a:solidFill>
+            <a:schemeClr val="phClr"/>
+          </a:solidFill>
+          <a:prstDash val="solid"/>
+        </a:ln>
+      </a:lnStyleLst>
+      <a:effectStyleLst>
+        <a:effectStyle>
+          <a:effectLst/>
+        </a:effectStyle>
+        <a:effectStyle>
+          <a:effectLst>
+            <a:outerShdw blurRad="38100" dist="25400" dir="5400000" rotWithShape="0">
+              <a:srgbClr val="000000">
+                <a:alpha val="25000"/>
+              </a:srgbClr>
+            </a:outerShdw>
+          </a:effectLst>
+        </a:effectStyle>
+        <a:effectStyle>
+          <a:effectLst>
+            <a:outerShdw blurRad="50800" dist="38100" dir="5400000" rotWithShape="0">
+              <a:srgbClr val="000000">
+                <a:alpha val="60000"/>
+              </a:srgbClr>
+            </a:outerShdw>
+          </a:effectLst>
+        </a:effectStyle>
+      </a:effectStyleLst>
+      <a:bgFillStyleLst>
+        <a:solidFill>
+          <a:schemeClr val="phClr"/>
+        </a:solidFill>
+        <a:gradFill rotWithShape="1">
+          <a:gsLst>
+            <a:gs pos="0">
+              <a:schemeClr val="phClr">
+                <a:tint val="90000"/>
+                <a:lumMod val="120000"/>
+              </a:schemeClr>
+            </a:gs>
+            <a:gs pos="100000">
+              <a:schemeClr val="phClr">
+                <a:shade val="98000"/>
+                <a:satMod val="120000"/>
+                <a:lumMod val="98000"/>
+              </a:schemeClr>
+            </a:gs>
+          </a:gsLst>
+          <a:lin ang="5400000" scaled="0"/>
+        </a:gradFill>
+        <a:gradFill rotWithShape="1">
+          <a:gsLst>
+            <a:gs pos="0">
+              <a:schemeClr val="phClr">
+                <a:tint val="90000"/>
+                <a:satMod val="92000"/>
+                <a:lumMod val="120000"/>
+              </a:schemeClr>
+            </a:gs>
+            <a:gs pos="100000">
+              <a:schemeClr val="phClr">
+                <a:shade val="98000"/>
+                <a:satMod val="120000"/>
+                <a:lumMod val="98000"/>
+              </a:schemeClr>
+            </a:gs>
+          </a:gsLst>
+          <a:path path="circle">
+            <a:fillToRect l="50000" t="50000" r="100000" b="100000"/>
+          </a:path>
+        </a:gradFill>
+      </a:bgFillStyleLst>
+    </a:fmtScheme>
+  </a:themeElements>
+  <a:objectDefaults/>
+  <a:extraClrSchemeLst/>
+  <a:extLst>
+    <a:ext uri="{05A4C25C-085E-4340-85A3-A5531E510DB2}">
+      <thm15:themeFamily xmlns:thm15="http://schemas.microsoft.com/office/thememl/2012/main" name="Wisp" id="{7CB32D59-10C0-40DD-B7BD-2E94284A981C}" vid="{24B1A44C-C006-48B2-A4D7-E5549B3D8CD4}"/>
+    </a:ext>
+  </a:extLst>
+</a:theme>
+</file>
+
+<file path=ppt/theme/theme2.xml><?xml version="1.0" encoding="utf-8"?>
 <a:theme xmlns:a="http://schemas.openxmlformats.org/drawingml/2006/main" name="Office Theme">
   <a:themeElements>
-    <a:clrScheme name="Office Theme">
+    <a:clrScheme name="Office">
       <a:dk1>
         <a:sysClr val="windowText" lastClr="000000"/>
       </a:dk1>
@@ -3722,7 +9465,7 @@
         <a:srgbClr val="954F72"/>
       </a:folHlink>
     </a:clrScheme>
-    <a:fontScheme name="Office Theme">
+    <a:fontScheme name="Office">
       <a:majorFont>
         <a:latin typeface="Calibri Light" panose="020F0302020204030204"/>
         <a:ea typeface=""/>
@@ -3757,6 +9500,23 @@
         <a:font script="Viet" typeface="Times New Roman"/>
         <a:font script="Uigh" typeface="Microsoft Uighur"/>
         <a:font script="Geor" typeface="Sylfaen"/>
+        <a:font script="Armn" typeface="Arial"/>
+        <a:font script="Bugi" typeface="Leelawadee UI"/>
+        <a:font script="Bopo" typeface="Microsoft JhengHei"/>
+        <a:font script="Java" typeface="Javanese Text"/>
+        <a:font script="Lisu" typeface="Segoe UI"/>
+        <a:font script="Mymr" typeface="Myanmar Text"/>
+        <a:font script="Nkoo" typeface="Ebrima"/>
+        <a:font script="Olck" typeface="Nirmala UI"/>
+        <a:font script="Osma" typeface="Ebrima"/>
+        <a:font script="Phag" typeface="Phagspa"/>
+        <a:font script="Syrn" typeface="Estrangelo Edessa"/>
+        <a:font script="Syrj" typeface="Estrangelo Edessa"/>
+        <a:font script="Syre" typeface="Estrangelo Edessa"/>
+        <a:font script="Sora" typeface="Nirmala UI"/>
+        <a:font script="Tale" typeface="Microsoft Tai Le"/>
+        <a:font script="Talu" typeface="Microsoft New Tai Lue"/>
+        <a:font script="Tfng" typeface="Ebrima"/>
       </a:majorFont>
       <a:minorFont>
         <a:latin typeface="Calibri" panose="020F0502020204030204"/>
@@ -3792,9 +9552,26 @@
         <a:font script="Viet" typeface="Arial"/>
         <a:font script="Uigh" typeface="Microsoft Uighur"/>
         <a:font script="Geor" typeface="Sylfaen"/>
+        <a:font script="Armn" typeface="Arial"/>
+        <a:font script="Bugi" typeface="Leelawadee UI"/>
+        <a:font script="Bopo" typeface="Microsoft JhengHei"/>
+        <a:font script="Java" typeface="Javanese Text"/>
+        <a:font script="Lisu" typeface="Segoe UI"/>
+        <a:font script="Mymr" typeface="Myanmar Text"/>
+        <a:font script="Nkoo" typeface="Ebrima"/>
+        <a:font script="Olck" typeface="Nirmala UI"/>
+        <a:font script="Osma" typeface="Ebrima"/>
+        <a:font script="Phag" typeface="Phagspa"/>
+        <a:font script="Syrn" typeface="Estrangelo Edessa"/>
+        <a:font script="Syrj" typeface="Estrangelo Edessa"/>
+        <a:font script="Syre" typeface="Estrangelo Edessa"/>
+        <a:font script="Sora" typeface="Nirmala UI"/>
+        <a:font script="Tale" typeface="Microsoft Tai Le"/>
+        <a:font script="Talu" typeface="Microsoft New Tai Lue"/>
+        <a:font script="Tfng" typeface="Ebrima"/>
       </a:minorFont>
     </a:fontScheme>
-    <a:fmtScheme name="Office Theme">
+    <a:fmtScheme name="Office">
       <a:fillStyleLst>
         <a:solidFill>
           <a:schemeClr val="phClr"/>

--- a/Poster.pptx
+++ b/Poster.pptx
@@ -135,6 +135,13 @@
       </p:ext>
     </p:extLst>
   </p:cmAuthor>
+  <p:cmAuthor id="2" name="Mcmillan, Delaynie  (Student)" initials="MD(" lastIdx="1" clrIdx="1">
+    <p:extLst>
+      <p:ext uri="{19B8F6BF-5375-455C-9EA6-DF929625EA0E}">
+        <p15:presenceInfo xmlns:p15="http://schemas.microsoft.com/office/powerpoint/2012/main" userId="S::s-mcmilland@bsd405.org::78db06bd-4089-492c-b243-0d948b5d11e4" providerId="AD"/>
+      </p:ext>
+    </p:extLst>
+  </p:cmAuthor>
 </p:cmAuthorLst>
 </file>
 
@@ -220,7 +227,7 @@
           <a:p>
             <a:fld id="{7A4C888E-529B-4285-8AEE-73AD0302CA51}" type="datetimeFigureOut">
               <a:rPr lang="en-US" smtClean="0"/>
-              <a:t>25-Aug-20</a:t>
+              <a:t>8/30/20</a:t>
             </a:fld>
             <a:endParaRPr lang="en-US"/>
           </a:p>
@@ -764,7 +771,7 @@
           <a:p>
             <a:fld id="{00B1DE44-7493-4665-A02F-847C79AD84D3}" type="datetimeFigureOut">
               <a:rPr lang="en-US" smtClean="0"/>
-              <a:t>25-Aug-20</a:t>
+              <a:t>8/30/20</a:t>
             </a:fld>
             <a:endParaRPr lang="en-US"/>
           </a:p>
@@ -1107,7 +1114,7 @@
           <a:p>
             <a:fld id="{00B1DE44-7493-4665-A02F-847C79AD84D3}" type="datetimeFigureOut">
               <a:rPr lang="en-US" smtClean="0"/>
-              <a:t>25-Aug-20</a:t>
+              <a:t>8/30/20</a:t>
             </a:fld>
             <a:endParaRPr lang="en-US"/>
           </a:p>
@@ -1508,7 +1515,7 @@
           <a:p>
             <a:fld id="{00B1DE44-7493-4665-A02F-847C79AD84D3}" type="datetimeFigureOut">
               <a:rPr lang="en-US" smtClean="0"/>
-              <a:t>25-Aug-20</a:t>
+              <a:t>8/30/20</a:t>
             </a:fld>
             <a:endParaRPr lang="en-US"/>
           </a:p>
@@ -1844,7 +1851,7 @@
           <a:p>
             <a:fld id="{00B1DE44-7493-4665-A02F-847C79AD84D3}" type="datetimeFigureOut">
               <a:rPr lang="en-US" smtClean="0"/>
-              <a:t>25-Aug-20</a:t>
+              <a:t>8/30/20</a:t>
             </a:fld>
             <a:endParaRPr lang="en-US"/>
           </a:p>
@@ -2164,7 +2171,7 @@
           <a:p>
             <a:fld id="{00B1DE44-7493-4665-A02F-847C79AD84D3}" type="datetimeFigureOut">
               <a:rPr lang="en-US" smtClean="0"/>
-              <a:t>25-Aug-20</a:t>
+              <a:t>8/30/20</a:t>
             </a:fld>
             <a:endParaRPr lang="en-US"/>
           </a:p>
@@ -2560,7 +2567,7 @@
           <a:p>
             <a:fld id="{00B1DE44-7493-4665-A02F-847C79AD84D3}" type="datetimeFigureOut">
               <a:rPr lang="en-US" smtClean="0"/>
-              <a:t>25-Aug-20</a:t>
+              <a:t>8/30/20</a:t>
             </a:fld>
             <a:endParaRPr lang="en-US"/>
           </a:p>
@@ -2817,7 +2824,7 @@
           <a:p>
             <a:fld id="{00B1DE44-7493-4665-A02F-847C79AD84D3}" type="datetimeFigureOut">
               <a:rPr lang="en-US" smtClean="0"/>
-              <a:t>25-Aug-20</a:t>
+              <a:t>8/30/20</a:t>
             </a:fld>
             <a:endParaRPr lang="en-US"/>
           </a:p>
@@ -3079,7 +3086,7 @@
           <a:p>
             <a:fld id="{00B1DE44-7493-4665-A02F-847C79AD84D3}" type="datetimeFigureOut">
               <a:rPr lang="en-US" smtClean="0"/>
-              <a:t>25-Aug-20</a:t>
+              <a:t>8/30/20</a:t>
             </a:fld>
             <a:endParaRPr lang="en-US"/>
           </a:p>
@@ -3346,7 +3353,7 @@
           <a:p>
             <a:fld id="{00B1DE44-7493-4665-A02F-847C79AD84D3}" type="datetimeFigureOut">
               <a:rPr lang="en-US" smtClean="0"/>
-              <a:t>25-Aug-20</a:t>
+              <a:t>8/30/20</a:t>
             </a:fld>
             <a:endParaRPr lang="en-US"/>
           </a:p>
@@ -3675,7 +3682,7 @@
           <a:p>
             <a:fld id="{00B1DE44-7493-4665-A02F-847C79AD84D3}" type="datetimeFigureOut">
               <a:rPr lang="en-US" smtClean="0"/>
-              <a:t>25-Aug-20</a:t>
+              <a:t>8/30/20</a:t>
             </a:fld>
             <a:endParaRPr lang="en-US"/>
           </a:p>
@@ -4003,7 +4010,7 @@
           <a:p>
             <a:fld id="{00B1DE44-7493-4665-A02F-847C79AD84D3}" type="datetimeFigureOut">
               <a:rPr lang="en-US" smtClean="0"/>
-              <a:t>25-Aug-20</a:t>
+              <a:t>8/30/20</a:t>
             </a:fld>
             <a:endParaRPr lang="en-US"/>
           </a:p>
@@ -4460,7 +4467,7 @@
           <a:p>
             <a:fld id="{00B1DE44-7493-4665-A02F-847C79AD84D3}" type="datetimeFigureOut">
               <a:rPr lang="en-US" smtClean="0"/>
-              <a:t>25-Aug-20</a:t>
+              <a:t>8/30/20</a:t>
             </a:fld>
             <a:endParaRPr lang="en-US"/>
           </a:p>
@@ -4665,7 +4672,7 @@
           <a:p>
             <a:fld id="{00B1DE44-7493-4665-A02F-847C79AD84D3}" type="datetimeFigureOut">
               <a:rPr lang="en-US" smtClean="0"/>
-              <a:t>25-Aug-20</a:t>
+              <a:t>8/30/20</a:t>
             </a:fld>
             <a:endParaRPr lang="en-US"/>
           </a:p>
@@ -4842,7 +4849,7 @@
           <a:p>
             <a:fld id="{00B1DE44-7493-4665-A02F-847C79AD84D3}" type="datetimeFigureOut">
               <a:rPr lang="en-US" smtClean="0"/>
-              <a:t>25-Aug-20</a:t>
+              <a:t>8/30/20</a:t>
             </a:fld>
             <a:endParaRPr lang="en-US"/>
           </a:p>
@@ -5180,7 +5187,7 @@
           <a:p>
             <a:fld id="{00B1DE44-7493-4665-A02F-847C79AD84D3}" type="datetimeFigureOut">
               <a:rPr lang="en-US" smtClean="0"/>
-              <a:t>25-Aug-20</a:t>
+              <a:t>8/30/20</a:t>
             </a:fld>
             <a:endParaRPr lang="en-US"/>
           </a:p>
@@ -5530,7 +5537,7 @@
           <a:p>
             <a:fld id="{00B1DE44-7493-4665-A02F-847C79AD84D3}" type="datetimeFigureOut">
               <a:rPr lang="en-US" smtClean="0"/>
-              <a:t>25-Aug-20</a:t>
+              <a:t>8/30/20</a:t>
             </a:fld>
             <a:endParaRPr lang="en-US"/>
           </a:p>
@@ -7647,7 +7654,7 @@
           <a:p>
             <a:fld id="{00B1DE44-7493-4665-A02F-847C79AD84D3}" type="datetimeFigureOut">
               <a:rPr lang="en-US" smtClean="0"/>
-              <a:t>25-Aug-20</a:t>
+              <a:t>8/30/20</a:t>
             </a:fld>
             <a:endParaRPr lang="en-US"/>
           </a:p>
@@ -8453,10 +8460,10 @@
         </p:nvGrpSpPr>
         <p:grpSpPr>
           <a:xfrm>
-            <a:off x="0" y="1044055"/>
-            <a:ext cx="3237759" cy="839541"/>
-            <a:chOff x="-12955" y="1227020"/>
-            <a:chExt cx="3486817" cy="904121"/>
+            <a:off x="12029" y="1044055"/>
+            <a:ext cx="3225730" cy="839541"/>
+            <a:chOff x="0" y="1227020"/>
+            <a:chExt cx="3473862" cy="904121"/>
           </a:xfrm>
         </p:grpSpPr>
         <p:grpSp>
@@ -8605,7 +8612,7 @@
           </p:nvSpPr>
           <p:spPr>
             <a:xfrm>
-              <a:off x="-11742" y="1259288"/>
+              <a:off x="21982" y="1449089"/>
               <a:ext cx="3183857" cy="438000"/>
             </a:xfrm>
             <a:prstGeom prst="rect">
@@ -8630,45 +8637,6 @@
             </a:p>
           </p:txBody>
         </p:sp>
-        <p:sp>
-          <p:nvSpPr>
-            <p:cNvPr id="13" name="TextBox 12">
-              <a:extLst>
-                <a:ext uri="{FF2B5EF4-FFF2-40B4-BE49-F238E27FC236}">
-                  <a16:creationId xmlns:a16="http://schemas.microsoft.com/office/drawing/2014/main" id="{DCFD9279-2063-4C28-A2EE-A1CED9626D47}"/>
-                </a:ext>
-              </a:extLst>
-            </p:cNvPr>
-            <p:cNvSpPr txBox="1"/>
-            <p:nvPr/>
-          </p:nvSpPr>
-          <p:spPr>
-            <a:xfrm>
-              <a:off x="-12955" y="1724493"/>
-              <a:ext cx="2837764" cy="345676"/>
-            </a:xfrm>
-            <a:prstGeom prst="rect">
-              <a:avLst/>
-            </a:prstGeom>
-            <a:noFill/>
-          </p:spPr>
-          <p:txBody>
-            <a:bodyPr wrap="square" rtlCol="0">
-              <a:spAutoFit/>
-            </a:bodyPr>
-            <a:lstStyle/>
-            <a:p>
-              <a:r>
-                <a:rPr lang="en-US" sz="1486" dirty="0">
-                  <a:solidFill>
-                    <a:schemeClr val="bg1"/>
-                  </a:solidFill>
-                </a:rPr>
-                <a:t>Tuesday, 25 August 2020</a:t>
-              </a:r>
-            </a:p>
-          </p:txBody>
-        </p:sp>
       </p:grpSp>
       <p:sp>
         <p:nvSpPr>
@@ -8684,7 +8652,7 @@
         </p:nvSpPr>
         <p:spPr>
           <a:xfrm>
-            <a:off x="249838" y="2417787"/>
+            <a:off x="231189" y="2136554"/>
             <a:ext cx="3512441" cy="3210431"/>
           </a:xfrm>
           <a:prstGeom prst="rect">
@@ -9165,6 +9133,120 @@
               </a:rPr>
               <a:t>Most of the people that students interact with are not listed as friends</a:t>
             </a:r>
+          </a:p>
+        </p:txBody>
+      </p:sp>
+      <p:sp>
+        <p:nvSpPr>
+          <p:cNvPr id="2" name="TextBox 1">
+            <a:extLst>
+              <a:ext uri="{FF2B5EF4-FFF2-40B4-BE49-F238E27FC236}">
+                <a16:creationId xmlns:a16="http://schemas.microsoft.com/office/drawing/2014/main" id="{5A68B4B8-A593-5F47-A693-3C11B37D9FF4}"/>
+              </a:ext>
+            </a:extLst>
+          </p:cNvPr>
+          <p:cNvSpPr txBox="1"/>
+          <p:nvPr/>
+        </p:nvSpPr>
+        <p:spPr>
+          <a:xfrm>
+            <a:off x="16393817" y="83313"/>
+            <a:ext cx="5320594" cy="4059894"/>
+          </a:xfrm>
+          <a:prstGeom prst="rect">
+            <a:avLst/>
+          </a:prstGeom>
+          <a:noFill/>
+        </p:spPr>
+        <p:txBody>
+          <a:bodyPr wrap="square" rtlCol="0">
+            <a:spAutoFit/>
+          </a:bodyPr>
+          <a:lstStyle/>
+          <a:p>
+            <a:pPr>
+              <a:lnSpc>
+                <a:spcPct val="150000"/>
+              </a:lnSpc>
+            </a:pPr>
+            <a:r>
+              <a:rPr lang="en-US" sz="2600" b="1" dirty="0"/>
+              <a:t>Conclusion</a:t>
+            </a:r>
+          </a:p>
+          <a:p>
+            <a:pPr>
+              <a:lnSpc>
+                <a:spcPct val="150000"/>
+              </a:lnSpc>
+            </a:pPr>
+            <a:r>
+              <a:rPr lang="en-US" sz="1860" b="1" dirty="0"/>
+              <a:t>Based on results from this investigation, it is evident that the schedules of students are closely correlated to with whom and when they interact.  Some possible areas of study for future investigations include factoring in the gender of the students and their known Facebook friendship statuses.</a:t>
+            </a:r>
+          </a:p>
+          <a:p>
+            <a:pPr>
+              <a:lnSpc>
+                <a:spcPct val="150000"/>
+              </a:lnSpc>
+            </a:pPr>
+            <a:endParaRPr lang="en-US" b="1" dirty="0"/>
+          </a:p>
+        </p:txBody>
+      </p:sp>
+      <p:sp>
+        <p:nvSpPr>
+          <p:cNvPr id="3" name="TextBox 2">
+            <a:extLst>
+              <a:ext uri="{FF2B5EF4-FFF2-40B4-BE49-F238E27FC236}">
+                <a16:creationId xmlns:a16="http://schemas.microsoft.com/office/drawing/2014/main" id="{05D1F0C9-7484-CB42-A934-A6256079D91E}"/>
+              </a:ext>
+            </a:extLst>
+          </p:cNvPr>
+          <p:cNvSpPr txBox="1"/>
+          <p:nvPr/>
+        </p:nvSpPr>
+        <p:spPr>
+          <a:xfrm>
+            <a:off x="918784" y="11137612"/>
+            <a:ext cx="21166372" cy="584775"/>
+          </a:xfrm>
+          <a:prstGeom prst="rect">
+            <a:avLst/>
+          </a:prstGeom>
+          <a:noFill/>
+        </p:spPr>
+        <p:txBody>
+          <a:bodyPr wrap="none" rtlCol="0">
+            <a:spAutoFit/>
+          </a:bodyPr>
+          <a:lstStyle/>
+          <a:p>
+            <a:r>
+              <a:rPr lang="en-US" sz="1600" dirty="0"/>
+              <a:t>Sources: </a:t>
+            </a:r>
+            <a:r>
+              <a:rPr lang="en-US" sz="1600" dirty="0">
+                <a:hlinkClick r:id="rId6"/>
+              </a:rPr>
+              <a:t>SocioPatterns high school and contact friendship networks</a:t>
+            </a:r>
+            <a:r>
+              <a:rPr lang="en-US" sz="1600" dirty="0"/>
+              <a:t> and </a:t>
+            </a:r>
+            <a:r>
+              <a:rPr lang="en-US" sz="1600" dirty="0">
+                <a:hlinkClick r:id="rId7"/>
+              </a:rPr>
+              <a:t>Contact Patterns in a High School: A Comparison between Data Collected Using Wearable Sensors, Contact Diaries and Friendship Surveys</a:t>
+            </a:r>
+            <a:endParaRPr lang="en-US" sz="1600" dirty="0"/>
+          </a:p>
+          <a:p>
+            <a:endParaRPr lang="en-US" sz="1600" dirty="0"/>
           </a:p>
         </p:txBody>
       </p:sp>

--- a/Poster.pptx
+++ b/Poster.pptx
@@ -135,13 +135,6 @@
       </p:ext>
     </p:extLst>
   </p:cmAuthor>
-  <p:cmAuthor id="2" name="Mcmillan, Delaynie  (Student)" initials="MD(" lastIdx="1" clrIdx="1">
-    <p:extLst>
-      <p:ext uri="{19B8F6BF-5375-455C-9EA6-DF929625EA0E}">
-        <p15:presenceInfo xmlns:p15="http://schemas.microsoft.com/office/powerpoint/2012/main" userId="S::s-mcmilland@bsd405.org::78db06bd-4089-492c-b243-0d948b5d11e4" providerId="AD"/>
-      </p:ext>
-    </p:extLst>
-  </p:cmAuthor>
 </p:cmAuthorLst>
 </file>
 
@@ -227,7 +220,7 @@
           <a:p>
             <a:fld id="{7A4C888E-529B-4285-8AEE-73AD0302CA51}" type="datetimeFigureOut">
               <a:rPr lang="en-US" smtClean="0"/>
-              <a:t>8/30/20</a:t>
+              <a:t>25-Aug-20</a:t>
             </a:fld>
             <a:endParaRPr lang="en-US"/>
           </a:p>
@@ -771,7 +764,7 @@
           <a:p>
             <a:fld id="{00B1DE44-7493-4665-A02F-847C79AD84D3}" type="datetimeFigureOut">
               <a:rPr lang="en-US" smtClean="0"/>
-              <a:t>8/30/20</a:t>
+              <a:t>25-Aug-20</a:t>
             </a:fld>
             <a:endParaRPr lang="en-US"/>
           </a:p>
@@ -1114,7 +1107,7 @@
           <a:p>
             <a:fld id="{00B1DE44-7493-4665-A02F-847C79AD84D3}" type="datetimeFigureOut">
               <a:rPr lang="en-US" smtClean="0"/>
-              <a:t>8/30/20</a:t>
+              <a:t>25-Aug-20</a:t>
             </a:fld>
             <a:endParaRPr lang="en-US"/>
           </a:p>
@@ -1515,7 +1508,7 @@
           <a:p>
             <a:fld id="{00B1DE44-7493-4665-A02F-847C79AD84D3}" type="datetimeFigureOut">
               <a:rPr lang="en-US" smtClean="0"/>
-              <a:t>8/30/20</a:t>
+              <a:t>25-Aug-20</a:t>
             </a:fld>
             <a:endParaRPr lang="en-US"/>
           </a:p>
@@ -1851,7 +1844,7 @@
           <a:p>
             <a:fld id="{00B1DE44-7493-4665-A02F-847C79AD84D3}" type="datetimeFigureOut">
               <a:rPr lang="en-US" smtClean="0"/>
-              <a:t>8/30/20</a:t>
+              <a:t>25-Aug-20</a:t>
             </a:fld>
             <a:endParaRPr lang="en-US"/>
           </a:p>
@@ -2171,7 +2164,7 @@
           <a:p>
             <a:fld id="{00B1DE44-7493-4665-A02F-847C79AD84D3}" type="datetimeFigureOut">
               <a:rPr lang="en-US" smtClean="0"/>
-              <a:t>8/30/20</a:t>
+              <a:t>25-Aug-20</a:t>
             </a:fld>
             <a:endParaRPr lang="en-US"/>
           </a:p>
@@ -2567,7 +2560,7 @@
           <a:p>
             <a:fld id="{00B1DE44-7493-4665-A02F-847C79AD84D3}" type="datetimeFigureOut">
               <a:rPr lang="en-US" smtClean="0"/>
-              <a:t>8/30/20</a:t>
+              <a:t>25-Aug-20</a:t>
             </a:fld>
             <a:endParaRPr lang="en-US"/>
           </a:p>
@@ -2824,7 +2817,7 @@
           <a:p>
             <a:fld id="{00B1DE44-7493-4665-A02F-847C79AD84D3}" type="datetimeFigureOut">
               <a:rPr lang="en-US" smtClean="0"/>
-              <a:t>8/30/20</a:t>
+              <a:t>25-Aug-20</a:t>
             </a:fld>
             <a:endParaRPr lang="en-US"/>
           </a:p>
@@ -3086,7 +3079,7 @@
           <a:p>
             <a:fld id="{00B1DE44-7493-4665-A02F-847C79AD84D3}" type="datetimeFigureOut">
               <a:rPr lang="en-US" smtClean="0"/>
-              <a:t>8/30/20</a:t>
+              <a:t>25-Aug-20</a:t>
             </a:fld>
             <a:endParaRPr lang="en-US"/>
           </a:p>
@@ -3353,7 +3346,7 @@
           <a:p>
             <a:fld id="{00B1DE44-7493-4665-A02F-847C79AD84D3}" type="datetimeFigureOut">
               <a:rPr lang="en-US" smtClean="0"/>
-              <a:t>8/30/20</a:t>
+              <a:t>25-Aug-20</a:t>
             </a:fld>
             <a:endParaRPr lang="en-US"/>
           </a:p>
@@ -3682,7 +3675,7 @@
           <a:p>
             <a:fld id="{00B1DE44-7493-4665-A02F-847C79AD84D3}" type="datetimeFigureOut">
               <a:rPr lang="en-US" smtClean="0"/>
-              <a:t>8/30/20</a:t>
+              <a:t>25-Aug-20</a:t>
             </a:fld>
             <a:endParaRPr lang="en-US"/>
           </a:p>
@@ -4010,7 +4003,7 @@
           <a:p>
             <a:fld id="{00B1DE44-7493-4665-A02F-847C79AD84D3}" type="datetimeFigureOut">
               <a:rPr lang="en-US" smtClean="0"/>
-              <a:t>8/30/20</a:t>
+              <a:t>25-Aug-20</a:t>
             </a:fld>
             <a:endParaRPr lang="en-US"/>
           </a:p>
@@ -4467,7 +4460,7 @@
           <a:p>
             <a:fld id="{00B1DE44-7493-4665-A02F-847C79AD84D3}" type="datetimeFigureOut">
               <a:rPr lang="en-US" smtClean="0"/>
-              <a:t>8/30/20</a:t>
+              <a:t>25-Aug-20</a:t>
             </a:fld>
             <a:endParaRPr lang="en-US"/>
           </a:p>
@@ -4672,7 +4665,7 @@
           <a:p>
             <a:fld id="{00B1DE44-7493-4665-A02F-847C79AD84D3}" type="datetimeFigureOut">
               <a:rPr lang="en-US" smtClean="0"/>
-              <a:t>8/30/20</a:t>
+              <a:t>25-Aug-20</a:t>
             </a:fld>
             <a:endParaRPr lang="en-US"/>
           </a:p>
@@ -4849,7 +4842,7 @@
           <a:p>
             <a:fld id="{00B1DE44-7493-4665-A02F-847C79AD84D3}" type="datetimeFigureOut">
               <a:rPr lang="en-US" smtClean="0"/>
-              <a:t>8/30/20</a:t>
+              <a:t>25-Aug-20</a:t>
             </a:fld>
             <a:endParaRPr lang="en-US"/>
           </a:p>
@@ -5187,7 +5180,7 @@
           <a:p>
             <a:fld id="{00B1DE44-7493-4665-A02F-847C79AD84D3}" type="datetimeFigureOut">
               <a:rPr lang="en-US" smtClean="0"/>
-              <a:t>8/30/20</a:t>
+              <a:t>25-Aug-20</a:t>
             </a:fld>
             <a:endParaRPr lang="en-US"/>
           </a:p>
@@ -5537,7 +5530,7 @@
           <a:p>
             <a:fld id="{00B1DE44-7493-4665-A02F-847C79AD84D3}" type="datetimeFigureOut">
               <a:rPr lang="en-US" smtClean="0"/>
-              <a:t>8/30/20</a:t>
+              <a:t>25-Aug-20</a:t>
             </a:fld>
             <a:endParaRPr lang="en-US"/>
           </a:p>
@@ -7654,7 +7647,7 @@
           <a:p>
             <a:fld id="{00B1DE44-7493-4665-A02F-847C79AD84D3}" type="datetimeFigureOut">
               <a:rPr lang="en-US" smtClean="0"/>
-              <a:t>8/30/20</a:t>
+              <a:t>25-Aug-20</a:t>
             </a:fld>
             <a:endParaRPr lang="en-US"/>
           </a:p>
@@ -8460,10 +8453,10 @@
         </p:nvGrpSpPr>
         <p:grpSpPr>
           <a:xfrm>
-            <a:off x="12029" y="1044055"/>
-            <a:ext cx="3225730" cy="839541"/>
-            <a:chOff x="0" y="1227020"/>
-            <a:chExt cx="3473862" cy="904121"/>
+            <a:off x="0" y="1044055"/>
+            <a:ext cx="3237759" cy="839541"/>
+            <a:chOff x="-12955" y="1227020"/>
+            <a:chExt cx="3486817" cy="904121"/>
           </a:xfrm>
         </p:grpSpPr>
         <p:grpSp>
@@ -8612,7 +8605,7 @@
           </p:nvSpPr>
           <p:spPr>
             <a:xfrm>
-              <a:off x="21982" y="1449089"/>
+              <a:off x="-11742" y="1259288"/>
               <a:ext cx="3183857" cy="438000"/>
             </a:xfrm>
             <a:prstGeom prst="rect">
@@ -8637,6 +8630,45 @@
             </a:p>
           </p:txBody>
         </p:sp>
+        <p:sp>
+          <p:nvSpPr>
+            <p:cNvPr id="13" name="TextBox 12">
+              <a:extLst>
+                <a:ext uri="{FF2B5EF4-FFF2-40B4-BE49-F238E27FC236}">
+                  <a16:creationId xmlns:a16="http://schemas.microsoft.com/office/drawing/2014/main" id="{DCFD9279-2063-4C28-A2EE-A1CED9626D47}"/>
+                </a:ext>
+              </a:extLst>
+            </p:cNvPr>
+            <p:cNvSpPr txBox="1"/>
+            <p:nvPr/>
+          </p:nvSpPr>
+          <p:spPr>
+            <a:xfrm>
+              <a:off x="-12955" y="1724493"/>
+              <a:ext cx="2837764" cy="345676"/>
+            </a:xfrm>
+            <a:prstGeom prst="rect">
+              <a:avLst/>
+            </a:prstGeom>
+            <a:noFill/>
+          </p:spPr>
+          <p:txBody>
+            <a:bodyPr wrap="square" rtlCol="0">
+              <a:spAutoFit/>
+            </a:bodyPr>
+            <a:lstStyle/>
+            <a:p>
+              <a:r>
+                <a:rPr lang="en-US" sz="1486" dirty="0">
+                  <a:solidFill>
+                    <a:schemeClr val="bg1"/>
+                  </a:solidFill>
+                </a:rPr>
+                <a:t>Tuesday, 25 August 2020</a:t>
+              </a:r>
+            </a:p>
+          </p:txBody>
+        </p:sp>
       </p:grpSp>
       <p:sp>
         <p:nvSpPr>
@@ -8652,7 +8684,7 @@
         </p:nvSpPr>
         <p:spPr>
           <a:xfrm>
-            <a:off x="231189" y="2136554"/>
+            <a:off x="249838" y="2417787"/>
             <a:ext cx="3512441" cy="3210431"/>
           </a:xfrm>
           <a:prstGeom prst="rect">
@@ -9133,120 +9165,6 @@
               </a:rPr>
               <a:t>Most of the people that students interact with are not listed as friends</a:t>
             </a:r>
-          </a:p>
-        </p:txBody>
-      </p:sp>
-      <p:sp>
-        <p:nvSpPr>
-          <p:cNvPr id="2" name="TextBox 1">
-            <a:extLst>
-              <a:ext uri="{FF2B5EF4-FFF2-40B4-BE49-F238E27FC236}">
-                <a16:creationId xmlns:a16="http://schemas.microsoft.com/office/drawing/2014/main" id="{5A68B4B8-A593-5F47-A693-3C11B37D9FF4}"/>
-              </a:ext>
-            </a:extLst>
-          </p:cNvPr>
-          <p:cNvSpPr txBox="1"/>
-          <p:nvPr/>
-        </p:nvSpPr>
-        <p:spPr>
-          <a:xfrm>
-            <a:off x="16393817" y="83313"/>
-            <a:ext cx="5320594" cy="4059894"/>
-          </a:xfrm>
-          <a:prstGeom prst="rect">
-            <a:avLst/>
-          </a:prstGeom>
-          <a:noFill/>
-        </p:spPr>
-        <p:txBody>
-          <a:bodyPr wrap="square" rtlCol="0">
-            <a:spAutoFit/>
-          </a:bodyPr>
-          <a:lstStyle/>
-          <a:p>
-            <a:pPr>
-              <a:lnSpc>
-                <a:spcPct val="150000"/>
-              </a:lnSpc>
-            </a:pPr>
-            <a:r>
-              <a:rPr lang="en-US" sz="2600" b="1" dirty="0"/>
-              <a:t>Conclusion</a:t>
-            </a:r>
-          </a:p>
-          <a:p>
-            <a:pPr>
-              <a:lnSpc>
-                <a:spcPct val="150000"/>
-              </a:lnSpc>
-            </a:pPr>
-            <a:r>
-              <a:rPr lang="en-US" sz="1860" b="1" dirty="0"/>
-              <a:t>Based on results from this investigation, it is evident that the schedules of students are closely correlated to with whom and when they interact.  Some possible areas of study for future investigations include factoring in the gender of the students and their known Facebook friendship statuses.</a:t>
-            </a:r>
-          </a:p>
-          <a:p>
-            <a:pPr>
-              <a:lnSpc>
-                <a:spcPct val="150000"/>
-              </a:lnSpc>
-            </a:pPr>
-            <a:endParaRPr lang="en-US" b="1" dirty="0"/>
-          </a:p>
-        </p:txBody>
-      </p:sp>
-      <p:sp>
-        <p:nvSpPr>
-          <p:cNvPr id="3" name="TextBox 2">
-            <a:extLst>
-              <a:ext uri="{FF2B5EF4-FFF2-40B4-BE49-F238E27FC236}">
-                <a16:creationId xmlns:a16="http://schemas.microsoft.com/office/drawing/2014/main" id="{05D1F0C9-7484-CB42-A934-A6256079D91E}"/>
-              </a:ext>
-            </a:extLst>
-          </p:cNvPr>
-          <p:cNvSpPr txBox="1"/>
-          <p:nvPr/>
-        </p:nvSpPr>
-        <p:spPr>
-          <a:xfrm>
-            <a:off x="918784" y="11137612"/>
-            <a:ext cx="21166372" cy="584775"/>
-          </a:xfrm>
-          <a:prstGeom prst="rect">
-            <a:avLst/>
-          </a:prstGeom>
-          <a:noFill/>
-        </p:spPr>
-        <p:txBody>
-          <a:bodyPr wrap="none" rtlCol="0">
-            <a:spAutoFit/>
-          </a:bodyPr>
-          <a:lstStyle/>
-          <a:p>
-            <a:r>
-              <a:rPr lang="en-US" sz="1600" dirty="0"/>
-              <a:t>Sources: </a:t>
-            </a:r>
-            <a:r>
-              <a:rPr lang="en-US" sz="1600" dirty="0">
-                <a:hlinkClick r:id="rId6"/>
-              </a:rPr>
-              <a:t>SocioPatterns high school and contact friendship networks</a:t>
-            </a:r>
-            <a:r>
-              <a:rPr lang="en-US" sz="1600" dirty="0"/>
-              <a:t> and </a:t>
-            </a:r>
-            <a:r>
-              <a:rPr lang="en-US" sz="1600" dirty="0">
-                <a:hlinkClick r:id="rId7"/>
-              </a:rPr>
-              <a:t>Contact Patterns in a High School: A Comparison between Data Collected Using Wearable Sensors, Contact Diaries and Friendship Surveys</a:t>
-            </a:r>
-            <a:endParaRPr lang="en-US" sz="1600" dirty="0"/>
-          </a:p>
-          <a:p>
-            <a:endParaRPr lang="en-US" sz="1600" dirty="0"/>
           </a:p>
         </p:txBody>
       </p:sp>
